--- a/Testing Web Menggunakan Nodejs.pptx
+++ b/Testing Web Menggunakan Nodejs.pptx
@@ -1,21 +1,23 @@
 
 <file path=ppt/presentation.xml><?xml version="1.0" encoding="utf-8"?>
-<p:presentation xmlns:a="http://schemas.openxmlformats.org/drawingml/2006/main" xmlns:r="http://schemas.openxmlformats.org/officeDocument/2006/relationships" xmlns:mc="http://schemas.openxmlformats.org/markup-compatibility/2006" xmlns:mv="urn:schemas-microsoft-com:mac:vml" xmlns:p="http://schemas.openxmlformats.org/presentationml/2006/main" xmlns:c="http://schemas.openxmlformats.org/drawingml/2006/chart" xmlns:dgm="http://schemas.openxmlformats.org/drawingml/2006/diagram" xmlns:o="urn:schemas-microsoft-com:office:office" xmlns:v="urn:schemas-microsoft-com:vml" xmlns:pvml="urn:schemas-microsoft-com:office:powerpoint" xmlns:com="http://schemas.openxmlformats.org/drawingml/2006/compatibility" xmlns:p14="http://schemas.microsoft.com/office/powerpoint/2010/main" xmlns:p15="http://schemas.microsoft.com/office/powerpoint/2012/main" autoCompressPictures="0" strictFirstAndLastChars="0" saveSubsetFonts="1">
+<p:presentation xmlns:a="http://schemas.openxmlformats.org/drawingml/2006/main" xmlns:r="http://schemas.openxmlformats.org/officeDocument/2006/relationships" xmlns:p="http://schemas.openxmlformats.org/presentationml/2006/main" strictFirstAndLastChars="0" saveSubsetFonts="1" autoCompressPictures="0">
   <p:sldMasterIdLst>
-    <p:sldMasterId id="2147483660" r:id="rId4"/>
+    <p:sldMasterId id="2147483660" r:id="rId1"/>
   </p:sldMasterIdLst>
   <p:notesMasterIdLst>
-    <p:notesMasterId r:id="rId5"/>
+    <p:notesMasterId r:id="rId7"/>
   </p:notesMasterIdLst>
   <p:sldIdLst>
-    <p:sldId id="256" r:id="rId6"/>
-    <p:sldId id="257" r:id="rId7"/>
-    <p:sldId id="258" r:id="rId8"/>
+    <p:sldId id="256" r:id="rId2"/>
+    <p:sldId id="257" r:id="rId3"/>
+    <p:sldId id="259" r:id="rId4"/>
+    <p:sldId id="260" r:id="rId5"/>
+    <p:sldId id="258" r:id="rId6"/>
   </p:sldIdLst>
-  <p:sldSz cy="5143500" cx="9144000"/>
+  <p:sldSz cx="9144000" cy="5143500" type="screen16x9"/>
   <p:notesSz cx="6858000" cy="9144000"/>
   <p:defaultTextStyle>
-    <a:defPPr lvl="0" marR="0" rtl="0" algn="l">
+    <a:defPPr marR="0" lvl="0" algn="l" rtl="0">
       <a:lnSpc>
         <a:spcPct val="100000"/>
       </a:lnSpc>
@@ -26,7 +28,7 @@
         <a:spcPts val="0"/>
       </a:spcAft>
     </a:defPPr>
-    <a:lvl1pPr lvl="0" marR="0" rtl="0" algn="l">
+    <a:lvl1pPr marR="0" lvl="0" algn="l" rtl="0">
       <a:lnSpc>
         <a:spcPct val="100000"/>
       </a:lnSpc>
@@ -40,7 +42,7 @@
         <a:srgbClr val="000000"/>
       </a:buClr>
       <a:buFont typeface="Arial"/>
-      <a:defRPr b="0" i="0" sz="1400" u="none" cap="none" strike="noStrike">
+      <a:defRPr sz="1400" b="0" i="0" u="none" strike="noStrike" cap="none">
         <a:solidFill>
           <a:srgbClr val="000000"/>
         </a:solidFill>
@@ -50,7 +52,7 @@
         <a:sym typeface="Arial"/>
       </a:defRPr>
     </a:lvl1pPr>
-    <a:lvl2pPr lvl="1" marR="0" rtl="0" algn="l">
+    <a:lvl2pPr marR="0" lvl="1" algn="l" rtl="0">
       <a:lnSpc>
         <a:spcPct val="100000"/>
       </a:lnSpc>
@@ -64,7 +66,7 @@
         <a:srgbClr val="000000"/>
       </a:buClr>
       <a:buFont typeface="Arial"/>
-      <a:defRPr b="0" i="0" sz="1400" u="none" cap="none" strike="noStrike">
+      <a:defRPr sz="1400" b="0" i="0" u="none" strike="noStrike" cap="none">
         <a:solidFill>
           <a:srgbClr val="000000"/>
         </a:solidFill>
@@ -74,7 +76,7 @@
         <a:sym typeface="Arial"/>
       </a:defRPr>
     </a:lvl2pPr>
-    <a:lvl3pPr lvl="2" marR="0" rtl="0" algn="l">
+    <a:lvl3pPr marR="0" lvl="2" algn="l" rtl="0">
       <a:lnSpc>
         <a:spcPct val="100000"/>
       </a:lnSpc>
@@ -88,7 +90,7 @@
         <a:srgbClr val="000000"/>
       </a:buClr>
       <a:buFont typeface="Arial"/>
-      <a:defRPr b="0" i="0" sz="1400" u="none" cap="none" strike="noStrike">
+      <a:defRPr sz="1400" b="0" i="0" u="none" strike="noStrike" cap="none">
         <a:solidFill>
           <a:srgbClr val="000000"/>
         </a:solidFill>
@@ -98,7 +100,7 @@
         <a:sym typeface="Arial"/>
       </a:defRPr>
     </a:lvl3pPr>
-    <a:lvl4pPr lvl="3" marR="0" rtl="0" algn="l">
+    <a:lvl4pPr marR="0" lvl="3" algn="l" rtl="0">
       <a:lnSpc>
         <a:spcPct val="100000"/>
       </a:lnSpc>
@@ -112,7 +114,7 @@
         <a:srgbClr val="000000"/>
       </a:buClr>
       <a:buFont typeface="Arial"/>
-      <a:defRPr b="0" i="0" sz="1400" u="none" cap="none" strike="noStrike">
+      <a:defRPr sz="1400" b="0" i="0" u="none" strike="noStrike" cap="none">
         <a:solidFill>
           <a:srgbClr val="000000"/>
         </a:solidFill>
@@ -122,7 +124,7 @@
         <a:sym typeface="Arial"/>
       </a:defRPr>
     </a:lvl4pPr>
-    <a:lvl5pPr lvl="4" marR="0" rtl="0" algn="l">
+    <a:lvl5pPr marR="0" lvl="4" algn="l" rtl="0">
       <a:lnSpc>
         <a:spcPct val="100000"/>
       </a:lnSpc>
@@ -136,7 +138,7 @@
         <a:srgbClr val="000000"/>
       </a:buClr>
       <a:buFont typeface="Arial"/>
-      <a:defRPr b="0" i="0" sz="1400" u="none" cap="none" strike="noStrike">
+      <a:defRPr sz="1400" b="0" i="0" u="none" strike="noStrike" cap="none">
         <a:solidFill>
           <a:srgbClr val="000000"/>
         </a:solidFill>
@@ -146,7 +148,7 @@
         <a:sym typeface="Arial"/>
       </a:defRPr>
     </a:lvl5pPr>
-    <a:lvl6pPr lvl="5" marR="0" rtl="0" algn="l">
+    <a:lvl6pPr marR="0" lvl="5" algn="l" rtl="0">
       <a:lnSpc>
         <a:spcPct val="100000"/>
       </a:lnSpc>
@@ -160,7 +162,7 @@
         <a:srgbClr val="000000"/>
       </a:buClr>
       <a:buFont typeface="Arial"/>
-      <a:defRPr b="0" i="0" sz="1400" u="none" cap="none" strike="noStrike">
+      <a:defRPr sz="1400" b="0" i="0" u="none" strike="noStrike" cap="none">
         <a:solidFill>
           <a:srgbClr val="000000"/>
         </a:solidFill>
@@ -170,7 +172,7 @@
         <a:sym typeface="Arial"/>
       </a:defRPr>
     </a:lvl6pPr>
-    <a:lvl7pPr lvl="6" marR="0" rtl="0" algn="l">
+    <a:lvl7pPr marR="0" lvl="6" algn="l" rtl="0">
       <a:lnSpc>
         <a:spcPct val="100000"/>
       </a:lnSpc>
@@ -184,7 +186,7 @@
         <a:srgbClr val="000000"/>
       </a:buClr>
       <a:buFont typeface="Arial"/>
-      <a:defRPr b="0" i="0" sz="1400" u="none" cap="none" strike="noStrike">
+      <a:defRPr sz="1400" b="0" i="0" u="none" strike="noStrike" cap="none">
         <a:solidFill>
           <a:srgbClr val="000000"/>
         </a:solidFill>
@@ -194,7 +196,7 @@
         <a:sym typeface="Arial"/>
       </a:defRPr>
     </a:lvl7pPr>
-    <a:lvl8pPr lvl="7" marR="0" rtl="0" algn="l">
+    <a:lvl8pPr marR="0" lvl="7" algn="l" rtl="0">
       <a:lnSpc>
         <a:spcPct val="100000"/>
       </a:lnSpc>
@@ -208,7 +210,7 @@
         <a:srgbClr val="000000"/>
       </a:buClr>
       <a:buFont typeface="Arial"/>
-      <a:defRPr b="0" i="0" sz="1400" u="none" cap="none" strike="noStrike">
+      <a:defRPr sz="1400" b="0" i="0" u="none" strike="noStrike" cap="none">
         <a:solidFill>
           <a:srgbClr val="000000"/>
         </a:solidFill>
@@ -218,7 +220,7 @@
         <a:sym typeface="Arial"/>
       </a:defRPr>
     </a:lvl8pPr>
-    <a:lvl9pPr lvl="8" marR="0" rtl="0" algn="l">
+    <a:lvl9pPr marR="0" lvl="8" algn="l" rtl="0">
       <a:lnSpc>
         <a:spcPct val="100000"/>
       </a:lnSpc>
@@ -232,7 +234,7 @@
         <a:srgbClr val="000000"/>
       </a:buClr>
       <a:buFont typeface="Arial"/>
-      <a:defRPr b="0" i="0" sz="1400" u="none" cap="none" strike="noStrike">
+      <a:defRPr sz="1400" b="0" i="0" u="none" strike="noStrike" cap="none">
         <a:solidFill>
           <a:srgbClr val="000000"/>
         </a:solidFill>
@@ -245,7 +247,7 @@
   </p:defaultTextStyle>
   <p:extLst>
     <p:ext uri="{EFAFB233-063F-42B5-8137-9DF3F51BA10A}">
-      <p15:sldGuideLst>
+      <p15:sldGuideLst xmlns:p15="http://schemas.microsoft.com/office/powerpoint/2012/main">
         <p15:guide id="1" orient="horz" pos="1620">
           <p15:clr>
             <a:srgbClr val="A4A3A4"/>
@@ -263,11 +265,16 @@
 </file>
 
 <file path=ppt/notesMasters/notesMaster1.xml><?xml version="1.0" encoding="utf-8"?>
-<p:notesMaster xmlns:a="http://schemas.openxmlformats.org/drawingml/2006/main" xmlns:r="http://schemas.openxmlformats.org/officeDocument/2006/relationships" xmlns:mc="http://schemas.openxmlformats.org/markup-compatibility/2006" xmlns:mv="urn:schemas-microsoft-com:mac:vml" xmlns:p="http://schemas.openxmlformats.org/presentationml/2006/main" xmlns:c="http://schemas.openxmlformats.org/drawingml/2006/chart" xmlns:dgm="http://schemas.openxmlformats.org/drawingml/2006/diagram" xmlns:o="urn:schemas-microsoft-com:office:office" xmlns:v="urn:schemas-microsoft-com:vml" xmlns:pvml="urn:schemas-microsoft-com:office:powerpoint" xmlns:com="http://schemas.openxmlformats.org/drawingml/2006/compatibility" xmlns:p14="http://schemas.microsoft.com/office/powerpoint/2010/main" xmlns:p15="http://schemas.microsoft.com/office/powerpoint/2012/main">
+<p:notesMaster xmlns:a="http://schemas.openxmlformats.org/drawingml/2006/main" xmlns:r="http://schemas.openxmlformats.org/officeDocument/2006/relationships" xmlns:p="http://schemas.openxmlformats.org/presentationml/2006/main">
   <p:cSld>
+    <p:bg>
+      <p:bgRef idx="1001">
+        <a:schemeClr val="bg1"/>
+      </p:bgRef>
+    </p:bg>
     <p:spTree>
       <p:nvGrpSpPr>
-        <p:cNvPr id="2" name="Shape 2"/>
+        <p:cNvPr id="1" name="Shape 2"/>
         <p:cNvGrpSpPr/>
         <p:nvPr/>
       </p:nvGrpSpPr>
@@ -282,9 +289,11 @@
       <p:sp>
         <p:nvSpPr>
           <p:cNvPr id="3" name="Google Shape;3;n"/>
-          <p:cNvSpPr/>
+          <p:cNvSpPr>
+            <a:spLocks noGrp="1" noRot="1" noChangeAspect="1"/>
+          </p:cNvSpPr>
           <p:nvPr>
-            <p:ph idx="2" type="sldImg"/>
+            <p:ph type="sldImg" idx="2"/>
           </p:nvPr>
         </p:nvSpPr>
         <p:spPr>
@@ -293,9 +302,13 @@
             <a:ext cx="6096075" cy="3429000"/>
           </a:xfrm>
           <a:custGeom>
-            <a:rect b="b" l="l" r="r" t="t"/>
+            <a:avLst/>
+            <a:gdLst/>
+            <a:ahLst/>
+            <a:cxnLst/>
+            <a:rect l="l" t="t" r="r" b="b"/>
             <a:pathLst>
-              <a:path extrusionOk="0" h="120000" w="120000">
+              <a:path w="120000" h="120000" extrusionOk="0">
                 <a:moveTo>
                   <a:pt x="0" y="0"/>
                 </a:moveTo>
@@ -313,23 +326,25 @@
             </a:pathLst>
           </a:custGeom>
           <a:noFill/>
-          <a:ln cap="flat" cmpd="sng" w="9525">
+          <a:ln w="9525" cap="flat" cmpd="sng">
             <a:solidFill>
               <a:srgbClr val="000000"/>
             </a:solidFill>
             <a:prstDash val="solid"/>
             <a:round/>
-            <a:headEnd len="sm" w="sm" type="none"/>
-            <a:tailEnd len="sm" w="sm" type="none"/>
+            <a:headEnd type="none" w="sm" len="sm"/>
+            <a:tailEnd type="none" w="sm" len="sm"/>
           </a:ln>
         </p:spPr>
       </p:sp>
       <p:sp>
         <p:nvSpPr>
           <p:cNvPr id="4" name="Google Shape;4;n"/>
-          <p:cNvSpPr txBox="1"/>
+          <p:cNvSpPr txBox="1">
+            <a:spLocks noGrp="1"/>
+          </p:cNvSpPr>
           <p:nvPr>
-            <p:ph idx="1" type="body"/>
+            <p:ph type="body" idx="1"/>
           </p:nvPr>
         </p:nvSpPr>
         <p:spPr>
@@ -346,11 +361,11 @@
           </a:ln>
         </p:spPr>
         <p:txBody>
-          <a:bodyPr anchorCtr="0" anchor="t" bIns="91425" lIns="91425" spcFirstLastPara="1" rIns="91425" wrap="square" tIns="91425">
+          <a:bodyPr spcFirstLastPara="1" wrap="square" lIns="91425" tIns="91425" rIns="91425" bIns="91425" anchor="t" anchorCtr="0">
             <a:noAutofit/>
           </a:bodyPr>
           <a:lstStyle>
-            <a:lvl1pPr indent="-298450" lvl="0" marL="457200">
+            <a:lvl1pPr marL="457200" lvl="0" indent="-298450">
               <a:spcBef>
                 <a:spcPts val="0"/>
               </a:spcBef>
@@ -361,7 +376,7 @@
               <a:buChar char="●"/>
               <a:defRPr sz="1100"/>
             </a:lvl1pPr>
-            <a:lvl2pPr indent="-298450" lvl="1" marL="914400">
+            <a:lvl2pPr marL="914400" lvl="1" indent="-298450">
               <a:spcBef>
                 <a:spcPts val="0"/>
               </a:spcBef>
@@ -372,7 +387,7 @@
               <a:buChar char="○"/>
               <a:defRPr sz="1100"/>
             </a:lvl2pPr>
-            <a:lvl3pPr indent="-298450" lvl="2" marL="1371600">
+            <a:lvl3pPr marL="1371600" lvl="2" indent="-298450">
               <a:spcBef>
                 <a:spcPts val="0"/>
               </a:spcBef>
@@ -383,7 +398,7 @@
               <a:buChar char="■"/>
               <a:defRPr sz="1100"/>
             </a:lvl3pPr>
-            <a:lvl4pPr indent="-298450" lvl="3" marL="1828800">
+            <a:lvl4pPr marL="1828800" lvl="3" indent="-298450">
               <a:spcBef>
                 <a:spcPts val="0"/>
               </a:spcBef>
@@ -394,7 +409,7 @@
               <a:buChar char="●"/>
               <a:defRPr sz="1100"/>
             </a:lvl4pPr>
-            <a:lvl5pPr indent="-298450" lvl="4" marL="2286000">
+            <a:lvl5pPr marL="2286000" lvl="4" indent="-298450">
               <a:spcBef>
                 <a:spcPts val="0"/>
               </a:spcBef>
@@ -405,7 +420,7 @@
               <a:buChar char="○"/>
               <a:defRPr sz="1100"/>
             </a:lvl5pPr>
-            <a:lvl6pPr indent="-298450" lvl="5" marL="2743200">
+            <a:lvl6pPr marL="2743200" lvl="5" indent="-298450">
               <a:spcBef>
                 <a:spcPts val="0"/>
               </a:spcBef>
@@ -416,7 +431,7 @@
               <a:buChar char="■"/>
               <a:defRPr sz="1100"/>
             </a:lvl6pPr>
-            <a:lvl7pPr indent="-298450" lvl="6" marL="3200400">
+            <a:lvl7pPr marL="3200400" lvl="6" indent="-298450">
               <a:spcBef>
                 <a:spcPts val="0"/>
               </a:spcBef>
@@ -427,7 +442,7 @@
               <a:buChar char="●"/>
               <a:defRPr sz="1100"/>
             </a:lvl7pPr>
-            <a:lvl8pPr indent="-298450" lvl="7" marL="3657600">
+            <a:lvl8pPr marL="3657600" lvl="7" indent="-298450">
               <a:spcBef>
                 <a:spcPts val="0"/>
               </a:spcBef>
@@ -438,7 +453,7 @@
               <a:buChar char="○"/>
               <a:defRPr sz="1100"/>
             </a:lvl8pPr>
-            <a:lvl9pPr indent="-298450" lvl="8" marL="4114800">
+            <a:lvl9pPr marL="4114800" lvl="8" indent="-298450">
               <a:spcBef>
                 <a:spcPts val="0"/>
               </a:spcBef>
@@ -450,14 +465,21 @@
               <a:defRPr sz="1100"/>
             </a:lvl9pPr>
           </a:lstStyle>
-          <a:p/>
+          <a:p>
+            <a:endParaRPr/>
+          </a:p>
         </p:txBody>
       </p:sp>
     </p:spTree>
+    <p:extLst>
+      <p:ext uri="{BB962C8B-B14F-4D97-AF65-F5344CB8AC3E}">
+        <p14:creationId xmlns:p14="http://schemas.microsoft.com/office/powerpoint/2010/main" val="2189945829"/>
+      </p:ext>
+    </p:extLst>
   </p:cSld>
-  <p:clrMap accent1="accent1" accent2="accent2" accent3="accent3" accent4="accent4" accent5="accent5" accent6="accent6" bg1="lt1" bg2="dk2" tx1="dk1" tx2="lt2" folHlink="folHlink" hlink="hlink"/>
+  <p:clrMap bg1="lt1" tx1="dk1" bg2="dk2" tx2="lt2" accent1="accent1" accent2="accent2" accent3="accent3" accent4="accent4" accent5="accent5" accent6="accent6" hlink="hlink" folHlink="folHlink"/>
   <p:notesStyle>
-    <a:defPPr lvl="0" marR="0" rtl="0" algn="l">
+    <a:defPPr marR="0" lvl="0" algn="l" rtl="0">
       <a:lnSpc>
         <a:spcPct val="100000"/>
       </a:lnSpc>
@@ -468,7 +490,7 @@
         <a:spcPts val="0"/>
       </a:spcAft>
     </a:defPPr>
-    <a:lvl1pPr lvl="0" marR="0" rtl="0" algn="l">
+    <a:lvl1pPr marR="0" lvl="0" algn="l" rtl="0">
       <a:lnSpc>
         <a:spcPct val="100000"/>
       </a:lnSpc>
@@ -482,7 +504,7 @@
         <a:srgbClr val="000000"/>
       </a:buClr>
       <a:buFont typeface="Arial"/>
-      <a:defRPr b="0" i="0" sz="1400" u="none" cap="none" strike="noStrike">
+      <a:defRPr sz="1400" b="0" i="0" u="none" strike="noStrike" cap="none">
         <a:solidFill>
           <a:srgbClr val="000000"/>
         </a:solidFill>
@@ -492,7 +514,7 @@
         <a:sym typeface="Arial"/>
       </a:defRPr>
     </a:lvl1pPr>
-    <a:lvl2pPr lvl="1" marR="0" rtl="0" algn="l">
+    <a:lvl2pPr marR="0" lvl="1" algn="l" rtl="0">
       <a:lnSpc>
         <a:spcPct val="100000"/>
       </a:lnSpc>
@@ -506,7 +528,7 @@
         <a:srgbClr val="000000"/>
       </a:buClr>
       <a:buFont typeface="Arial"/>
-      <a:defRPr b="0" i="0" sz="1400" u="none" cap="none" strike="noStrike">
+      <a:defRPr sz="1400" b="0" i="0" u="none" strike="noStrike" cap="none">
         <a:solidFill>
           <a:srgbClr val="000000"/>
         </a:solidFill>
@@ -516,7 +538,7 @@
         <a:sym typeface="Arial"/>
       </a:defRPr>
     </a:lvl2pPr>
-    <a:lvl3pPr lvl="2" marR="0" rtl="0" algn="l">
+    <a:lvl3pPr marR="0" lvl="2" algn="l" rtl="0">
       <a:lnSpc>
         <a:spcPct val="100000"/>
       </a:lnSpc>
@@ -530,7 +552,7 @@
         <a:srgbClr val="000000"/>
       </a:buClr>
       <a:buFont typeface="Arial"/>
-      <a:defRPr b="0" i="0" sz="1400" u="none" cap="none" strike="noStrike">
+      <a:defRPr sz="1400" b="0" i="0" u="none" strike="noStrike" cap="none">
         <a:solidFill>
           <a:srgbClr val="000000"/>
         </a:solidFill>
@@ -540,7 +562,7 @@
         <a:sym typeface="Arial"/>
       </a:defRPr>
     </a:lvl3pPr>
-    <a:lvl4pPr lvl="3" marR="0" rtl="0" algn="l">
+    <a:lvl4pPr marR="0" lvl="3" algn="l" rtl="0">
       <a:lnSpc>
         <a:spcPct val="100000"/>
       </a:lnSpc>
@@ -554,7 +576,7 @@
         <a:srgbClr val="000000"/>
       </a:buClr>
       <a:buFont typeface="Arial"/>
-      <a:defRPr b="0" i="0" sz="1400" u="none" cap="none" strike="noStrike">
+      <a:defRPr sz="1400" b="0" i="0" u="none" strike="noStrike" cap="none">
         <a:solidFill>
           <a:srgbClr val="000000"/>
         </a:solidFill>
@@ -564,7 +586,7 @@
         <a:sym typeface="Arial"/>
       </a:defRPr>
     </a:lvl4pPr>
-    <a:lvl5pPr lvl="4" marR="0" rtl="0" algn="l">
+    <a:lvl5pPr marR="0" lvl="4" algn="l" rtl="0">
       <a:lnSpc>
         <a:spcPct val="100000"/>
       </a:lnSpc>
@@ -578,7 +600,7 @@
         <a:srgbClr val="000000"/>
       </a:buClr>
       <a:buFont typeface="Arial"/>
-      <a:defRPr b="0" i="0" sz="1400" u="none" cap="none" strike="noStrike">
+      <a:defRPr sz="1400" b="0" i="0" u="none" strike="noStrike" cap="none">
         <a:solidFill>
           <a:srgbClr val="000000"/>
         </a:solidFill>
@@ -588,7 +610,7 @@
         <a:sym typeface="Arial"/>
       </a:defRPr>
     </a:lvl5pPr>
-    <a:lvl6pPr lvl="5" marR="0" rtl="0" algn="l">
+    <a:lvl6pPr marR="0" lvl="5" algn="l" rtl="0">
       <a:lnSpc>
         <a:spcPct val="100000"/>
       </a:lnSpc>
@@ -602,7 +624,7 @@
         <a:srgbClr val="000000"/>
       </a:buClr>
       <a:buFont typeface="Arial"/>
-      <a:defRPr b="0" i="0" sz="1400" u="none" cap="none" strike="noStrike">
+      <a:defRPr sz="1400" b="0" i="0" u="none" strike="noStrike" cap="none">
         <a:solidFill>
           <a:srgbClr val="000000"/>
         </a:solidFill>
@@ -612,7 +634,7 @@
         <a:sym typeface="Arial"/>
       </a:defRPr>
     </a:lvl6pPr>
-    <a:lvl7pPr lvl="6" marR="0" rtl="0" algn="l">
+    <a:lvl7pPr marR="0" lvl="6" algn="l" rtl="0">
       <a:lnSpc>
         <a:spcPct val="100000"/>
       </a:lnSpc>
@@ -626,7 +648,7 @@
         <a:srgbClr val="000000"/>
       </a:buClr>
       <a:buFont typeface="Arial"/>
-      <a:defRPr b="0" i="0" sz="1400" u="none" cap="none" strike="noStrike">
+      <a:defRPr sz="1400" b="0" i="0" u="none" strike="noStrike" cap="none">
         <a:solidFill>
           <a:srgbClr val="000000"/>
         </a:solidFill>
@@ -636,7 +658,7 @@
         <a:sym typeface="Arial"/>
       </a:defRPr>
     </a:lvl7pPr>
-    <a:lvl8pPr lvl="7" marR="0" rtl="0" algn="l">
+    <a:lvl8pPr marR="0" lvl="7" algn="l" rtl="0">
       <a:lnSpc>
         <a:spcPct val="100000"/>
       </a:lnSpc>
@@ -650,7 +672,7 @@
         <a:srgbClr val="000000"/>
       </a:buClr>
       <a:buFont typeface="Arial"/>
-      <a:defRPr b="0" i="0" sz="1400" u="none" cap="none" strike="noStrike">
+      <a:defRPr sz="1400" b="0" i="0" u="none" strike="noStrike" cap="none">
         <a:solidFill>
           <a:srgbClr val="000000"/>
         </a:solidFill>
@@ -660,7 +682,7 @@
         <a:sym typeface="Arial"/>
       </a:defRPr>
     </a:lvl8pPr>
-    <a:lvl9pPr lvl="8" marR="0" rtl="0" algn="l">
+    <a:lvl9pPr marR="0" lvl="8" algn="l" rtl="0">
       <a:lnSpc>
         <a:spcPct val="100000"/>
       </a:lnSpc>
@@ -674,7 +696,7 @@
         <a:srgbClr val="000000"/>
       </a:buClr>
       <a:buFont typeface="Arial"/>
-      <a:defRPr b="0" i="0" sz="1400" u="none" cap="none" strike="noStrike">
+      <a:defRPr sz="1400" b="0" i="0" u="none" strike="noStrike" cap="none">
         <a:solidFill>
           <a:srgbClr val="000000"/>
         </a:solidFill>
@@ -689,11 +711,11 @@
 </file>
 
 <file path=ppt/notesSlides/notesSlide1.xml><?xml version="1.0" encoding="utf-8"?>
-<p:notes xmlns:a="http://schemas.openxmlformats.org/drawingml/2006/main" xmlns:r="http://schemas.openxmlformats.org/officeDocument/2006/relationships" xmlns:mc="http://schemas.openxmlformats.org/markup-compatibility/2006" xmlns:mv="urn:schemas-microsoft-com:mac:vml" xmlns:p="http://schemas.openxmlformats.org/presentationml/2006/main" xmlns:c="http://schemas.openxmlformats.org/drawingml/2006/chart" xmlns:dgm="http://schemas.openxmlformats.org/drawingml/2006/diagram" xmlns:o="urn:schemas-microsoft-com:office:office" xmlns:v="urn:schemas-microsoft-com:vml" xmlns:pvml="urn:schemas-microsoft-com:office:powerpoint" xmlns:com="http://schemas.openxmlformats.org/drawingml/2006/compatibility" xmlns:p14="http://schemas.microsoft.com/office/powerpoint/2010/main" xmlns:p15="http://schemas.microsoft.com/office/powerpoint/2012/main" showMasterPhAnim="0" showMasterSp="0">
+<p:notes xmlns:a="http://schemas.openxmlformats.org/drawingml/2006/main" xmlns:r="http://schemas.openxmlformats.org/officeDocument/2006/relationships" xmlns:p="http://schemas.openxmlformats.org/presentationml/2006/main" showMasterSp="0" showMasterPhAnim="0">
   <p:cSld>
     <p:spTree>
       <p:nvGrpSpPr>
-        <p:cNvPr id="88" name="Shape 88"/>
+        <p:cNvPr id="1" name="Shape 88"/>
         <p:cNvGrpSpPr/>
         <p:nvPr/>
       </p:nvGrpSpPr>
@@ -708,20 +730,26 @@
       <p:sp>
         <p:nvSpPr>
           <p:cNvPr id="89" name="Google Shape;89;p:notes"/>
-          <p:cNvSpPr/>
+          <p:cNvSpPr>
+            <a:spLocks noGrp="1" noRot="1" noChangeAspect="1"/>
+          </p:cNvSpPr>
           <p:nvPr>
-            <p:ph idx="2" type="sldImg"/>
+            <p:ph type="sldImg" idx="2"/>
           </p:nvPr>
         </p:nvSpPr>
         <p:spPr>
           <a:xfrm>
-            <a:off x="381300" y="685800"/>
-            <a:ext cx="6096075" cy="3429000"/>
+            <a:off x="381000" y="685800"/>
+            <a:ext cx="6096000" cy="3429000"/>
           </a:xfrm>
           <a:custGeom>
-            <a:rect b="b" l="l" r="r" t="t"/>
+            <a:avLst/>
+            <a:gdLst/>
+            <a:ahLst/>
+            <a:cxnLst/>
+            <a:rect l="l" t="t" r="r" b="b"/>
             <a:pathLst>
-              <a:path extrusionOk="0" h="120000" w="120000">
+              <a:path w="120000" h="120000" extrusionOk="0">
                 <a:moveTo>
                   <a:pt x="0" y="0"/>
                 </a:moveTo>
@@ -743,9 +771,11 @@
       <p:sp>
         <p:nvSpPr>
           <p:cNvPr id="90" name="Google Shape;90;p:notes"/>
-          <p:cNvSpPr txBox="1"/>
+          <p:cNvSpPr txBox="1">
+            <a:spLocks noGrp="1"/>
+          </p:cNvSpPr>
           <p:nvPr>
-            <p:ph idx="1" type="body"/>
+            <p:ph type="body" idx="1"/>
           </p:nvPr>
         </p:nvSpPr>
         <p:spPr>
@@ -758,12 +788,12 @@
           </a:prstGeom>
         </p:spPr>
         <p:txBody>
-          <a:bodyPr anchorCtr="0" anchor="t" bIns="91425" lIns="91425" spcFirstLastPara="1" rIns="91425" wrap="square" tIns="91425">
+          <a:bodyPr spcFirstLastPara="1" wrap="square" lIns="91425" tIns="91425" rIns="91425" bIns="91425" anchor="t" anchorCtr="0">
             <a:noAutofit/>
           </a:bodyPr>
           <a:lstStyle/>
           <a:p>
-            <a:pPr indent="0" lvl="0" marL="0" rtl="0" algn="l">
+            <a:pPr marL="0" lvl="0" indent="0" algn="l" rtl="0">
               <a:spcBef>
                 <a:spcPts val="0"/>
               </a:spcBef>
@@ -772,14 +802,16 @@
               </a:spcAft>
               <a:buNone/>
             </a:pPr>
-            <a:r>
-              <a:t/>
-            </a:r>
             <a:endParaRPr/>
           </a:p>
         </p:txBody>
       </p:sp>
     </p:spTree>
+    <p:extLst>
+      <p:ext uri="{BB962C8B-B14F-4D97-AF65-F5344CB8AC3E}">
+        <p14:creationId xmlns:p14="http://schemas.microsoft.com/office/powerpoint/2010/main" val="3539368698"/>
+      </p:ext>
+    </p:extLst>
   </p:cSld>
   <p:clrMapOvr>
     <a:masterClrMapping/>
@@ -788,11 +820,11 @@
 </file>
 
 <file path=ppt/notesSlides/notesSlide2.xml><?xml version="1.0" encoding="utf-8"?>
-<p:notes xmlns:a="http://schemas.openxmlformats.org/drawingml/2006/main" xmlns:r="http://schemas.openxmlformats.org/officeDocument/2006/relationships" xmlns:mc="http://schemas.openxmlformats.org/markup-compatibility/2006" xmlns:mv="urn:schemas-microsoft-com:mac:vml" xmlns:p="http://schemas.openxmlformats.org/presentationml/2006/main" xmlns:c="http://schemas.openxmlformats.org/drawingml/2006/chart" xmlns:dgm="http://schemas.openxmlformats.org/drawingml/2006/diagram" xmlns:o="urn:schemas-microsoft-com:office:office" xmlns:v="urn:schemas-microsoft-com:vml" xmlns:pvml="urn:schemas-microsoft-com:office:powerpoint" xmlns:com="http://schemas.openxmlformats.org/drawingml/2006/compatibility" xmlns:p14="http://schemas.microsoft.com/office/powerpoint/2010/main" xmlns:p15="http://schemas.microsoft.com/office/powerpoint/2012/main" showMasterPhAnim="0" showMasterSp="0">
+<p:notes xmlns:a="http://schemas.openxmlformats.org/drawingml/2006/main" xmlns:r="http://schemas.openxmlformats.org/officeDocument/2006/relationships" xmlns:p="http://schemas.openxmlformats.org/presentationml/2006/main" showMasterSp="0" showMasterPhAnim="0">
   <p:cSld>
     <p:spTree>
       <p:nvGrpSpPr>
-        <p:cNvPr id="94" name="Shape 94"/>
+        <p:cNvPr id="1" name="Shape 94"/>
         <p:cNvGrpSpPr/>
         <p:nvPr/>
       </p:nvGrpSpPr>
@@ -807,9 +839,11 @@
       <p:sp>
         <p:nvSpPr>
           <p:cNvPr id="95" name="Google Shape;95;g6da0f0ba9b_0_83:notes"/>
-          <p:cNvSpPr/>
+          <p:cNvSpPr>
+            <a:spLocks noGrp="1" noRot="1" noChangeAspect="1"/>
+          </p:cNvSpPr>
           <p:nvPr>
-            <p:ph idx="2" type="sldImg"/>
+            <p:ph type="sldImg" idx="2"/>
           </p:nvPr>
         </p:nvSpPr>
         <p:spPr>
@@ -818,9 +852,13 @@
             <a:ext cx="6096000" cy="3429000"/>
           </a:xfrm>
           <a:custGeom>
-            <a:rect b="b" l="l" r="r" t="t"/>
+            <a:avLst/>
+            <a:gdLst/>
+            <a:ahLst/>
+            <a:cxnLst/>
+            <a:rect l="l" t="t" r="r" b="b"/>
             <a:pathLst>
-              <a:path extrusionOk="0" h="120000" w="120000">
+              <a:path w="120000" h="120000" extrusionOk="0">
                 <a:moveTo>
                   <a:pt x="0" y="0"/>
                 </a:moveTo>
@@ -842,9 +880,11 @@
       <p:sp>
         <p:nvSpPr>
           <p:cNvPr id="96" name="Google Shape;96;g6da0f0ba9b_0_83:notes"/>
-          <p:cNvSpPr txBox="1"/>
+          <p:cNvSpPr txBox="1">
+            <a:spLocks noGrp="1"/>
+          </p:cNvSpPr>
           <p:nvPr>
-            <p:ph idx="1" type="body"/>
+            <p:ph type="body" idx="1"/>
           </p:nvPr>
         </p:nvSpPr>
         <p:spPr>
@@ -857,12 +897,12 @@
           </a:prstGeom>
         </p:spPr>
         <p:txBody>
-          <a:bodyPr anchorCtr="0" anchor="t" bIns="91425" lIns="91425" spcFirstLastPara="1" rIns="91425" wrap="square" tIns="91425">
+          <a:bodyPr spcFirstLastPara="1" wrap="square" lIns="91425" tIns="91425" rIns="91425" bIns="91425" anchor="t" anchorCtr="0">
             <a:noAutofit/>
           </a:bodyPr>
           <a:lstStyle/>
           <a:p>
-            <a:pPr indent="0" lvl="0" marL="0" rtl="0" algn="l">
+            <a:pPr marL="0" lvl="0" indent="0" algn="l" rtl="0">
               <a:spcBef>
                 <a:spcPts val="0"/>
               </a:spcBef>
@@ -871,14 +911,16 @@
               </a:spcAft>
               <a:buNone/>
             </a:pPr>
-            <a:r>
-              <a:t/>
-            </a:r>
             <a:endParaRPr/>
           </a:p>
         </p:txBody>
       </p:sp>
     </p:spTree>
+    <p:extLst>
+      <p:ext uri="{BB962C8B-B14F-4D97-AF65-F5344CB8AC3E}">
+        <p14:creationId xmlns:p14="http://schemas.microsoft.com/office/powerpoint/2010/main" val="2300342804"/>
+      </p:ext>
+    </p:extLst>
   </p:cSld>
   <p:clrMapOvr>
     <a:masterClrMapping/>
@@ -887,11 +929,11 @@
 </file>
 
 <file path=ppt/notesSlides/notesSlide3.xml><?xml version="1.0" encoding="utf-8"?>
-<p:notes xmlns:a="http://schemas.openxmlformats.org/drawingml/2006/main" xmlns:r="http://schemas.openxmlformats.org/officeDocument/2006/relationships" xmlns:mc="http://schemas.openxmlformats.org/markup-compatibility/2006" xmlns:mv="urn:schemas-microsoft-com:mac:vml" xmlns:p="http://schemas.openxmlformats.org/presentationml/2006/main" xmlns:c="http://schemas.openxmlformats.org/drawingml/2006/chart" xmlns:dgm="http://schemas.openxmlformats.org/drawingml/2006/diagram" xmlns:o="urn:schemas-microsoft-com:office:office" xmlns:v="urn:schemas-microsoft-com:vml" xmlns:pvml="urn:schemas-microsoft-com:office:powerpoint" xmlns:com="http://schemas.openxmlformats.org/drawingml/2006/compatibility" xmlns:p14="http://schemas.microsoft.com/office/powerpoint/2010/main" xmlns:p15="http://schemas.microsoft.com/office/powerpoint/2012/main" showMasterPhAnim="0" showMasterSp="0">
+<p:notes xmlns:a="http://schemas.openxmlformats.org/drawingml/2006/main" xmlns:r="http://schemas.openxmlformats.org/officeDocument/2006/relationships" xmlns:p="http://schemas.openxmlformats.org/presentationml/2006/main" showMasterSp="0" showMasterPhAnim="0">
   <p:cSld>
     <p:spTree>
       <p:nvGrpSpPr>
-        <p:cNvPr id="100" name="Shape 100"/>
+        <p:cNvPr id="1" name="Shape 100"/>
         <p:cNvGrpSpPr/>
         <p:nvPr/>
       </p:nvGrpSpPr>
@@ -906,20 +948,26 @@
       <p:sp>
         <p:nvSpPr>
           <p:cNvPr id="101" name="Google Shape;101;g6da0f0ba9b_0_88:notes"/>
-          <p:cNvSpPr/>
+          <p:cNvSpPr>
+            <a:spLocks noGrp="1" noRot="1" noChangeAspect="1"/>
+          </p:cNvSpPr>
           <p:nvPr>
-            <p:ph idx="2" type="sldImg"/>
+            <p:ph type="sldImg" idx="2"/>
           </p:nvPr>
         </p:nvSpPr>
         <p:spPr>
           <a:xfrm>
-            <a:off x="381300" y="685800"/>
+            <a:off x="381000" y="685800"/>
             <a:ext cx="6096000" cy="3429000"/>
           </a:xfrm>
           <a:custGeom>
-            <a:rect b="b" l="l" r="r" t="t"/>
+            <a:avLst/>
+            <a:gdLst/>
+            <a:ahLst/>
+            <a:cxnLst/>
+            <a:rect l="l" t="t" r="r" b="b"/>
             <a:pathLst>
-              <a:path extrusionOk="0" h="120000" w="120000">
+              <a:path w="120000" h="120000" extrusionOk="0">
                 <a:moveTo>
                   <a:pt x="0" y="0"/>
                 </a:moveTo>
@@ -941,9 +989,11 @@
       <p:sp>
         <p:nvSpPr>
           <p:cNvPr id="102" name="Google Shape;102;g6da0f0ba9b_0_88:notes"/>
-          <p:cNvSpPr txBox="1"/>
+          <p:cNvSpPr txBox="1">
+            <a:spLocks noGrp="1"/>
+          </p:cNvSpPr>
           <p:nvPr>
-            <p:ph idx="1" type="body"/>
+            <p:ph type="body" idx="1"/>
           </p:nvPr>
         </p:nvSpPr>
         <p:spPr>
@@ -956,12 +1006,12 @@
           </a:prstGeom>
         </p:spPr>
         <p:txBody>
-          <a:bodyPr anchorCtr="0" anchor="t" bIns="91425" lIns="91425" spcFirstLastPara="1" rIns="91425" wrap="square" tIns="91425">
+          <a:bodyPr spcFirstLastPara="1" wrap="square" lIns="91425" tIns="91425" rIns="91425" bIns="91425" anchor="t" anchorCtr="0">
             <a:noAutofit/>
           </a:bodyPr>
           <a:lstStyle/>
           <a:p>
-            <a:pPr indent="0" lvl="0" marL="0" rtl="0" algn="l">
+            <a:pPr marL="0" lvl="0" indent="0" algn="l" rtl="0">
               <a:spcBef>
                 <a:spcPts val="0"/>
               </a:spcBef>
@@ -970,14 +1020,16 @@
               </a:spcAft>
               <a:buNone/>
             </a:pPr>
-            <a:r>
-              <a:t/>
-            </a:r>
             <a:endParaRPr/>
           </a:p>
         </p:txBody>
       </p:sp>
     </p:spTree>
+    <p:extLst>
+      <p:ext uri="{BB962C8B-B14F-4D97-AF65-F5344CB8AC3E}">
+        <p14:creationId xmlns:p14="http://schemas.microsoft.com/office/powerpoint/2010/main" val="104000332"/>
+      </p:ext>
+    </p:extLst>
   </p:cSld>
   <p:clrMapOvr>
     <a:masterClrMapping/>
@@ -986,7 +1038,7 @@
 </file>
 
 <file path=ppt/slideLayouts/slideLayout1.xml><?xml version="1.0" encoding="utf-8"?>
-<p:sldLayout xmlns:a="http://schemas.openxmlformats.org/drawingml/2006/main" xmlns:r="http://schemas.openxmlformats.org/officeDocument/2006/relationships" xmlns:mc="http://schemas.openxmlformats.org/markup-compatibility/2006" xmlns:mv="urn:schemas-microsoft-com:mac:vml" xmlns:p="http://schemas.openxmlformats.org/presentationml/2006/main" xmlns:c="http://schemas.openxmlformats.org/drawingml/2006/chart" xmlns:dgm="http://schemas.openxmlformats.org/drawingml/2006/diagram" xmlns:o="urn:schemas-microsoft-com:office:office" xmlns:v="urn:schemas-microsoft-com:vml" xmlns:pvml="urn:schemas-microsoft-com:office:powerpoint" xmlns:com="http://schemas.openxmlformats.org/drawingml/2006/compatibility" xmlns:p14="http://schemas.microsoft.com/office/powerpoint/2010/main" xmlns:p15="http://schemas.microsoft.com/office/powerpoint/2012/main" matchingName="Title Slide" type="title">
+<p:sldLayout xmlns:a="http://schemas.openxmlformats.org/drawingml/2006/main" xmlns:r="http://schemas.openxmlformats.org/officeDocument/2006/relationships" xmlns:p="http://schemas.openxmlformats.org/presentationml/2006/main" matchingName="Title Slide" type="title">
   <p:cSld name="TITLE">
     <p:bg>
       <p:bgPr>
@@ -998,11 +1050,12 @@
             <a:fillRect/>
           </a:stretch>
         </a:blipFill>
+        <a:effectLst/>
       </p:bgPr>
     </p:bg>
     <p:spTree>
       <p:nvGrpSpPr>
-        <p:cNvPr id="12" name="Shape 12"/>
+        <p:cNvPr id="1" name="Shape 12"/>
         <p:cNvGrpSpPr/>
         <p:nvPr/>
       </p:nvGrpSpPr>
@@ -1017,7 +1070,9 @@
       <p:sp>
         <p:nvSpPr>
           <p:cNvPr id="13" name="Google Shape;13;p2"/>
-          <p:cNvSpPr txBox="1"/>
+          <p:cNvSpPr txBox="1">
+            <a:spLocks noGrp="1"/>
+          </p:cNvSpPr>
           <p:nvPr>
             <p:ph type="ctrTitle"/>
           </p:nvPr>
@@ -1035,7 +1090,7 @@
             <a:noFill/>
           </a:ln>
           <a:effectLst>
-            <a:outerShdw blurRad="50800" rotWithShape="0" algn="tl" dir="2700000" dist="38100">
+            <a:outerShdw blurRad="50800" dist="38100" dir="2700000" algn="tl" rotWithShape="0">
               <a:srgbClr val="000000">
                 <a:alpha val="40000"/>
               </a:srgbClr>
@@ -1043,7 +1098,7 @@
           </a:effectLst>
         </p:spPr>
         <p:txBody>
-          <a:bodyPr anchorCtr="0" anchor="ctr" bIns="45700" lIns="91425" spcFirstLastPara="1" rIns="91425" wrap="square" tIns="45700">
+          <a:bodyPr spcFirstLastPara="1" wrap="square" lIns="91425" tIns="45700" rIns="91425" bIns="45700" anchor="ctr" anchorCtr="0">
             <a:noAutofit/>
           </a:bodyPr>
           <a:lstStyle>
@@ -1155,15 +1210,19 @@
               <a:defRPr/>
             </a:lvl9pPr>
           </a:lstStyle>
-          <a:p/>
+          <a:p>
+            <a:endParaRPr/>
+          </a:p>
         </p:txBody>
       </p:sp>
       <p:sp>
         <p:nvSpPr>
           <p:cNvPr id="14" name="Google Shape;14;p2"/>
-          <p:cNvSpPr txBox="1"/>
+          <p:cNvSpPr txBox="1">
+            <a:spLocks noGrp="1"/>
+          </p:cNvSpPr>
           <p:nvPr>
-            <p:ph idx="1" type="subTitle"/>
+            <p:ph type="subTitle" idx="1"/>
           </p:nvPr>
         </p:nvSpPr>
         <p:spPr>
@@ -1180,7 +1239,7 @@
           </a:ln>
         </p:spPr>
         <p:txBody>
-          <a:bodyPr anchorCtr="0" anchor="t" bIns="45700" lIns="91425" spcFirstLastPara="1" rIns="91425" wrap="square" tIns="45700">
+          <a:bodyPr spcFirstLastPara="1" wrap="square" lIns="91425" tIns="45700" rIns="91425" bIns="45700" anchor="t" anchorCtr="0">
             <a:noAutofit/>
           </a:bodyPr>
           <a:lstStyle>
@@ -1196,7 +1255,7 @@
               </a:buClr>
               <a:buSzPts val="2800"/>
               <a:buNone/>
-              <a:defRPr b="0" i="0" sz="2800">
+              <a:defRPr sz="2800" b="0" i="0">
                 <a:solidFill>
                   <a:srgbClr val="F89BFF"/>
                 </a:solidFill>
@@ -1347,15 +1406,19 @@
               </a:defRPr>
             </a:lvl9pPr>
           </a:lstStyle>
-          <a:p/>
+          <a:p>
+            <a:endParaRPr/>
+          </a:p>
         </p:txBody>
       </p:sp>
       <p:sp>
         <p:nvSpPr>
           <p:cNvPr id="15" name="Google Shape;15;p2"/>
-          <p:cNvSpPr txBox="1"/>
+          <p:cNvSpPr txBox="1">
+            <a:spLocks noGrp="1"/>
+          </p:cNvSpPr>
           <p:nvPr>
-            <p:ph idx="10" type="dt"/>
+            <p:ph type="dt" idx="10"/>
           </p:nvPr>
         </p:nvSpPr>
         <p:spPr>
@@ -1372,7 +1435,7 @@
           </a:ln>
         </p:spPr>
         <p:txBody>
-          <a:bodyPr anchorCtr="0" anchor="ctr" bIns="45700" lIns="91425" spcFirstLastPara="1" rIns="91425" wrap="square" tIns="45700">
+          <a:bodyPr spcFirstLastPara="1" wrap="square" lIns="91425" tIns="45700" rIns="91425" bIns="45700" anchor="ctr" anchorCtr="0">
             <a:noAutofit/>
           </a:bodyPr>
           <a:lstStyle>
@@ -1476,15 +1539,19 @@
               <a:defRPr/>
             </a:lvl9pPr>
           </a:lstStyle>
-          <a:p/>
+          <a:p>
+            <a:endParaRPr/>
+          </a:p>
         </p:txBody>
       </p:sp>
       <p:sp>
         <p:nvSpPr>
           <p:cNvPr id="16" name="Google Shape;16;p2"/>
-          <p:cNvSpPr txBox="1"/>
+          <p:cNvSpPr txBox="1">
+            <a:spLocks noGrp="1"/>
+          </p:cNvSpPr>
           <p:nvPr>
-            <p:ph idx="11" type="ftr"/>
+            <p:ph type="ftr" idx="11"/>
           </p:nvPr>
         </p:nvSpPr>
         <p:spPr>
@@ -1501,7 +1568,7 @@
           </a:ln>
         </p:spPr>
         <p:txBody>
-          <a:bodyPr anchorCtr="0" anchor="ctr" bIns="45700" lIns="91425" spcFirstLastPara="1" rIns="91425" wrap="square" tIns="45700">
+          <a:bodyPr spcFirstLastPara="1" wrap="square" lIns="91425" tIns="45700" rIns="91425" bIns="45700" anchor="ctr" anchorCtr="0">
             <a:noAutofit/>
           </a:bodyPr>
           <a:lstStyle>
@@ -1605,15 +1672,19 @@
               <a:defRPr/>
             </a:lvl9pPr>
           </a:lstStyle>
-          <a:p/>
+          <a:p>
+            <a:endParaRPr/>
+          </a:p>
         </p:txBody>
       </p:sp>
       <p:sp>
         <p:nvSpPr>
           <p:cNvPr id="17" name="Google Shape;17;p2"/>
-          <p:cNvSpPr txBox="1"/>
+          <p:cNvSpPr txBox="1">
+            <a:spLocks noGrp="1"/>
+          </p:cNvSpPr>
           <p:nvPr>
-            <p:ph idx="12" type="sldNum"/>
+            <p:ph type="sldNum" idx="12"/>
           </p:nvPr>
         </p:nvSpPr>
         <p:spPr>
@@ -1630,67 +1701,67 @@
           </a:ln>
         </p:spPr>
         <p:txBody>
-          <a:bodyPr anchorCtr="0" anchor="ctr" bIns="45700" lIns="91425" spcFirstLastPara="1" rIns="91425" wrap="square" tIns="45700">
+          <a:bodyPr spcFirstLastPara="1" wrap="square" lIns="91425" tIns="45700" rIns="91425" bIns="45700" anchor="ctr" anchorCtr="0">
             <a:noAutofit/>
           </a:bodyPr>
           <a:lstStyle>
-            <a:lvl1pPr indent="0" lvl="0" marL="0" algn="r">
+            <a:lvl1pPr marL="0" lvl="0" indent="0" algn="r">
               <a:spcBef>
                 <a:spcPts val="0"/>
               </a:spcBef>
               <a:buNone/>
               <a:defRPr/>
             </a:lvl1pPr>
-            <a:lvl2pPr indent="0" lvl="1" marL="0" algn="r">
+            <a:lvl2pPr marL="0" lvl="1" indent="0" algn="r">
               <a:spcBef>
                 <a:spcPts val="0"/>
               </a:spcBef>
               <a:buNone/>
               <a:defRPr/>
             </a:lvl2pPr>
-            <a:lvl3pPr indent="0" lvl="2" marL="0" algn="r">
+            <a:lvl3pPr marL="0" lvl="2" indent="0" algn="r">
               <a:spcBef>
                 <a:spcPts val="0"/>
               </a:spcBef>
               <a:buNone/>
               <a:defRPr/>
             </a:lvl3pPr>
-            <a:lvl4pPr indent="0" lvl="3" marL="0" algn="r">
+            <a:lvl4pPr marL="0" lvl="3" indent="0" algn="r">
               <a:spcBef>
                 <a:spcPts val="0"/>
               </a:spcBef>
               <a:buNone/>
               <a:defRPr/>
             </a:lvl4pPr>
-            <a:lvl5pPr indent="0" lvl="4" marL="0" algn="r">
+            <a:lvl5pPr marL="0" lvl="4" indent="0" algn="r">
               <a:spcBef>
                 <a:spcPts val="0"/>
               </a:spcBef>
               <a:buNone/>
               <a:defRPr/>
             </a:lvl5pPr>
-            <a:lvl6pPr indent="0" lvl="5" marL="0" algn="r">
+            <a:lvl6pPr marL="0" lvl="5" indent="0" algn="r">
               <a:spcBef>
                 <a:spcPts val="0"/>
               </a:spcBef>
               <a:buNone/>
               <a:defRPr/>
             </a:lvl6pPr>
-            <a:lvl7pPr indent="0" lvl="6" marL="0" algn="r">
+            <a:lvl7pPr marL="0" lvl="6" indent="0" algn="r">
               <a:spcBef>
                 <a:spcPts val="0"/>
               </a:spcBef>
               <a:buNone/>
               <a:defRPr/>
             </a:lvl7pPr>
-            <a:lvl8pPr indent="0" lvl="7" marL="0" algn="r">
+            <a:lvl8pPr marL="0" lvl="7" indent="0" algn="r">
               <a:spcBef>
                 <a:spcPts val="0"/>
               </a:spcBef>
               <a:buNone/>
               <a:defRPr/>
             </a:lvl8pPr>
-            <a:lvl9pPr indent="0" lvl="8" marL="0" algn="r">
+            <a:lvl9pPr marL="0" lvl="8" indent="0" algn="r">
               <a:spcBef>
                 <a:spcPts val="0"/>
               </a:spcBef>
@@ -1699,7 +1770,7 @@
             </a:lvl9pPr>
           </a:lstStyle>
           <a:p>
-            <a:pPr indent="0" lvl="0" marL="0" rtl="0" algn="r">
+            <a:pPr marL="0" lvl="0" indent="0" algn="r" rtl="0">
               <a:spcBef>
                 <a:spcPts val="0"/>
               </a:spcBef>
@@ -1725,11 +1796,11 @@
 </file>
 
 <file path=ppt/slideLayouts/slideLayout10.xml><?xml version="1.0" encoding="utf-8"?>
-<p:sldLayout xmlns:a="http://schemas.openxmlformats.org/drawingml/2006/main" xmlns:r="http://schemas.openxmlformats.org/officeDocument/2006/relationships" xmlns:mc="http://schemas.openxmlformats.org/markup-compatibility/2006" xmlns:mv="urn:schemas-microsoft-com:mac:vml" xmlns:p="http://schemas.openxmlformats.org/presentationml/2006/main" xmlns:c="http://schemas.openxmlformats.org/drawingml/2006/chart" xmlns:dgm="http://schemas.openxmlformats.org/drawingml/2006/diagram" xmlns:o="urn:schemas-microsoft-com:office:office" xmlns:v="urn:schemas-microsoft-com:vml" xmlns:pvml="urn:schemas-microsoft-com:office:powerpoint" xmlns:com="http://schemas.openxmlformats.org/drawingml/2006/compatibility" xmlns:p14="http://schemas.microsoft.com/office/powerpoint/2010/main" xmlns:p15="http://schemas.microsoft.com/office/powerpoint/2012/main" matchingName="Picture with Caption" type="picTx">
+<p:sldLayout xmlns:a="http://schemas.openxmlformats.org/drawingml/2006/main" xmlns:r="http://schemas.openxmlformats.org/officeDocument/2006/relationships" xmlns:p="http://schemas.openxmlformats.org/presentationml/2006/main" matchingName="Picture with Caption" type="picTx">
   <p:cSld name="PICTURE_WITH_CAPTION_TEXT">
     <p:spTree>
       <p:nvGrpSpPr>
-        <p:cNvPr id="68" name="Shape 68"/>
+        <p:cNvPr id="1" name="Shape 68"/>
         <p:cNvGrpSpPr/>
         <p:nvPr/>
       </p:nvGrpSpPr>
@@ -1744,7 +1815,9 @@
       <p:sp>
         <p:nvSpPr>
           <p:cNvPr id="69" name="Google Shape;69;p11"/>
-          <p:cNvSpPr txBox="1"/>
+          <p:cNvSpPr txBox="1">
+            <a:spLocks noGrp="1"/>
+          </p:cNvSpPr>
           <p:nvPr>
             <p:ph type="title"/>
           </p:nvPr>
@@ -1763,7 +1836,7 @@
           </a:ln>
         </p:spPr>
         <p:txBody>
-          <a:bodyPr anchorCtr="0" anchor="b" bIns="45700" lIns="91425" spcFirstLastPara="1" rIns="91425" wrap="square" tIns="45700">
+          <a:bodyPr spcFirstLastPara="1" wrap="square" lIns="91425" tIns="45700" rIns="91425" bIns="45700" anchor="b" anchorCtr="0">
             <a:noAutofit/>
           </a:bodyPr>
           <a:lstStyle>
@@ -1780,7 +1853,7 @@
               <a:buSzPts val="2000"/>
               <a:buFont typeface="Calibri"/>
               <a:buNone/>
-              <a:defRPr b="1" sz="2000"/>
+              <a:defRPr sz="2000" b="1"/>
             </a:lvl1pPr>
             <a:lvl2pPr lvl="1">
               <a:spcBef>
@@ -1871,15 +1944,19 @@
               <a:defRPr/>
             </a:lvl9pPr>
           </a:lstStyle>
-          <a:p/>
+          <a:p>
+            <a:endParaRPr/>
+          </a:p>
         </p:txBody>
       </p:sp>
       <p:sp>
         <p:nvSpPr>
           <p:cNvPr id="70" name="Google Shape;70;p11"/>
-          <p:cNvSpPr/>
+          <p:cNvSpPr>
+            <a:spLocks noGrp="1"/>
+          </p:cNvSpPr>
           <p:nvPr>
-            <p:ph idx="2" type="pic"/>
+            <p:ph type="pic" idx="2"/>
           </p:nvPr>
         </p:nvSpPr>
         <p:spPr>
@@ -1896,11 +1973,11 @@
           </a:ln>
         </p:spPr>
         <p:txBody>
-          <a:bodyPr anchorCtr="0" anchor="t" bIns="45700" lIns="91425" spcFirstLastPara="1" rIns="91425" wrap="square" tIns="45700">
+          <a:bodyPr spcFirstLastPara="1" wrap="square" lIns="91425" tIns="45700" rIns="91425" bIns="45700" anchor="t" anchorCtr="0">
             <a:noAutofit/>
           </a:bodyPr>
           <a:lstStyle>
-            <a:lvl1pPr lvl="0" marR="0" rtl="0" algn="l">
+            <a:lvl1pPr marR="0" lvl="0" algn="l" rtl="0">
               <a:spcBef>
                 <a:spcPts val="640"/>
               </a:spcBef>
@@ -1913,7 +1990,7 @@
               <a:buSzPts val="3200"/>
               <a:buFont typeface="Arial"/>
               <a:buNone/>
-              <a:defRPr b="0" i="0" sz="3200" u="none" cap="none" strike="noStrike">
+              <a:defRPr sz="3200" b="0" i="0" u="none" strike="noStrike" cap="none">
                 <a:solidFill>
                   <a:schemeClr val="dk1"/>
                 </a:solidFill>
@@ -1923,7 +2000,7 @@
                 <a:sym typeface="Calibri"/>
               </a:defRPr>
             </a:lvl1pPr>
-            <a:lvl2pPr lvl="1" marR="0" rtl="0" algn="l">
+            <a:lvl2pPr marR="0" lvl="1" algn="l" rtl="0">
               <a:spcBef>
                 <a:spcPts val="560"/>
               </a:spcBef>
@@ -1936,7 +2013,7 @@
               <a:buSzPts val="2800"/>
               <a:buFont typeface="Arial"/>
               <a:buNone/>
-              <a:defRPr b="0" i="0" sz="2800" u="none" cap="none" strike="noStrike">
+              <a:defRPr sz="2800" b="0" i="0" u="none" strike="noStrike" cap="none">
                 <a:solidFill>
                   <a:schemeClr val="dk1"/>
                 </a:solidFill>
@@ -1946,7 +2023,7 @@
                 <a:sym typeface="Calibri"/>
               </a:defRPr>
             </a:lvl2pPr>
-            <a:lvl3pPr lvl="2" marR="0" rtl="0" algn="l">
+            <a:lvl3pPr marR="0" lvl="2" algn="l" rtl="0">
               <a:spcBef>
                 <a:spcPts val="480"/>
               </a:spcBef>
@@ -1959,7 +2036,7 @@
               <a:buSzPts val="2400"/>
               <a:buFont typeface="Arial"/>
               <a:buNone/>
-              <a:defRPr b="0" i="0" sz="2400" u="none" cap="none" strike="noStrike">
+              <a:defRPr sz="2400" b="0" i="0" u="none" strike="noStrike" cap="none">
                 <a:solidFill>
                   <a:schemeClr val="dk1"/>
                 </a:solidFill>
@@ -1969,7 +2046,7 @@
                 <a:sym typeface="Calibri"/>
               </a:defRPr>
             </a:lvl3pPr>
-            <a:lvl4pPr lvl="3" marR="0" rtl="0" algn="l">
+            <a:lvl4pPr marR="0" lvl="3" algn="l" rtl="0">
               <a:spcBef>
                 <a:spcPts val="400"/>
               </a:spcBef>
@@ -1982,7 +2059,7 @@
               <a:buSzPts val="2000"/>
               <a:buFont typeface="Arial"/>
               <a:buNone/>
-              <a:defRPr b="0" i="0" sz="2000" u="none" cap="none" strike="noStrike">
+              <a:defRPr sz="2000" b="0" i="0" u="none" strike="noStrike" cap="none">
                 <a:solidFill>
                   <a:schemeClr val="dk1"/>
                 </a:solidFill>
@@ -1992,7 +2069,7 @@
                 <a:sym typeface="Calibri"/>
               </a:defRPr>
             </a:lvl4pPr>
-            <a:lvl5pPr lvl="4" marR="0" rtl="0" algn="l">
+            <a:lvl5pPr marR="0" lvl="4" algn="l" rtl="0">
               <a:spcBef>
                 <a:spcPts val="400"/>
               </a:spcBef>
@@ -2005,7 +2082,7 @@
               <a:buSzPts val="2000"/>
               <a:buFont typeface="Arial"/>
               <a:buNone/>
-              <a:defRPr b="0" i="0" sz="2000" u="none" cap="none" strike="noStrike">
+              <a:defRPr sz="2000" b="0" i="0" u="none" strike="noStrike" cap="none">
                 <a:solidFill>
                   <a:schemeClr val="dk1"/>
                 </a:solidFill>
@@ -2015,7 +2092,7 @@
                 <a:sym typeface="Calibri"/>
               </a:defRPr>
             </a:lvl5pPr>
-            <a:lvl6pPr lvl="5" marR="0" rtl="0" algn="l">
+            <a:lvl6pPr marR="0" lvl="5" algn="l" rtl="0">
               <a:spcBef>
                 <a:spcPts val="400"/>
               </a:spcBef>
@@ -2028,7 +2105,7 @@
               <a:buSzPts val="2000"/>
               <a:buFont typeface="Arial"/>
               <a:buNone/>
-              <a:defRPr b="0" i="0" sz="2000" u="none" cap="none" strike="noStrike">
+              <a:defRPr sz="2000" b="0" i="0" u="none" strike="noStrike" cap="none">
                 <a:solidFill>
                   <a:schemeClr val="dk1"/>
                 </a:solidFill>
@@ -2038,7 +2115,7 @@
                 <a:sym typeface="Calibri"/>
               </a:defRPr>
             </a:lvl6pPr>
-            <a:lvl7pPr lvl="6" marR="0" rtl="0" algn="l">
+            <a:lvl7pPr marR="0" lvl="6" algn="l" rtl="0">
               <a:spcBef>
                 <a:spcPts val="400"/>
               </a:spcBef>
@@ -2051,7 +2128,7 @@
               <a:buSzPts val="2000"/>
               <a:buFont typeface="Arial"/>
               <a:buNone/>
-              <a:defRPr b="0" i="0" sz="2000" u="none" cap="none" strike="noStrike">
+              <a:defRPr sz="2000" b="0" i="0" u="none" strike="noStrike" cap="none">
                 <a:solidFill>
                   <a:schemeClr val="dk1"/>
                 </a:solidFill>
@@ -2061,7 +2138,7 @@
                 <a:sym typeface="Calibri"/>
               </a:defRPr>
             </a:lvl7pPr>
-            <a:lvl8pPr lvl="7" marR="0" rtl="0" algn="l">
+            <a:lvl8pPr marR="0" lvl="7" algn="l" rtl="0">
               <a:spcBef>
                 <a:spcPts val="400"/>
               </a:spcBef>
@@ -2074,7 +2151,7 @@
               <a:buSzPts val="2000"/>
               <a:buFont typeface="Arial"/>
               <a:buNone/>
-              <a:defRPr b="0" i="0" sz="2000" u="none" cap="none" strike="noStrike">
+              <a:defRPr sz="2000" b="0" i="0" u="none" strike="noStrike" cap="none">
                 <a:solidFill>
                   <a:schemeClr val="dk1"/>
                 </a:solidFill>
@@ -2084,7 +2161,7 @@
                 <a:sym typeface="Calibri"/>
               </a:defRPr>
             </a:lvl8pPr>
-            <a:lvl9pPr lvl="8" marR="0" rtl="0" algn="l">
+            <a:lvl9pPr marR="0" lvl="8" algn="l" rtl="0">
               <a:spcBef>
                 <a:spcPts val="400"/>
               </a:spcBef>
@@ -2097,7 +2174,7 @@
               <a:buSzPts val="2000"/>
               <a:buFont typeface="Arial"/>
               <a:buNone/>
-              <a:defRPr b="0" i="0" sz="2000" u="none" cap="none" strike="noStrike">
+              <a:defRPr sz="2000" b="0" i="0" u="none" strike="noStrike" cap="none">
                 <a:solidFill>
                   <a:schemeClr val="dk1"/>
                 </a:solidFill>
@@ -2108,15 +2185,19 @@
               </a:defRPr>
             </a:lvl9pPr>
           </a:lstStyle>
-          <a:p/>
+          <a:p>
+            <a:endParaRPr/>
+          </a:p>
         </p:txBody>
       </p:sp>
       <p:sp>
         <p:nvSpPr>
           <p:cNvPr id="71" name="Google Shape;71;p11"/>
-          <p:cNvSpPr txBox="1"/>
+          <p:cNvSpPr txBox="1">
+            <a:spLocks noGrp="1"/>
+          </p:cNvSpPr>
           <p:nvPr>
-            <p:ph idx="1" type="body"/>
+            <p:ph type="body" idx="1"/>
           </p:nvPr>
         </p:nvSpPr>
         <p:spPr>
@@ -2133,11 +2214,11 @@
           </a:ln>
         </p:spPr>
         <p:txBody>
-          <a:bodyPr anchorCtr="0" anchor="t" bIns="45700" lIns="91425" spcFirstLastPara="1" rIns="91425" wrap="square" tIns="45700">
+          <a:bodyPr spcFirstLastPara="1" wrap="square" lIns="91425" tIns="45700" rIns="91425" bIns="45700" anchor="t" anchorCtr="0">
             <a:noAutofit/>
           </a:bodyPr>
           <a:lstStyle>
-            <a:lvl1pPr indent="-228600" lvl="0" marL="457200" algn="l">
+            <a:lvl1pPr marL="457200" lvl="0" indent="-228600" algn="l">
               <a:spcBef>
                 <a:spcPts val="280"/>
               </a:spcBef>
@@ -2151,7 +2232,7 @@
               <a:buNone/>
               <a:defRPr sz="1400"/>
             </a:lvl1pPr>
-            <a:lvl2pPr indent="-228600" lvl="1" marL="914400" algn="l">
+            <a:lvl2pPr marL="914400" lvl="1" indent="-228600" algn="l">
               <a:spcBef>
                 <a:spcPts val="240"/>
               </a:spcBef>
@@ -2165,7 +2246,7 @@
               <a:buNone/>
               <a:defRPr sz="1200"/>
             </a:lvl2pPr>
-            <a:lvl3pPr indent="-228600" lvl="2" marL="1371600" algn="l">
+            <a:lvl3pPr marL="1371600" lvl="2" indent="-228600" algn="l">
               <a:spcBef>
                 <a:spcPts val="200"/>
               </a:spcBef>
@@ -2179,7 +2260,7 @@
               <a:buNone/>
               <a:defRPr sz="1000"/>
             </a:lvl3pPr>
-            <a:lvl4pPr indent="-228600" lvl="3" marL="1828800" algn="l">
+            <a:lvl4pPr marL="1828800" lvl="3" indent="-228600" algn="l">
               <a:spcBef>
                 <a:spcPts val="180"/>
               </a:spcBef>
@@ -2193,7 +2274,7 @@
               <a:buNone/>
               <a:defRPr sz="900"/>
             </a:lvl4pPr>
-            <a:lvl5pPr indent="-228600" lvl="4" marL="2286000" algn="l">
+            <a:lvl5pPr marL="2286000" lvl="4" indent="-228600" algn="l">
               <a:spcBef>
                 <a:spcPts val="180"/>
               </a:spcBef>
@@ -2207,7 +2288,7 @@
               <a:buNone/>
               <a:defRPr sz="900"/>
             </a:lvl5pPr>
-            <a:lvl6pPr indent="-228600" lvl="5" marL="2743200" algn="l">
+            <a:lvl6pPr marL="2743200" lvl="5" indent="-228600" algn="l">
               <a:spcBef>
                 <a:spcPts val="180"/>
               </a:spcBef>
@@ -2221,7 +2302,7 @@
               <a:buNone/>
               <a:defRPr sz="900"/>
             </a:lvl6pPr>
-            <a:lvl7pPr indent="-228600" lvl="6" marL="3200400" algn="l">
+            <a:lvl7pPr marL="3200400" lvl="6" indent="-228600" algn="l">
               <a:spcBef>
                 <a:spcPts val="180"/>
               </a:spcBef>
@@ -2235,7 +2316,7 @@
               <a:buNone/>
               <a:defRPr sz="900"/>
             </a:lvl7pPr>
-            <a:lvl8pPr indent="-228600" lvl="7" marL="3657600" algn="l">
+            <a:lvl8pPr marL="3657600" lvl="7" indent="-228600" algn="l">
               <a:spcBef>
                 <a:spcPts val="180"/>
               </a:spcBef>
@@ -2249,7 +2330,7 @@
               <a:buNone/>
               <a:defRPr sz="900"/>
             </a:lvl8pPr>
-            <a:lvl9pPr indent="-228600" lvl="8" marL="4114800" algn="l">
+            <a:lvl9pPr marL="4114800" lvl="8" indent="-228600" algn="l">
               <a:spcBef>
                 <a:spcPts val="180"/>
               </a:spcBef>
@@ -2264,15 +2345,19 @@
               <a:defRPr sz="900"/>
             </a:lvl9pPr>
           </a:lstStyle>
-          <a:p/>
+          <a:p>
+            <a:endParaRPr/>
+          </a:p>
         </p:txBody>
       </p:sp>
       <p:sp>
         <p:nvSpPr>
           <p:cNvPr id="72" name="Google Shape;72;p11"/>
-          <p:cNvSpPr txBox="1"/>
+          <p:cNvSpPr txBox="1">
+            <a:spLocks noGrp="1"/>
+          </p:cNvSpPr>
           <p:nvPr>
-            <p:ph idx="10" type="dt"/>
+            <p:ph type="dt" idx="10"/>
           </p:nvPr>
         </p:nvSpPr>
         <p:spPr>
@@ -2289,7 +2374,7 @@
           </a:ln>
         </p:spPr>
         <p:txBody>
-          <a:bodyPr anchorCtr="0" anchor="ctr" bIns="45700" lIns="91425" spcFirstLastPara="1" rIns="91425" wrap="square" tIns="45700">
+          <a:bodyPr spcFirstLastPara="1" wrap="square" lIns="91425" tIns="45700" rIns="91425" bIns="45700" anchor="ctr" anchorCtr="0">
             <a:noAutofit/>
           </a:bodyPr>
           <a:lstStyle>
@@ -2393,15 +2478,19 @@
               <a:defRPr/>
             </a:lvl9pPr>
           </a:lstStyle>
-          <a:p/>
+          <a:p>
+            <a:endParaRPr/>
+          </a:p>
         </p:txBody>
       </p:sp>
       <p:sp>
         <p:nvSpPr>
           <p:cNvPr id="73" name="Google Shape;73;p11"/>
-          <p:cNvSpPr txBox="1"/>
+          <p:cNvSpPr txBox="1">
+            <a:spLocks noGrp="1"/>
+          </p:cNvSpPr>
           <p:nvPr>
-            <p:ph idx="11" type="ftr"/>
+            <p:ph type="ftr" idx="11"/>
           </p:nvPr>
         </p:nvSpPr>
         <p:spPr>
@@ -2418,7 +2507,7 @@
           </a:ln>
         </p:spPr>
         <p:txBody>
-          <a:bodyPr anchorCtr="0" anchor="ctr" bIns="45700" lIns="91425" spcFirstLastPara="1" rIns="91425" wrap="square" tIns="45700">
+          <a:bodyPr spcFirstLastPara="1" wrap="square" lIns="91425" tIns="45700" rIns="91425" bIns="45700" anchor="ctr" anchorCtr="0">
             <a:noAutofit/>
           </a:bodyPr>
           <a:lstStyle>
@@ -2522,15 +2611,19 @@
               <a:defRPr/>
             </a:lvl9pPr>
           </a:lstStyle>
-          <a:p/>
+          <a:p>
+            <a:endParaRPr/>
+          </a:p>
         </p:txBody>
       </p:sp>
       <p:sp>
         <p:nvSpPr>
           <p:cNvPr id="74" name="Google Shape;74;p11"/>
-          <p:cNvSpPr txBox="1"/>
+          <p:cNvSpPr txBox="1">
+            <a:spLocks noGrp="1"/>
+          </p:cNvSpPr>
           <p:nvPr>
-            <p:ph idx="12" type="sldNum"/>
+            <p:ph type="sldNum" idx="12"/>
           </p:nvPr>
         </p:nvSpPr>
         <p:spPr>
@@ -2547,67 +2640,67 @@
           </a:ln>
         </p:spPr>
         <p:txBody>
-          <a:bodyPr anchorCtr="0" anchor="ctr" bIns="45700" lIns="91425" spcFirstLastPara="1" rIns="91425" wrap="square" tIns="45700">
+          <a:bodyPr spcFirstLastPara="1" wrap="square" lIns="91425" tIns="45700" rIns="91425" bIns="45700" anchor="ctr" anchorCtr="0">
             <a:noAutofit/>
           </a:bodyPr>
           <a:lstStyle>
-            <a:lvl1pPr indent="0" lvl="0" marL="0" algn="r">
+            <a:lvl1pPr marL="0" lvl="0" indent="0" algn="r">
               <a:spcBef>
                 <a:spcPts val="0"/>
               </a:spcBef>
               <a:buNone/>
               <a:defRPr/>
             </a:lvl1pPr>
-            <a:lvl2pPr indent="0" lvl="1" marL="0" algn="r">
+            <a:lvl2pPr marL="0" lvl="1" indent="0" algn="r">
               <a:spcBef>
                 <a:spcPts val="0"/>
               </a:spcBef>
               <a:buNone/>
               <a:defRPr/>
             </a:lvl2pPr>
-            <a:lvl3pPr indent="0" lvl="2" marL="0" algn="r">
+            <a:lvl3pPr marL="0" lvl="2" indent="0" algn="r">
               <a:spcBef>
                 <a:spcPts val="0"/>
               </a:spcBef>
               <a:buNone/>
               <a:defRPr/>
             </a:lvl3pPr>
-            <a:lvl4pPr indent="0" lvl="3" marL="0" algn="r">
+            <a:lvl4pPr marL="0" lvl="3" indent="0" algn="r">
               <a:spcBef>
                 <a:spcPts val="0"/>
               </a:spcBef>
               <a:buNone/>
               <a:defRPr/>
             </a:lvl4pPr>
-            <a:lvl5pPr indent="0" lvl="4" marL="0" algn="r">
+            <a:lvl5pPr marL="0" lvl="4" indent="0" algn="r">
               <a:spcBef>
                 <a:spcPts val="0"/>
               </a:spcBef>
               <a:buNone/>
               <a:defRPr/>
             </a:lvl5pPr>
-            <a:lvl6pPr indent="0" lvl="5" marL="0" algn="r">
+            <a:lvl6pPr marL="0" lvl="5" indent="0" algn="r">
               <a:spcBef>
                 <a:spcPts val="0"/>
               </a:spcBef>
               <a:buNone/>
               <a:defRPr/>
             </a:lvl6pPr>
-            <a:lvl7pPr indent="0" lvl="6" marL="0" algn="r">
+            <a:lvl7pPr marL="0" lvl="6" indent="0" algn="r">
               <a:spcBef>
                 <a:spcPts val="0"/>
               </a:spcBef>
               <a:buNone/>
               <a:defRPr/>
             </a:lvl7pPr>
-            <a:lvl8pPr indent="0" lvl="7" marL="0" algn="r">
+            <a:lvl8pPr marL="0" lvl="7" indent="0" algn="r">
               <a:spcBef>
                 <a:spcPts val="0"/>
               </a:spcBef>
               <a:buNone/>
               <a:defRPr/>
             </a:lvl8pPr>
-            <a:lvl9pPr indent="0" lvl="8" marL="0" algn="r">
+            <a:lvl9pPr marL="0" lvl="8" indent="0" algn="r">
               <a:spcBef>
                 <a:spcPts val="0"/>
               </a:spcBef>
@@ -2616,7 +2709,7 @@
             </a:lvl9pPr>
           </a:lstStyle>
           <a:p>
-            <a:pPr indent="0" lvl="0" marL="0" rtl="0" algn="r">
+            <a:pPr marL="0" lvl="0" indent="0" algn="r" rtl="0">
               <a:spcBef>
                 <a:spcPts val="0"/>
               </a:spcBef>
@@ -2642,11 +2735,11 @@
 </file>
 
 <file path=ppt/slideLayouts/slideLayout11.xml><?xml version="1.0" encoding="utf-8"?>
-<p:sldLayout xmlns:a="http://schemas.openxmlformats.org/drawingml/2006/main" xmlns:r="http://schemas.openxmlformats.org/officeDocument/2006/relationships" xmlns:mc="http://schemas.openxmlformats.org/markup-compatibility/2006" xmlns:mv="urn:schemas-microsoft-com:mac:vml" xmlns:p="http://schemas.openxmlformats.org/presentationml/2006/main" xmlns:c="http://schemas.openxmlformats.org/drawingml/2006/chart" xmlns:dgm="http://schemas.openxmlformats.org/drawingml/2006/diagram" xmlns:o="urn:schemas-microsoft-com:office:office" xmlns:v="urn:schemas-microsoft-com:vml" xmlns:pvml="urn:schemas-microsoft-com:office:powerpoint" xmlns:com="http://schemas.openxmlformats.org/drawingml/2006/compatibility" xmlns:p14="http://schemas.microsoft.com/office/powerpoint/2010/main" xmlns:p15="http://schemas.microsoft.com/office/powerpoint/2012/main" matchingName="Title and Vertical Text" type="vertTx">
+<p:sldLayout xmlns:a="http://schemas.openxmlformats.org/drawingml/2006/main" xmlns:r="http://schemas.openxmlformats.org/officeDocument/2006/relationships" xmlns:p="http://schemas.openxmlformats.org/presentationml/2006/main" matchingName="Title and Vertical Text" type="vertTx">
   <p:cSld name="VERTICAL_TEXT">
     <p:spTree>
       <p:nvGrpSpPr>
-        <p:cNvPr id="75" name="Shape 75"/>
+        <p:cNvPr id="1" name="Shape 75"/>
         <p:cNvGrpSpPr/>
         <p:nvPr/>
       </p:nvGrpSpPr>
@@ -2661,7 +2754,9 @@
       <p:sp>
         <p:nvSpPr>
           <p:cNvPr id="76" name="Google Shape;76;p12"/>
-          <p:cNvSpPr txBox="1"/>
+          <p:cNvSpPr txBox="1">
+            <a:spLocks noGrp="1"/>
+          </p:cNvSpPr>
           <p:nvPr>
             <p:ph type="title"/>
           </p:nvPr>
@@ -2680,7 +2775,7 @@
           </a:ln>
         </p:spPr>
         <p:txBody>
-          <a:bodyPr anchorCtr="0" anchor="ctr" bIns="45700" lIns="91425" spcFirstLastPara="1" rIns="91425" wrap="square" tIns="45700">
+          <a:bodyPr spcFirstLastPara="1" wrap="square" lIns="91425" tIns="45700" rIns="91425" bIns="45700" anchor="ctr" anchorCtr="0">
             <a:noAutofit/>
           </a:bodyPr>
           <a:lstStyle>
@@ -2787,15 +2882,19 @@
               <a:defRPr/>
             </a:lvl9pPr>
           </a:lstStyle>
-          <a:p/>
+          <a:p>
+            <a:endParaRPr/>
+          </a:p>
         </p:txBody>
       </p:sp>
       <p:sp>
         <p:nvSpPr>
           <p:cNvPr id="77" name="Google Shape;77;p12"/>
-          <p:cNvSpPr txBox="1"/>
+          <p:cNvSpPr txBox="1">
+            <a:spLocks noGrp="1"/>
+          </p:cNvSpPr>
           <p:nvPr>
-            <p:ph idx="1" type="body"/>
+            <p:ph type="body" idx="1"/>
           </p:nvPr>
         </p:nvSpPr>
         <p:spPr>
@@ -2812,11 +2911,11 @@
           </a:ln>
         </p:spPr>
         <p:txBody>
-          <a:bodyPr anchorCtr="0" anchor="t" bIns="45700" lIns="91425" spcFirstLastPara="1" rIns="91425" wrap="square" tIns="45700">
+          <a:bodyPr spcFirstLastPara="1" wrap="square" lIns="91425" tIns="45700" rIns="91425" bIns="45700" anchor="t" anchorCtr="0">
             <a:noAutofit/>
           </a:bodyPr>
           <a:lstStyle>
-            <a:lvl1pPr indent="-342900" lvl="0" marL="457200" algn="l">
+            <a:lvl1pPr marL="457200" lvl="0" indent="-342900" algn="l">
               <a:spcBef>
                 <a:spcPts val="360"/>
               </a:spcBef>
@@ -2830,7 +2929,7 @@
               <a:buChar char="•"/>
               <a:defRPr/>
             </a:lvl1pPr>
-            <a:lvl2pPr indent="-342900" lvl="1" marL="914400" algn="l">
+            <a:lvl2pPr marL="914400" lvl="1" indent="-342900" algn="l">
               <a:spcBef>
                 <a:spcPts val="360"/>
               </a:spcBef>
@@ -2844,7 +2943,7 @@
               <a:buChar char="–"/>
               <a:defRPr/>
             </a:lvl2pPr>
-            <a:lvl3pPr indent="-342900" lvl="2" marL="1371600" algn="l">
+            <a:lvl3pPr marL="1371600" lvl="2" indent="-342900" algn="l">
               <a:spcBef>
                 <a:spcPts val="360"/>
               </a:spcBef>
@@ -2858,7 +2957,7 @@
               <a:buChar char="•"/>
               <a:defRPr/>
             </a:lvl3pPr>
-            <a:lvl4pPr indent="-342900" lvl="3" marL="1828800" algn="l">
+            <a:lvl4pPr marL="1828800" lvl="3" indent="-342900" algn="l">
               <a:spcBef>
                 <a:spcPts val="360"/>
               </a:spcBef>
@@ -2872,7 +2971,7 @@
               <a:buChar char="–"/>
               <a:defRPr/>
             </a:lvl4pPr>
-            <a:lvl5pPr indent="-342900" lvl="4" marL="2286000" algn="l">
+            <a:lvl5pPr marL="2286000" lvl="4" indent="-342900" algn="l">
               <a:spcBef>
                 <a:spcPts val="360"/>
               </a:spcBef>
@@ -2886,7 +2985,7 @@
               <a:buChar char="»"/>
               <a:defRPr/>
             </a:lvl5pPr>
-            <a:lvl6pPr indent="-342900" lvl="5" marL="2743200" algn="l">
+            <a:lvl6pPr marL="2743200" lvl="5" indent="-342900" algn="l">
               <a:spcBef>
                 <a:spcPts val="360"/>
               </a:spcBef>
@@ -2900,7 +2999,7 @@
               <a:buChar char="•"/>
               <a:defRPr/>
             </a:lvl6pPr>
-            <a:lvl7pPr indent="-342900" lvl="6" marL="3200400" algn="l">
+            <a:lvl7pPr marL="3200400" lvl="6" indent="-342900" algn="l">
               <a:spcBef>
                 <a:spcPts val="360"/>
               </a:spcBef>
@@ -2914,7 +3013,7 @@
               <a:buChar char="•"/>
               <a:defRPr/>
             </a:lvl7pPr>
-            <a:lvl8pPr indent="-342900" lvl="7" marL="3657600" algn="l">
+            <a:lvl8pPr marL="3657600" lvl="7" indent="-342900" algn="l">
               <a:spcBef>
                 <a:spcPts val="360"/>
               </a:spcBef>
@@ -2928,7 +3027,7 @@
               <a:buChar char="•"/>
               <a:defRPr/>
             </a:lvl8pPr>
-            <a:lvl9pPr indent="-342900" lvl="8" marL="4114800" algn="l">
+            <a:lvl9pPr marL="4114800" lvl="8" indent="-342900" algn="l">
               <a:spcBef>
                 <a:spcPts val="360"/>
               </a:spcBef>
@@ -2943,15 +3042,19 @@
               <a:defRPr/>
             </a:lvl9pPr>
           </a:lstStyle>
-          <a:p/>
+          <a:p>
+            <a:endParaRPr/>
+          </a:p>
         </p:txBody>
       </p:sp>
       <p:sp>
         <p:nvSpPr>
           <p:cNvPr id="78" name="Google Shape;78;p12"/>
-          <p:cNvSpPr txBox="1"/>
+          <p:cNvSpPr txBox="1">
+            <a:spLocks noGrp="1"/>
+          </p:cNvSpPr>
           <p:nvPr>
-            <p:ph idx="10" type="dt"/>
+            <p:ph type="dt" idx="10"/>
           </p:nvPr>
         </p:nvSpPr>
         <p:spPr>
@@ -2968,7 +3071,7 @@
           </a:ln>
         </p:spPr>
         <p:txBody>
-          <a:bodyPr anchorCtr="0" anchor="ctr" bIns="45700" lIns="91425" spcFirstLastPara="1" rIns="91425" wrap="square" tIns="45700">
+          <a:bodyPr spcFirstLastPara="1" wrap="square" lIns="91425" tIns="45700" rIns="91425" bIns="45700" anchor="ctr" anchorCtr="0">
             <a:noAutofit/>
           </a:bodyPr>
           <a:lstStyle>
@@ -3072,15 +3175,19 @@
               <a:defRPr/>
             </a:lvl9pPr>
           </a:lstStyle>
-          <a:p/>
+          <a:p>
+            <a:endParaRPr/>
+          </a:p>
         </p:txBody>
       </p:sp>
       <p:sp>
         <p:nvSpPr>
           <p:cNvPr id="79" name="Google Shape;79;p12"/>
-          <p:cNvSpPr txBox="1"/>
+          <p:cNvSpPr txBox="1">
+            <a:spLocks noGrp="1"/>
+          </p:cNvSpPr>
           <p:nvPr>
-            <p:ph idx="11" type="ftr"/>
+            <p:ph type="ftr" idx="11"/>
           </p:nvPr>
         </p:nvSpPr>
         <p:spPr>
@@ -3097,7 +3204,7 @@
           </a:ln>
         </p:spPr>
         <p:txBody>
-          <a:bodyPr anchorCtr="0" anchor="ctr" bIns="45700" lIns="91425" spcFirstLastPara="1" rIns="91425" wrap="square" tIns="45700">
+          <a:bodyPr spcFirstLastPara="1" wrap="square" lIns="91425" tIns="45700" rIns="91425" bIns="45700" anchor="ctr" anchorCtr="0">
             <a:noAutofit/>
           </a:bodyPr>
           <a:lstStyle>
@@ -3201,15 +3308,19 @@
               <a:defRPr/>
             </a:lvl9pPr>
           </a:lstStyle>
-          <a:p/>
+          <a:p>
+            <a:endParaRPr/>
+          </a:p>
         </p:txBody>
       </p:sp>
       <p:sp>
         <p:nvSpPr>
           <p:cNvPr id="80" name="Google Shape;80;p12"/>
-          <p:cNvSpPr txBox="1"/>
+          <p:cNvSpPr txBox="1">
+            <a:spLocks noGrp="1"/>
+          </p:cNvSpPr>
           <p:nvPr>
-            <p:ph idx="12" type="sldNum"/>
+            <p:ph type="sldNum" idx="12"/>
           </p:nvPr>
         </p:nvSpPr>
         <p:spPr>
@@ -3226,67 +3337,67 @@
           </a:ln>
         </p:spPr>
         <p:txBody>
-          <a:bodyPr anchorCtr="0" anchor="ctr" bIns="45700" lIns="91425" spcFirstLastPara="1" rIns="91425" wrap="square" tIns="45700">
+          <a:bodyPr spcFirstLastPara="1" wrap="square" lIns="91425" tIns="45700" rIns="91425" bIns="45700" anchor="ctr" anchorCtr="0">
             <a:noAutofit/>
           </a:bodyPr>
           <a:lstStyle>
-            <a:lvl1pPr indent="0" lvl="0" marL="0" algn="r">
+            <a:lvl1pPr marL="0" lvl="0" indent="0" algn="r">
               <a:spcBef>
                 <a:spcPts val="0"/>
               </a:spcBef>
               <a:buNone/>
               <a:defRPr/>
             </a:lvl1pPr>
-            <a:lvl2pPr indent="0" lvl="1" marL="0" algn="r">
+            <a:lvl2pPr marL="0" lvl="1" indent="0" algn="r">
               <a:spcBef>
                 <a:spcPts val="0"/>
               </a:spcBef>
               <a:buNone/>
               <a:defRPr/>
             </a:lvl2pPr>
-            <a:lvl3pPr indent="0" lvl="2" marL="0" algn="r">
+            <a:lvl3pPr marL="0" lvl="2" indent="0" algn="r">
               <a:spcBef>
                 <a:spcPts val="0"/>
               </a:spcBef>
               <a:buNone/>
               <a:defRPr/>
             </a:lvl3pPr>
-            <a:lvl4pPr indent="0" lvl="3" marL="0" algn="r">
+            <a:lvl4pPr marL="0" lvl="3" indent="0" algn="r">
               <a:spcBef>
                 <a:spcPts val="0"/>
               </a:spcBef>
               <a:buNone/>
               <a:defRPr/>
             </a:lvl4pPr>
-            <a:lvl5pPr indent="0" lvl="4" marL="0" algn="r">
+            <a:lvl5pPr marL="0" lvl="4" indent="0" algn="r">
               <a:spcBef>
                 <a:spcPts val="0"/>
               </a:spcBef>
               <a:buNone/>
               <a:defRPr/>
             </a:lvl5pPr>
-            <a:lvl6pPr indent="0" lvl="5" marL="0" algn="r">
+            <a:lvl6pPr marL="0" lvl="5" indent="0" algn="r">
               <a:spcBef>
                 <a:spcPts val="0"/>
               </a:spcBef>
               <a:buNone/>
               <a:defRPr/>
             </a:lvl6pPr>
-            <a:lvl7pPr indent="0" lvl="6" marL="0" algn="r">
+            <a:lvl7pPr marL="0" lvl="6" indent="0" algn="r">
               <a:spcBef>
                 <a:spcPts val="0"/>
               </a:spcBef>
               <a:buNone/>
               <a:defRPr/>
             </a:lvl7pPr>
-            <a:lvl8pPr indent="0" lvl="7" marL="0" algn="r">
+            <a:lvl8pPr marL="0" lvl="7" indent="0" algn="r">
               <a:spcBef>
                 <a:spcPts val="0"/>
               </a:spcBef>
               <a:buNone/>
               <a:defRPr/>
             </a:lvl8pPr>
-            <a:lvl9pPr indent="0" lvl="8" marL="0" algn="r">
+            <a:lvl9pPr marL="0" lvl="8" indent="0" algn="r">
               <a:spcBef>
                 <a:spcPts val="0"/>
               </a:spcBef>
@@ -3295,7 +3406,7 @@
             </a:lvl9pPr>
           </a:lstStyle>
           <a:p>
-            <a:pPr indent="0" lvl="0" marL="0" rtl="0" algn="r">
+            <a:pPr marL="0" lvl="0" indent="0" algn="r" rtl="0">
               <a:spcBef>
                 <a:spcPts val="0"/>
               </a:spcBef>
@@ -3321,11 +3432,11 @@
 </file>
 
 <file path=ppt/slideLayouts/slideLayout12.xml><?xml version="1.0" encoding="utf-8"?>
-<p:sldLayout xmlns:a="http://schemas.openxmlformats.org/drawingml/2006/main" xmlns:r="http://schemas.openxmlformats.org/officeDocument/2006/relationships" xmlns:mc="http://schemas.openxmlformats.org/markup-compatibility/2006" xmlns:mv="urn:schemas-microsoft-com:mac:vml" xmlns:p="http://schemas.openxmlformats.org/presentationml/2006/main" xmlns:c="http://schemas.openxmlformats.org/drawingml/2006/chart" xmlns:dgm="http://schemas.openxmlformats.org/drawingml/2006/diagram" xmlns:o="urn:schemas-microsoft-com:office:office" xmlns:v="urn:schemas-microsoft-com:vml" xmlns:pvml="urn:schemas-microsoft-com:office:powerpoint" xmlns:com="http://schemas.openxmlformats.org/drawingml/2006/compatibility" xmlns:p14="http://schemas.microsoft.com/office/powerpoint/2010/main" xmlns:p15="http://schemas.microsoft.com/office/powerpoint/2012/main" matchingName="Vertical Title and Text" type="vertTitleAndTx">
+<p:sldLayout xmlns:a="http://schemas.openxmlformats.org/drawingml/2006/main" xmlns:r="http://schemas.openxmlformats.org/officeDocument/2006/relationships" xmlns:p="http://schemas.openxmlformats.org/presentationml/2006/main" matchingName="Vertical Title and Text" type="vertTitleAndTx">
   <p:cSld name="VERTICAL_TITLE_AND_VERTICAL_TEXT">
     <p:spTree>
       <p:nvGrpSpPr>
-        <p:cNvPr id="81" name="Shape 81"/>
+        <p:cNvPr id="1" name="Shape 81"/>
         <p:cNvGrpSpPr/>
         <p:nvPr/>
       </p:nvGrpSpPr>
@@ -3340,7 +3451,9 @@
       <p:sp>
         <p:nvSpPr>
           <p:cNvPr id="82" name="Google Shape;82;p13"/>
-          <p:cNvSpPr txBox="1"/>
+          <p:cNvSpPr txBox="1">
+            <a:spLocks noGrp="1"/>
+          </p:cNvSpPr>
           <p:nvPr>
             <p:ph type="title"/>
           </p:nvPr>
@@ -3359,7 +3472,7 @@
           </a:ln>
         </p:spPr>
         <p:txBody>
-          <a:bodyPr anchorCtr="0" anchor="ctr" bIns="45700" lIns="91425" spcFirstLastPara="1" rIns="91425" wrap="square" tIns="45700">
+          <a:bodyPr spcFirstLastPara="1" wrap="square" lIns="91425" tIns="45700" rIns="91425" bIns="45700" anchor="ctr" anchorCtr="0">
             <a:noAutofit/>
           </a:bodyPr>
           <a:lstStyle>
@@ -3466,15 +3579,19 @@
               <a:defRPr/>
             </a:lvl9pPr>
           </a:lstStyle>
-          <a:p/>
+          <a:p>
+            <a:endParaRPr/>
+          </a:p>
         </p:txBody>
       </p:sp>
       <p:sp>
         <p:nvSpPr>
           <p:cNvPr id="83" name="Google Shape;83;p13"/>
-          <p:cNvSpPr txBox="1"/>
+          <p:cNvSpPr txBox="1">
+            <a:spLocks noGrp="1"/>
+          </p:cNvSpPr>
           <p:nvPr>
-            <p:ph idx="1" type="body"/>
+            <p:ph type="body" idx="1"/>
           </p:nvPr>
         </p:nvSpPr>
         <p:spPr>
@@ -3491,11 +3608,11 @@
           </a:ln>
         </p:spPr>
         <p:txBody>
-          <a:bodyPr anchorCtr="0" anchor="t" bIns="45700" lIns="91425" spcFirstLastPara="1" rIns="91425" wrap="square" tIns="45700">
+          <a:bodyPr spcFirstLastPara="1" wrap="square" lIns="91425" tIns="45700" rIns="91425" bIns="45700" anchor="t" anchorCtr="0">
             <a:noAutofit/>
           </a:bodyPr>
           <a:lstStyle>
-            <a:lvl1pPr indent="-342900" lvl="0" marL="457200" algn="l">
+            <a:lvl1pPr marL="457200" lvl="0" indent="-342900" algn="l">
               <a:spcBef>
                 <a:spcPts val="360"/>
               </a:spcBef>
@@ -3509,7 +3626,7 @@
               <a:buChar char="•"/>
               <a:defRPr/>
             </a:lvl1pPr>
-            <a:lvl2pPr indent="-342900" lvl="1" marL="914400" algn="l">
+            <a:lvl2pPr marL="914400" lvl="1" indent="-342900" algn="l">
               <a:spcBef>
                 <a:spcPts val="360"/>
               </a:spcBef>
@@ -3523,7 +3640,7 @@
               <a:buChar char="–"/>
               <a:defRPr/>
             </a:lvl2pPr>
-            <a:lvl3pPr indent="-342900" lvl="2" marL="1371600" algn="l">
+            <a:lvl3pPr marL="1371600" lvl="2" indent="-342900" algn="l">
               <a:spcBef>
                 <a:spcPts val="360"/>
               </a:spcBef>
@@ -3537,7 +3654,7 @@
               <a:buChar char="•"/>
               <a:defRPr/>
             </a:lvl3pPr>
-            <a:lvl4pPr indent="-342900" lvl="3" marL="1828800" algn="l">
+            <a:lvl4pPr marL="1828800" lvl="3" indent="-342900" algn="l">
               <a:spcBef>
                 <a:spcPts val="360"/>
               </a:spcBef>
@@ -3551,7 +3668,7 @@
               <a:buChar char="–"/>
               <a:defRPr/>
             </a:lvl4pPr>
-            <a:lvl5pPr indent="-342900" lvl="4" marL="2286000" algn="l">
+            <a:lvl5pPr marL="2286000" lvl="4" indent="-342900" algn="l">
               <a:spcBef>
                 <a:spcPts val="360"/>
               </a:spcBef>
@@ -3565,7 +3682,7 @@
               <a:buChar char="»"/>
               <a:defRPr/>
             </a:lvl5pPr>
-            <a:lvl6pPr indent="-342900" lvl="5" marL="2743200" algn="l">
+            <a:lvl6pPr marL="2743200" lvl="5" indent="-342900" algn="l">
               <a:spcBef>
                 <a:spcPts val="360"/>
               </a:spcBef>
@@ -3579,7 +3696,7 @@
               <a:buChar char="•"/>
               <a:defRPr/>
             </a:lvl6pPr>
-            <a:lvl7pPr indent="-342900" lvl="6" marL="3200400" algn="l">
+            <a:lvl7pPr marL="3200400" lvl="6" indent="-342900" algn="l">
               <a:spcBef>
                 <a:spcPts val="360"/>
               </a:spcBef>
@@ -3593,7 +3710,7 @@
               <a:buChar char="•"/>
               <a:defRPr/>
             </a:lvl7pPr>
-            <a:lvl8pPr indent="-342900" lvl="7" marL="3657600" algn="l">
+            <a:lvl8pPr marL="3657600" lvl="7" indent="-342900" algn="l">
               <a:spcBef>
                 <a:spcPts val="360"/>
               </a:spcBef>
@@ -3607,7 +3724,7 @@
               <a:buChar char="•"/>
               <a:defRPr/>
             </a:lvl8pPr>
-            <a:lvl9pPr indent="-342900" lvl="8" marL="4114800" algn="l">
+            <a:lvl9pPr marL="4114800" lvl="8" indent="-342900" algn="l">
               <a:spcBef>
                 <a:spcPts val="360"/>
               </a:spcBef>
@@ -3622,15 +3739,19 @@
               <a:defRPr/>
             </a:lvl9pPr>
           </a:lstStyle>
-          <a:p/>
+          <a:p>
+            <a:endParaRPr/>
+          </a:p>
         </p:txBody>
       </p:sp>
       <p:sp>
         <p:nvSpPr>
           <p:cNvPr id="84" name="Google Shape;84;p13"/>
-          <p:cNvSpPr txBox="1"/>
+          <p:cNvSpPr txBox="1">
+            <a:spLocks noGrp="1"/>
+          </p:cNvSpPr>
           <p:nvPr>
-            <p:ph idx="10" type="dt"/>
+            <p:ph type="dt" idx="10"/>
           </p:nvPr>
         </p:nvSpPr>
         <p:spPr>
@@ -3647,7 +3768,7 @@
           </a:ln>
         </p:spPr>
         <p:txBody>
-          <a:bodyPr anchorCtr="0" anchor="ctr" bIns="45700" lIns="91425" spcFirstLastPara="1" rIns="91425" wrap="square" tIns="45700">
+          <a:bodyPr spcFirstLastPara="1" wrap="square" lIns="91425" tIns="45700" rIns="91425" bIns="45700" anchor="ctr" anchorCtr="0">
             <a:noAutofit/>
           </a:bodyPr>
           <a:lstStyle>
@@ -3751,15 +3872,19 @@
               <a:defRPr/>
             </a:lvl9pPr>
           </a:lstStyle>
-          <a:p/>
+          <a:p>
+            <a:endParaRPr/>
+          </a:p>
         </p:txBody>
       </p:sp>
       <p:sp>
         <p:nvSpPr>
           <p:cNvPr id="85" name="Google Shape;85;p13"/>
-          <p:cNvSpPr txBox="1"/>
+          <p:cNvSpPr txBox="1">
+            <a:spLocks noGrp="1"/>
+          </p:cNvSpPr>
           <p:nvPr>
-            <p:ph idx="11" type="ftr"/>
+            <p:ph type="ftr" idx="11"/>
           </p:nvPr>
         </p:nvSpPr>
         <p:spPr>
@@ -3776,7 +3901,7 @@
           </a:ln>
         </p:spPr>
         <p:txBody>
-          <a:bodyPr anchorCtr="0" anchor="ctr" bIns="45700" lIns="91425" spcFirstLastPara="1" rIns="91425" wrap="square" tIns="45700">
+          <a:bodyPr spcFirstLastPara="1" wrap="square" lIns="91425" tIns="45700" rIns="91425" bIns="45700" anchor="ctr" anchorCtr="0">
             <a:noAutofit/>
           </a:bodyPr>
           <a:lstStyle>
@@ -3880,15 +4005,19 @@
               <a:defRPr/>
             </a:lvl9pPr>
           </a:lstStyle>
-          <a:p/>
+          <a:p>
+            <a:endParaRPr/>
+          </a:p>
         </p:txBody>
       </p:sp>
       <p:sp>
         <p:nvSpPr>
           <p:cNvPr id="86" name="Google Shape;86;p13"/>
-          <p:cNvSpPr txBox="1"/>
+          <p:cNvSpPr txBox="1">
+            <a:spLocks noGrp="1"/>
+          </p:cNvSpPr>
           <p:nvPr>
-            <p:ph idx="12" type="sldNum"/>
+            <p:ph type="sldNum" idx="12"/>
           </p:nvPr>
         </p:nvSpPr>
         <p:spPr>
@@ -3905,67 +4034,67 @@
           </a:ln>
         </p:spPr>
         <p:txBody>
-          <a:bodyPr anchorCtr="0" anchor="ctr" bIns="45700" lIns="91425" spcFirstLastPara="1" rIns="91425" wrap="square" tIns="45700">
+          <a:bodyPr spcFirstLastPara="1" wrap="square" lIns="91425" tIns="45700" rIns="91425" bIns="45700" anchor="ctr" anchorCtr="0">
             <a:noAutofit/>
           </a:bodyPr>
           <a:lstStyle>
-            <a:lvl1pPr indent="0" lvl="0" marL="0" algn="r">
+            <a:lvl1pPr marL="0" lvl="0" indent="0" algn="r">
               <a:spcBef>
                 <a:spcPts val="0"/>
               </a:spcBef>
               <a:buNone/>
               <a:defRPr/>
             </a:lvl1pPr>
-            <a:lvl2pPr indent="0" lvl="1" marL="0" algn="r">
+            <a:lvl2pPr marL="0" lvl="1" indent="0" algn="r">
               <a:spcBef>
                 <a:spcPts val="0"/>
               </a:spcBef>
               <a:buNone/>
               <a:defRPr/>
             </a:lvl2pPr>
-            <a:lvl3pPr indent="0" lvl="2" marL="0" algn="r">
+            <a:lvl3pPr marL="0" lvl="2" indent="0" algn="r">
               <a:spcBef>
                 <a:spcPts val="0"/>
               </a:spcBef>
               <a:buNone/>
               <a:defRPr/>
             </a:lvl3pPr>
-            <a:lvl4pPr indent="0" lvl="3" marL="0" algn="r">
+            <a:lvl4pPr marL="0" lvl="3" indent="0" algn="r">
               <a:spcBef>
                 <a:spcPts val="0"/>
               </a:spcBef>
               <a:buNone/>
               <a:defRPr/>
             </a:lvl4pPr>
-            <a:lvl5pPr indent="0" lvl="4" marL="0" algn="r">
+            <a:lvl5pPr marL="0" lvl="4" indent="0" algn="r">
               <a:spcBef>
                 <a:spcPts val="0"/>
               </a:spcBef>
               <a:buNone/>
               <a:defRPr/>
             </a:lvl5pPr>
-            <a:lvl6pPr indent="0" lvl="5" marL="0" algn="r">
+            <a:lvl6pPr marL="0" lvl="5" indent="0" algn="r">
               <a:spcBef>
                 <a:spcPts val="0"/>
               </a:spcBef>
               <a:buNone/>
               <a:defRPr/>
             </a:lvl6pPr>
-            <a:lvl7pPr indent="0" lvl="6" marL="0" algn="r">
+            <a:lvl7pPr marL="0" lvl="6" indent="0" algn="r">
               <a:spcBef>
                 <a:spcPts val="0"/>
               </a:spcBef>
               <a:buNone/>
               <a:defRPr/>
             </a:lvl7pPr>
-            <a:lvl8pPr indent="0" lvl="7" marL="0" algn="r">
+            <a:lvl8pPr marL="0" lvl="7" indent="0" algn="r">
               <a:spcBef>
                 <a:spcPts val="0"/>
               </a:spcBef>
               <a:buNone/>
               <a:defRPr/>
             </a:lvl8pPr>
-            <a:lvl9pPr indent="0" lvl="8" marL="0" algn="r">
+            <a:lvl9pPr marL="0" lvl="8" indent="0" algn="r">
               <a:spcBef>
                 <a:spcPts val="0"/>
               </a:spcBef>
@@ -3974,7 +4103,7 @@
             </a:lvl9pPr>
           </a:lstStyle>
           <a:p>
-            <a:pPr indent="0" lvl="0" marL="0" rtl="0" algn="r">
+            <a:pPr marL="0" lvl="0" indent="0" algn="r" rtl="0">
               <a:spcBef>
                 <a:spcPts val="0"/>
               </a:spcBef>
@@ -3993,7 +4122,7 @@
       </p:sp>
       <p:pic>
         <p:nvPicPr>
-          <p:cNvPr descr="E:\websites\free-power-point-templates\2012\logos.png" id="87" name="Google Shape;87;p13"/>
+          <p:cNvPr id="87" name="Google Shape;87;p13" descr="E:\websites\free-power-point-templates\2012\logos.png"/>
           <p:cNvPicPr preferRelativeResize="0"/>
           <p:nvPr/>
         </p:nvPicPr>
@@ -4001,7 +4130,7 @@
           <a:blip r:embed="rId2">
             <a:alphaModFix/>
           </a:blip>
-          <a:srcRect b="0" l="0" r="0" t="0"/>
+          <a:srcRect/>
           <a:stretch/>
         </p:blipFill>
         <p:spPr>
@@ -4027,11 +4156,11 @@
 </file>
 
 <file path=ppt/slideLayouts/slideLayout2.xml><?xml version="1.0" encoding="utf-8"?>
-<p:sldLayout xmlns:a="http://schemas.openxmlformats.org/drawingml/2006/main" xmlns:r="http://schemas.openxmlformats.org/officeDocument/2006/relationships" xmlns:mc="http://schemas.openxmlformats.org/markup-compatibility/2006" xmlns:mv="urn:schemas-microsoft-com:mac:vml" xmlns:p="http://schemas.openxmlformats.org/presentationml/2006/main" xmlns:c="http://schemas.openxmlformats.org/drawingml/2006/chart" xmlns:dgm="http://schemas.openxmlformats.org/drawingml/2006/diagram" xmlns:o="urn:schemas-microsoft-com:office:office" xmlns:v="urn:schemas-microsoft-com:vml" xmlns:pvml="urn:schemas-microsoft-com:office:powerpoint" xmlns:com="http://schemas.openxmlformats.org/drawingml/2006/compatibility" xmlns:p14="http://schemas.microsoft.com/office/powerpoint/2010/main" xmlns:p15="http://schemas.microsoft.com/office/powerpoint/2012/main" matchingName="Title and Content" type="obj">
+<p:sldLayout xmlns:a="http://schemas.openxmlformats.org/drawingml/2006/main" xmlns:r="http://schemas.openxmlformats.org/officeDocument/2006/relationships" xmlns:p="http://schemas.openxmlformats.org/presentationml/2006/main" matchingName="Title and Content" type="obj">
   <p:cSld name="OBJECT">
     <p:spTree>
       <p:nvGrpSpPr>
-        <p:cNvPr id="18" name="Shape 18"/>
+        <p:cNvPr id="1" name="Shape 18"/>
         <p:cNvGrpSpPr/>
         <p:nvPr/>
       </p:nvGrpSpPr>
@@ -4046,7 +4175,9 @@
       <p:sp>
         <p:nvSpPr>
           <p:cNvPr id="19" name="Google Shape;19;p3"/>
-          <p:cNvSpPr txBox="1"/>
+          <p:cNvSpPr txBox="1">
+            <a:spLocks noGrp="1"/>
+          </p:cNvSpPr>
           <p:nvPr>
             <p:ph type="title"/>
           </p:nvPr>
@@ -4065,7 +4196,7 @@
           </a:ln>
         </p:spPr>
         <p:txBody>
-          <a:bodyPr anchorCtr="0" anchor="ctr" bIns="45700" lIns="91425" spcFirstLastPara="1" rIns="91425" wrap="square" tIns="45700">
+          <a:bodyPr spcFirstLastPara="1" wrap="square" lIns="91425" tIns="45700" rIns="91425" bIns="45700" anchor="ctr" anchorCtr="0">
             <a:noAutofit/>
           </a:bodyPr>
           <a:lstStyle>
@@ -4177,15 +4308,19 @@
               <a:defRPr/>
             </a:lvl9pPr>
           </a:lstStyle>
-          <a:p/>
+          <a:p>
+            <a:endParaRPr/>
+          </a:p>
         </p:txBody>
       </p:sp>
       <p:sp>
         <p:nvSpPr>
           <p:cNvPr id="20" name="Google Shape;20;p3"/>
-          <p:cNvSpPr txBox="1"/>
+          <p:cNvSpPr txBox="1">
+            <a:spLocks noGrp="1"/>
+          </p:cNvSpPr>
           <p:nvPr>
-            <p:ph idx="1" type="body"/>
+            <p:ph type="body" idx="1"/>
           </p:nvPr>
         </p:nvSpPr>
         <p:spPr>
@@ -4202,11 +4337,11 @@
           </a:ln>
         </p:spPr>
         <p:txBody>
-          <a:bodyPr anchorCtr="0" anchor="t" bIns="45700" lIns="91425" spcFirstLastPara="1" rIns="91425" wrap="square" tIns="45700">
+          <a:bodyPr spcFirstLastPara="1" wrap="square" lIns="91425" tIns="45700" rIns="91425" bIns="45700" anchor="t" anchorCtr="0">
             <a:noAutofit/>
           </a:bodyPr>
           <a:lstStyle>
-            <a:lvl1pPr indent="-406400" lvl="0" marL="457200" algn="l">
+            <a:lvl1pPr marL="457200" lvl="0" indent="-406400" algn="l">
               <a:spcBef>
                 <a:spcPts val="560"/>
               </a:spcBef>
@@ -4224,7 +4359,7 @@
                 </a:solidFill>
               </a:defRPr>
             </a:lvl1pPr>
-            <a:lvl2pPr indent="-406400" lvl="1" marL="914400" algn="l">
+            <a:lvl2pPr marL="914400" lvl="1" indent="-406400" algn="l">
               <a:spcBef>
                 <a:spcPts val="560"/>
               </a:spcBef>
@@ -4242,7 +4377,7 @@
                 </a:solidFill>
               </a:defRPr>
             </a:lvl2pPr>
-            <a:lvl3pPr indent="-381000" lvl="2" marL="1371600" algn="l">
+            <a:lvl3pPr marL="1371600" lvl="2" indent="-381000" algn="l">
               <a:spcBef>
                 <a:spcPts val="480"/>
               </a:spcBef>
@@ -4260,7 +4395,7 @@
                 </a:solidFill>
               </a:defRPr>
             </a:lvl3pPr>
-            <a:lvl4pPr indent="-355600" lvl="3" marL="1828800" algn="l">
+            <a:lvl4pPr marL="1828800" lvl="3" indent="-355600" algn="l">
               <a:spcBef>
                 <a:spcPts val="400"/>
               </a:spcBef>
@@ -4278,7 +4413,7 @@
                 </a:solidFill>
               </a:defRPr>
             </a:lvl4pPr>
-            <a:lvl5pPr indent="-355600" lvl="4" marL="2286000" algn="l">
+            <a:lvl5pPr marL="2286000" lvl="4" indent="-355600" algn="l">
               <a:spcBef>
                 <a:spcPts val="400"/>
               </a:spcBef>
@@ -4296,7 +4431,7 @@
                 </a:solidFill>
               </a:defRPr>
             </a:lvl5pPr>
-            <a:lvl6pPr indent="-342900" lvl="5" marL="2743200" algn="l">
+            <a:lvl6pPr marL="2743200" lvl="5" indent="-342900" algn="l">
               <a:spcBef>
                 <a:spcPts val="360"/>
               </a:spcBef>
@@ -4310,7 +4445,7 @@
               <a:buChar char="•"/>
               <a:defRPr/>
             </a:lvl6pPr>
-            <a:lvl7pPr indent="-342900" lvl="6" marL="3200400" algn="l">
+            <a:lvl7pPr marL="3200400" lvl="6" indent="-342900" algn="l">
               <a:spcBef>
                 <a:spcPts val="360"/>
               </a:spcBef>
@@ -4324,7 +4459,7 @@
               <a:buChar char="•"/>
               <a:defRPr/>
             </a:lvl7pPr>
-            <a:lvl8pPr indent="-342900" lvl="7" marL="3657600" algn="l">
+            <a:lvl8pPr marL="3657600" lvl="7" indent="-342900" algn="l">
               <a:spcBef>
                 <a:spcPts val="360"/>
               </a:spcBef>
@@ -4338,7 +4473,7 @@
               <a:buChar char="•"/>
               <a:defRPr/>
             </a:lvl8pPr>
-            <a:lvl9pPr indent="-342900" lvl="8" marL="4114800" algn="l">
+            <a:lvl9pPr marL="4114800" lvl="8" indent="-342900" algn="l">
               <a:spcBef>
                 <a:spcPts val="360"/>
               </a:spcBef>
@@ -4353,15 +4488,19 @@
               <a:defRPr/>
             </a:lvl9pPr>
           </a:lstStyle>
-          <a:p/>
+          <a:p>
+            <a:endParaRPr/>
+          </a:p>
         </p:txBody>
       </p:sp>
       <p:sp>
         <p:nvSpPr>
           <p:cNvPr id="21" name="Google Shape;21;p3"/>
-          <p:cNvSpPr txBox="1"/>
+          <p:cNvSpPr txBox="1">
+            <a:spLocks noGrp="1"/>
+          </p:cNvSpPr>
           <p:nvPr>
-            <p:ph idx="10" type="dt"/>
+            <p:ph type="dt" idx="10"/>
           </p:nvPr>
         </p:nvSpPr>
         <p:spPr>
@@ -4378,7 +4517,7 @@
           </a:ln>
         </p:spPr>
         <p:txBody>
-          <a:bodyPr anchorCtr="0" anchor="ctr" bIns="45700" lIns="91425" spcFirstLastPara="1" rIns="91425" wrap="square" tIns="45700">
+          <a:bodyPr spcFirstLastPara="1" wrap="square" lIns="91425" tIns="45700" rIns="91425" bIns="45700" anchor="ctr" anchorCtr="0">
             <a:noAutofit/>
           </a:bodyPr>
           <a:lstStyle>
@@ -4482,15 +4621,19 @@
               <a:defRPr/>
             </a:lvl9pPr>
           </a:lstStyle>
-          <a:p/>
+          <a:p>
+            <a:endParaRPr/>
+          </a:p>
         </p:txBody>
       </p:sp>
       <p:sp>
         <p:nvSpPr>
           <p:cNvPr id="22" name="Google Shape;22;p3"/>
-          <p:cNvSpPr txBox="1"/>
+          <p:cNvSpPr txBox="1">
+            <a:spLocks noGrp="1"/>
+          </p:cNvSpPr>
           <p:nvPr>
-            <p:ph idx="11" type="ftr"/>
+            <p:ph type="ftr" idx="11"/>
           </p:nvPr>
         </p:nvSpPr>
         <p:spPr>
@@ -4507,7 +4650,7 @@
           </a:ln>
         </p:spPr>
         <p:txBody>
-          <a:bodyPr anchorCtr="0" anchor="ctr" bIns="45700" lIns="91425" spcFirstLastPara="1" rIns="91425" wrap="square" tIns="45700">
+          <a:bodyPr spcFirstLastPara="1" wrap="square" lIns="91425" tIns="45700" rIns="91425" bIns="45700" anchor="ctr" anchorCtr="0">
             <a:noAutofit/>
           </a:bodyPr>
           <a:lstStyle>
@@ -4611,15 +4754,19 @@
               <a:defRPr/>
             </a:lvl9pPr>
           </a:lstStyle>
-          <a:p/>
+          <a:p>
+            <a:endParaRPr/>
+          </a:p>
         </p:txBody>
       </p:sp>
       <p:sp>
         <p:nvSpPr>
           <p:cNvPr id="23" name="Google Shape;23;p3"/>
-          <p:cNvSpPr txBox="1"/>
+          <p:cNvSpPr txBox="1">
+            <a:spLocks noGrp="1"/>
+          </p:cNvSpPr>
           <p:nvPr>
-            <p:ph idx="12" type="sldNum"/>
+            <p:ph type="sldNum" idx="12"/>
           </p:nvPr>
         </p:nvSpPr>
         <p:spPr>
@@ -4636,67 +4783,67 @@
           </a:ln>
         </p:spPr>
         <p:txBody>
-          <a:bodyPr anchorCtr="0" anchor="ctr" bIns="45700" lIns="91425" spcFirstLastPara="1" rIns="91425" wrap="square" tIns="45700">
+          <a:bodyPr spcFirstLastPara="1" wrap="square" lIns="91425" tIns="45700" rIns="91425" bIns="45700" anchor="ctr" anchorCtr="0">
             <a:noAutofit/>
           </a:bodyPr>
           <a:lstStyle>
-            <a:lvl1pPr indent="0" lvl="0" marL="0" algn="r">
+            <a:lvl1pPr marL="0" lvl="0" indent="0" algn="r">
               <a:spcBef>
                 <a:spcPts val="0"/>
               </a:spcBef>
               <a:buNone/>
               <a:defRPr/>
             </a:lvl1pPr>
-            <a:lvl2pPr indent="0" lvl="1" marL="0" algn="r">
+            <a:lvl2pPr marL="0" lvl="1" indent="0" algn="r">
               <a:spcBef>
                 <a:spcPts val="0"/>
               </a:spcBef>
               <a:buNone/>
               <a:defRPr/>
             </a:lvl2pPr>
-            <a:lvl3pPr indent="0" lvl="2" marL="0" algn="r">
+            <a:lvl3pPr marL="0" lvl="2" indent="0" algn="r">
               <a:spcBef>
                 <a:spcPts val="0"/>
               </a:spcBef>
               <a:buNone/>
               <a:defRPr/>
             </a:lvl3pPr>
-            <a:lvl4pPr indent="0" lvl="3" marL="0" algn="r">
+            <a:lvl4pPr marL="0" lvl="3" indent="0" algn="r">
               <a:spcBef>
                 <a:spcPts val="0"/>
               </a:spcBef>
               <a:buNone/>
               <a:defRPr/>
             </a:lvl4pPr>
-            <a:lvl5pPr indent="0" lvl="4" marL="0" algn="r">
+            <a:lvl5pPr marL="0" lvl="4" indent="0" algn="r">
               <a:spcBef>
                 <a:spcPts val="0"/>
               </a:spcBef>
               <a:buNone/>
               <a:defRPr/>
             </a:lvl5pPr>
-            <a:lvl6pPr indent="0" lvl="5" marL="0" algn="r">
+            <a:lvl6pPr marL="0" lvl="5" indent="0" algn="r">
               <a:spcBef>
                 <a:spcPts val="0"/>
               </a:spcBef>
               <a:buNone/>
               <a:defRPr/>
             </a:lvl6pPr>
-            <a:lvl7pPr indent="0" lvl="6" marL="0" algn="r">
+            <a:lvl7pPr marL="0" lvl="6" indent="0" algn="r">
               <a:spcBef>
                 <a:spcPts val="0"/>
               </a:spcBef>
               <a:buNone/>
               <a:defRPr/>
             </a:lvl7pPr>
-            <a:lvl8pPr indent="0" lvl="7" marL="0" algn="r">
+            <a:lvl8pPr marL="0" lvl="7" indent="0" algn="r">
               <a:spcBef>
                 <a:spcPts val="0"/>
               </a:spcBef>
               <a:buNone/>
               <a:defRPr/>
             </a:lvl8pPr>
-            <a:lvl9pPr indent="0" lvl="8" marL="0" algn="r">
+            <a:lvl9pPr marL="0" lvl="8" indent="0" algn="r">
               <a:spcBef>
                 <a:spcPts val="0"/>
               </a:spcBef>
@@ -4705,7 +4852,7 @@
             </a:lvl9pPr>
           </a:lstStyle>
           <a:p>
-            <a:pPr indent="0" lvl="0" marL="0" rtl="0" algn="r">
+            <a:pPr marL="0" lvl="0" indent="0" algn="r" rtl="0">
               <a:spcBef>
                 <a:spcPts val="0"/>
               </a:spcBef>
@@ -4731,7 +4878,7 @@
 </file>
 
 <file path=ppt/slideLayouts/slideLayout3.xml><?xml version="1.0" encoding="utf-8"?>
-<p:sldLayout xmlns:a="http://schemas.openxmlformats.org/drawingml/2006/main" xmlns:r="http://schemas.openxmlformats.org/officeDocument/2006/relationships" xmlns:mc="http://schemas.openxmlformats.org/markup-compatibility/2006" xmlns:mv="urn:schemas-microsoft-com:mac:vml" xmlns:p="http://schemas.openxmlformats.org/presentationml/2006/main" xmlns:c="http://schemas.openxmlformats.org/drawingml/2006/chart" xmlns:dgm="http://schemas.openxmlformats.org/drawingml/2006/diagram" xmlns:o="urn:schemas-microsoft-com:office:office" xmlns:v="urn:schemas-microsoft-com:vml" xmlns:pvml="urn:schemas-microsoft-com:office:powerpoint" xmlns:com="http://schemas.openxmlformats.org/drawingml/2006/compatibility" xmlns:p14="http://schemas.microsoft.com/office/powerpoint/2010/main" xmlns:p15="http://schemas.microsoft.com/office/powerpoint/2012/main" matchingName="1_Title and Content">
+<p:sldLayout xmlns:a="http://schemas.openxmlformats.org/drawingml/2006/main" xmlns:r="http://schemas.openxmlformats.org/officeDocument/2006/relationships" xmlns:p="http://schemas.openxmlformats.org/presentationml/2006/main" matchingName="1_Title and Content">
   <p:cSld name="1_Title and Content">
     <p:bg>
       <p:bgPr>
@@ -4743,11 +4890,12 @@
             <a:fillRect/>
           </a:stretch>
         </a:blipFill>
+        <a:effectLst/>
       </p:bgPr>
     </p:bg>
     <p:spTree>
       <p:nvGrpSpPr>
-        <p:cNvPr id="24" name="Shape 24"/>
+        <p:cNvPr id="1" name="Shape 24"/>
         <p:cNvGrpSpPr/>
         <p:nvPr/>
       </p:nvGrpSpPr>
@@ -4762,7 +4910,9 @@
       <p:sp>
         <p:nvSpPr>
           <p:cNvPr id="25" name="Google Shape;25;p4"/>
-          <p:cNvSpPr txBox="1"/>
+          <p:cNvSpPr txBox="1">
+            <a:spLocks noGrp="1"/>
+          </p:cNvSpPr>
           <p:nvPr>
             <p:ph type="title"/>
           </p:nvPr>
@@ -4781,7 +4931,7 @@
           </a:ln>
         </p:spPr>
         <p:txBody>
-          <a:bodyPr anchorCtr="0" anchor="ctr" bIns="45700" lIns="91425" spcFirstLastPara="1" rIns="91425" wrap="square" tIns="45700">
+          <a:bodyPr spcFirstLastPara="1" wrap="square" lIns="91425" tIns="45700" rIns="91425" bIns="45700" anchor="ctr" anchorCtr="0">
             <a:noAutofit/>
           </a:bodyPr>
           <a:lstStyle>
@@ -4893,15 +5043,19 @@
               <a:defRPr/>
             </a:lvl9pPr>
           </a:lstStyle>
-          <a:p/>
+          <a:p>
+            <a:endParaRPr/>
+          </a:p>
         </p:txBody>
       </p:sp>
       <p:sp>
         <p:nvSpPr>
           <p:cNvPr id="26" name="Google Shape;26;p4"/>
-          <p:cNvSpPr txBox="1"/>
+          <p:cNvSpPr txBox="1">
+            <a:spLocks noGrp="1"/>
+          </p:cNvSpPr>
           <p:nvPr>
-            <p:ph idx="1" type="body"/>
+            <p:ph type="body" idx="1"/>
           </p:nvPr>
         </p:nvSpPr>
         <p:spPr>
@@ -4918,11 +5072,11 @@
           </a:ln>
         </p:spPr>
         <p:txBody>
-          <a:bodyPr anchorCtr="0" anchor="t" bIns="45700" lIns="91425" spcFirstLastPara="1" rIns="91425" wrap="square" tIns="45700">
+          <a:bodyPr spcFirstLastPara="1" wrap="square" lIns="91425" tIns="45700" rIns="91425" bIns="45700" anchor="t" anchorCtr="0">
             <a:noAutofit/>
           </a:bodyPr>
           <a:lstStyle>
-            <a:lvl1pPr indent="-406400" lvl="0" marL="457200" algn="l">
+            <a:lvl1pPr marL="457200" lvl="0" indent="-406400" algn="l">
               <a:spcBef>
                 <a:spcPts val="560"/>
               </a:spcBef>
@@ -4940,7 +5094,7 @@
                 </a:solidFill>
               </a:defRPr>
             </a:lvl1pPr>
-            <a:lvl2pPr indent="-406400" lvl="1" marL="914400" algn="l">
+            <a:lvl2pPr marL="914400" lvl="1" indent="-406400" algn="l">
               <a:spcBef>
                 <a:spcPts val="560"/>
               </a:spcBef>
@@ -4958,7 +5112,7 @@
                 </a:solidFill>
               </a:defRPr>
             </a:lvl2pPr>
-            <a:lvl3pPr indent="-381000" lvl="2" marL="1371600" algn="l">
+            <a:lvl3pPr marL="1371600" lvl="2" indent="-381000" algn="l">
               <a:spcBef>
                 <a:spcPts val="480"/>
               </a:spcBef>
@@ -4976,7 +5130,7 @@
                 </a:solidFill>
               </a:defRPr>
             </a:lvl3pPr>
-            <a:lvl4pPr indent="-355600" lvl="3" marL="1828800" algn="l">
+            <a:lvl4pPr marL="1828800" lvl="3" indent="-355600" algn="l">
               <a:spcBef>
                 <a:spcPts val="400"/>
               </a:spcBef>
@@ -4994,7 +5148,7 @@
                 </a:solidFill>
               </a:defRPr>
             </a:lvl4pPr>
-            <a:lvl5pPr indent="-355600" lvl="4" marL="2286000" algn="l">
+            <a:lvl5pPr marL="2286000" lvl="4" indent="-355600" algn="l">
               <a:spcBef>
                 <a:spcPts val="400"/>
               </a:spcBef>
@@ -5012,7 +5166,7 @@
                 </a:solidFill>
               </a:defRPr>
             </a:lvl5pPr>
-            <a:lvl6pPr indent="-342900" lvl="5" marL="2743200" algn="l">
+            <a:lvl6pPr marL="2743200" lvl="5" indent="-342900" algn="l">
               <a:spcBef>
                 <a:spcPts val="360"/>
               </a:spcBef>
@@ -5026,7 +5180,7 @@
               <a:buChar char="•"/>
               <a:defRPr/>
             </a:lvl6pPr>
-            <a:lvl7pPr indent="-342900" lvl="6" marL="3200400" algn="l">
+            <a:lvl7pPr marL="3200400" lvl="6" indent="-342900" algn="l">
               <a:spcBef>
                 <a:spcPts val="360"/>
               </a:spcBef>
@@ -5040,7 +5194,7 @@
               <a:buChar char="•"/>
               <a:defRPr/>
             </a:lvl7pPr>
-            <a:lvl8pPr indent="-342900" lvl="7" marL="3657600" algn="l">
+            <a:lvl8pPr marL="3657600" lvl="7" indent="-342900" algn="l">
               <a:spcBef>
                 <a:spcPts val="360"/>
               </a:spcBef>
@@ -5054,7 +5208,7 @@
               <a:buChar char="•"/>
               <a:defRPr/>
             </a:lvl8pPr>
-            <a:lvl9pPr indent="-342900" lvl="8" marL="4114800" algn="l">
+            <a:lvl9pPr marL="4114800" lvl="8" indent="-342900" algn="l">
               <a:spcBef>
                 <a:spcPts val="360"/>
               </a:spcBef>
@@ -5069,15 +5223,19 @@
               <a:defRPr/>
             </a:lvl9pPr>
           </a:lstStyle>
-          <a:p/>
+          <a:p>
+            <a:endParaRPr/>
+          </a:p>
         </p:txBody>
       </p:sp>
       <p:sp>
         <p:nvSpPr>
           <p:cNvPr id="27" name="Google Shape;27;p4"/>
-          <p:cNvSpPr txBox="1"/>
+          <p:cNvSpPr txBox="1">
+            <a:spLocks noGrp="1"/>
+          </p:cNvSpPr>
           <p:nvPr>
-            <p:ph idx="10" type="dt"/>
+            <p:ph type="dt" idx="10"/>
           </p:nvPr>
         </p:nvSpPr>
         <p:spPr>
@@ -5094,7 +5252,7 @@
           </a:ln>
         </p:spPr>
         <p:txBody>
-          <a:bodyPr anchorCtr="0" anchor="ctr" bIns="45700" lIns="91425" spcFirstLastPara="1" rIns="91425" wrap="square" tIns="45700">
+          <a:bodyPr spcFirstLastPara="1" wrap="square" lIns="91425" tIns="45700" rIns="91425" bIns="45700" anchor="ctr" anchorCtr="0">
             <a:noAutofit/>
           </a:bodyPr>
           <a:lstStyle>
@@ -5198,15 +5356,19 @@
               <a:defRPr/>
             </a:lvl9pPr>
           </a:lstStyle>
-          <a:p/>
+          <a:p>
+            <a:endParaRPr/>
+          </a:p>
         </p:txBody>
       </p:sp>
       <p:sp>
         <p:nvSpPr>
           <p:cNvPr id="28" name="Google Shape;28;p4"/>
-          <p:cNvSpPr txBox="1"/>
+          <p:cNvSpPr txBox="1">
+            <a:spLocks noGrp="1"/>
+          </p:cNvSpPr>
           <p:nvPr>
-            <p:ph idx="11" type="ftr"/>
+            <p:ph type="ftr" idx="11"/>
           </p:nvPr>
         </p:nvSpPr>
         <p:spPr>
@@ -5223,7 +5385,7 @@
           </a:ln>
         </p:spPr>
         <p:txBody>
-          <a:bodyPr anchorCtr="0" anchor="ctr" bIns="45700" lIns="91425" spcFirstLastPara="1" rIns="91425" wrap="square" tIns="45700">
+          <a:bodyPr spcFirstLastPara="1" wrap="square" lIns="91425" tIns="45700" rIns="91425" bIns="45700" anchor="ctr" anchorCtr="0">
             <a:noAutofit/>
           </a:bodyPr>
           <a:lstStyle>
@@ -5327,15 +5489,19 @@
               <a:defRPr/>
             </a:lvl9pPr>
           </a:lstStyle>
-          <a:p/>
+          <a:p>
+            <a:endParaRPr/>
+          </a:p>
         </p:txBody>
       </p:sp>
       <p:sp>
         <p:nvSpPr>
           <p:cNvPr id="29" name="Google Shape;29;p4"/>
-          <p:cNvSpPr txBox="1"/>
+          <p:cNvSpPr txBox="1">
+            <a:spLocks noGrp="1"/>
+          </p:cNvSpPr>
           <p:nvPr>
-            <p:ph idx="12" type="sldNum"/>
+            <p:ph type="sldNum" idx="12"/>
           </p:nvPr>
         </p:nvSpPr>
         <p:spPr>
@@ -5352,67 +5518,67 @@
           </a:ln>
         </p:spPr>
         <p:txBody>
-          <a:bodyPr anchorCtr="0" anchor="ctr" bIns="45700" lIns="91425" spcFirstLastPara="1" rIns="91425" wrap="square" tIns="45700">
+          <a:bodyPr spcFirstLastPara="1" wrap="square" lIns="91425" tIns="45700" rIns="91425" bIns="45700" anchor="ctr" anchorCtr="0">
             <a:noAutofit/>
           </a:bodyPr>
           <a:lstStyle>
-            <a:lvl1pPr indent="0" lvl="0" marL="0" algn="r">
+            <a:lvl1pPr marL="0" lvl="0" indent="0" algn="r">
               <a:spcBef>
                 <a:spcPts val="0"/>
               </a:spcBef>
               <a:buNone/>
               <a:defRPr/>
             </a:lvl1pPr>
-            <a:lvl2pPr indent="0" lvl="1" marL="0" algn="r">
+            <a:lvl2pPr marL="0" lvl="1" indent="0" algn="r">
               <a:spcBef>
                 <a:spcPts val="0"/>
               </a:spcBef>
               <a:buNone/>
               <a:defRPr/>
             </a:lvl2pPr>
-            <a:lvl3pPr indent="0" lvl="2" marL="0" algn="r">
+            <a:lvl3pPr marL="0" lvl="2" indent="0" algn="r">
               <a:spcBef>
                 <a:spcPts val="0"/>
               </a:spcBef>
               <a:buNone/>
               <a:defRPr/>
             </a:lvl3pPr>
-            <a:lvl4pPr indent="0" lvl="3" marL="0" algn="r">
+            <a:lvl4pPr marL="0" lvl="3" indent="0" algn="r">
               <a:spcBef>
                 <a:spcPts val="0"/>
               </a:spcBef>
               <a:buNone/>
               <a:defRPr/>
             </a:lvl4pPr>
-            <a:lvl5pPr indent="0" lvl="4" marL="0" algn="r">
+            <a:lvl5pPr marL="0" lvl="4" indent="0" algn="r">
               <a:spcBef>
                 <a:spcPts val="0"/>
               </a:spcBef>
               <a:buNone/>
               <a:defRPr/>
             </a:lvl5pPr>
-            <a:lvl6pPr indent="0" lvl="5" marL="0" algn="r">
+            <a:lvl6pPr marL="0" lvl="5" indent="0" algn="r">
               <a:spcBef>
                 <a:spcPts val="0"/>
               </a:spcBef>
               <a:buNone/>
               <a:defRPr/>
             </a:lvl6pPr>
-            <a:lvl7pPr indent="0" lvl="6" marL="0" algn="r">
+            <a:lvl7pPr marL="0" lvl="6" indent="0" algn="r">
               <a:spcBef>
                 <a:spcPts val="0"/>
               </a:spcBef>
               <a:buNone/>
               <a:defRPr/>
             </a:lvl7pPr>
-            <a:lvl8pPr indent="0" lvl="7" marL="0" algn="r">
+            <a:lvl8pPr marL="0" lvl="7" indent="0" algn="r">
               <a:spcBef>
                 <a:spcPts val="0"/>
               </a:spcBef>
               <a:buNone/>
               <a:defRPr/>
             </a:lvl8pPr>
-            <a:lvl9pPr indent="0" lvl="8" marL="0" algn="r">
+            <a:lvl9pPr marL="0" lvl="8" indent="0" algn="r">
               <a:spcBef>
                 <a:spcPts val="0"/>
               </a:spcBef>
@@ -5421,7 +5587,7 @@
             </a:lvl9pPr>
           </a:lstStyle>
           <a:p>
-            <a:pPr indent="0" lvl="0" marL="0" rtl="0" algn="r">
+            <a:pPr marL="0" lvl="0" indent="0" algn="r" rtl="0">
               <a:spcBef>
                 <a:spcPts val="0"/>
               </a:spcBef>
@@ -5447,11 +5613,11 @@
 </file>
 
 <file path=ppt/slideLayouts/slideLayout4.xml><?xml version="1.0" encoding="utf-8"?>
-<p:sldLayout xmlns:a="http://schemas.openxmlformats.org/drawingml/2006/main" xmlns:r="http://schemas.openxmlformats.org/officeDocument/2006/relationships" xmlns:mc="http://schemas.openxmlformats.org/markup-compatibility/2006" xmlns:mv="urn:schemas-microsoft-com:mac:vml" xmlns:p="http://schemas.openxmlformats.org/presentationml/2006/main" xmlns:c="http://schemas.openxmlformats.org/drawingml/2006/chart" xmlns:dgm="http://schemas.openxmlformats.org/drawingml/2006/diagram" xmlns:o="urn:schemas-microsoft-com:office:office" xmlns:v="urn:schemas-microsoft-com:vml" xmlns:pvml="urn:schemas-microsoft-com:office:powerpoint" xmlns:com="http://schemas.openxmlformats.org/drawingml/2006/compatibility" xmlns:p14="http://schemas.microsoft.com/office/powerpoint/2010/main" xmlns:p15="http://schemas.microsoft.com/office/powerpoint/2012/main" matchingName="Comparison" type="twoTxTwoObj">
+<p:sldLayout xmlns:a="http://schemas.openxmlformats.org/drawingml/2006/main" xmlns:r="http://schemas.openxmlformats.org/officeDocument/2006/relationships" xmlns:p="http://schemas.openxmlformats.org/presentationml/2006/main" matchingName="Comparison" type="twoTxTwoObj">
   <p:cSld name="TWO_OBJECTS_WITH_TEXT">
     <p:spTree>
       <p:nvGrpSpPr>
-        <p:cNvPr id="30" name="Shape 30"/>
+        <p:cNvPr id="1" name="Shape 30"/>
         <p:cNvGrpSpPr/>
         <p:nvPr/>
       </p:nvGrpSpPr>
@@ -5466,7 +5632,9 @@
       <p:sp>
         <p:nvSpPr>
           <p:cNvPr id="31" name="Google Shape;31;p5"/>
-          <p:cNvSpPr txBox="1"/>
+          <p:cNvSpPr txBox="1">
+            <a:spLocks noGrp="1"/>
+          </p:cNvSpPr>
           <p:nvPr>
             <p:ph type="title"/>
           </p:nvPr>
@@ -5485,7 +5653,7 @@
           </a:ln>
         </p:spPr>
         <p:txBody>
-          <a:bodyPr anchorCtr="0" anchor="ctr" bIns="45700" lIns="91425" spcFirstLastPara="1" rIns="91425" wrap="square" tIns="45700">
+          <a:bodyPr spcFirstLastPara="1" wrap="square" lIns="91425" tIns="45700" rIns="91425" bIns="45700" anchor="ctr" anchorCtr="0">
             <a:noAutofit/>
           </a:bodyPr>
           <a:lstStyle>
@@ -5597,15 +5765,19 @@
               <a:defRPr/>
             </a:lvl9pPr>
           </a:lstStyle>
-          <a:p/>
+          <a:p>
+            <a:endParaRPr/>
+          </a:p>
         </p:txBody>
       </p:sp>
       <p:sp>
         <p:nvSpPr>
           <p:cNvPr id="32" name="Google Shape;32;p5"/>
-          <p:cNvSpPr txBox="1"/>
+          <p:cNvSpPr txBox="1">
+            <a:spLocks noGrp="1"/>
+          </p:cNvSpPr>
           <p:nvPr>
-            <p:ph idx="1" type="body"/>
+            <p:ph type="body" idx="1"/>
           </p:nvPr>
         </p:nvSpPr>
         <p:spPr>
@@ -5622,11 +5794,11 @@
           </a:ln>
         </p:spPr>
         <p:txBody>
-          <a:bodyPr anchorCtr="0" anchor="b" bIns="45700" lIns="91425" spcFirstLastPara="1" rIns="91425" wrap="square" tIns="45700">
+          <a:bodyPr spcFirstLastPara="1" wrap="square" lIns="91425" tIns="45700" rIns="91425" bIns="45700" anchor="b" anchorCtr="0">
             <a:noAutofit/>
           </a:bodyPr>
           <a:lstStyle>
-            <a:lvl1pPr indent="-228600" lvl="0" marL="457200" algn="ctr">
+            <a:lvl1pPr marL="457200" lvl="0" indent="-228600" algn="ctr">
               <a:spcBef>
                 <a:spcPts val="480"/>
               </a:spcBef>
@@ -5638,13 +5810,13 @@
               </a:buClr>
               <a:buSzPts val="2400"/>
               <a:buNone/>
-              <a:defRPr b="1" sz="2400">
+              <a:defRPr sz="2400" b="1">
                 <a:solidFill>
                   <a:srgbClr val="F89BFF"/>
                 </a:solidFill>
               </a:defRPr>
             </a:lvl1pPr>
-            <a:lvl2pPr indent="-228600" lvl="1" marL="914400" algn="l">
+            <a:lvl2pPr marL="914400" lvl="1" indent="-228600" algn="l">
               <a:spcBef>
                 <a:spcPts val="400"/>
               </a:spcBef>
@@ -5656,9 +5828,9 @@
               </a:buClr>
               <a:buSzPts val="2000"/>
               <a:buNone/>
-              <a:defRPr b="1" sz="2000"/>
+              <a:defRPr sz="2000" b="1"/>
             </a:lvl2pPr>
-            <a:lvl3pPr indent="-228600" lvl="2" marL="1371600" algn="l">
+            <a:lvl3pPr marL="1371600" lvl="2" indent="-228600" algn="l">
               <a:spcBef>
                 <a:spcPts val="360"/>
               </a:spcBef>
@@ -5670,9 +5842,9 @@
               </a:buClr>
               <a:buSzPts val="1800"/>
               <a:buNone/>
-              <a:defRPr b="1" sz="1800"/>
+              <a:defRPr sz="1800" b="1"/>
             </a:lvl3pPr>
-            <a:lvl4pPr indent="-228600" lvl="3" marL="1828800" algn="l">
+            <a:lvl4pPr marL="1828800" lvl="3" indent="-228600" algn="l">
               <a:spcBef>
                 <a:spcPts val="320"/>
               </a:spcBef>
@@ -5684,9 +5856,9 @@
               </a:buClr>
               <a:buSzPts val="1600"/>
               <a:buNone/>
-              <a:defRPr b="1" sz="1600"/>
+              <a:defRPr sz="1600" b="1"/>
             </a:lvl4pPr>
-            <a:lvl5pPr indent="-228600" lvl="4" marL="2286000" algn="l">
+            <a:lvl5pPr marL="2286000" lvl="4" indent="-228600" algn="l">
               <a:spcBef>
                 <a:spcPts val="320"/>
               </a:spcBef>
@@ -5698,9 +5870,9 @@
               </a:buClr>
               <a:buSzPts val="1600"/>
               <a:buNone/>
-              <a:defRPr b="1" sz="1600"/>
+              <a:defRPr sz="1600" b="1"/>
             </a:lvl5pPr>
-            <a:lvl6pPr indent="-228600" lvl="5" marL="2743200" algn="l">
+            <a:lvl6pPr marL="2743200" lvl="5" indent="-228600" algn="l">
               <a:spcBef>
                 <a:spcPts val="320"/>
               </a:spcBef>
@@ -5712,9 +5884,9 @@
               </a:buClr>
               <a:buSzPts val="1600"/>
               <a:buNone/>
-              <a:defRPr b="1" sz="1600"/>
+              <a:defRPr sz="1600" b="1"/>
             </a:lvl6pPr>
-            <a:lvl7pPr indent="-228600" lvl="6" marL="3200400" algn="l">
+            <a:lvl7pPr marL="3200400" lvl="6" indent="-228600" algn="l">
               <a:spcBef>
                 <a:spcPts val="320"/>
               </a:spcBef>
@@ -5726,9 +5898,9 @@
               </a:buClr>
               <a:buSzPts val="1600"/>
               <a:buNone/>
-              <a:defRPr b="1" sz="1600"/>
+              <a:defRPr sz="1600" b="1"/>
             </a:lvl7pPr>
-            <a:lvl8pPr indent="-228600" lvl="7" marL="3657600" algn="l">
+            <a:lvl8pPr marL="3657600" lvl="7" indent="-228600" algn="l">
               <a:spcBef>
                 <a:spcPts val="320"/>
               </a:spcBef>
@@ -5740,9 +5912,9 @@
               </a:buClr>
               <a:buSzPts val="1600"/>
               <a:buNone/>
-              <a:defRPr b="1" sz="1600"/>
+              <a:defRPr sz="1600" b="1"/>
             </a:lvl8pPr>
-            <a:lvl9pPr indent="-228600" lvl="8" marL="4114800" algn="l">
+            <a:lvl9pPr marL="4114800" lvl="8" indent="-228600" algn="l">
               <a:spcBef>
                 <a:spcPts val="320"/>
               </a:spcBef>
@@ -5754,18 +5926,22 @@
               </a:buClr>
               <a:buSzPts val="1600"/>
               <a:buNone/>
-              <a:defRPr b="1" sz="1600"/>
+              <a:defRPr sz="1600" b="1"/>
             </a:lvl9pPr>
           </a:lstStyle>
-          <a:p/>
+          <a:p>
+            <a:endParaRPr/>
+          </a:p>
         </p:txBody>
       </p:sp>
       <p:sp>
         <p:nvSpPr>
           <p:cNvPr id="33" name="Google Shape;33;p5"/>
-          <p:cNvSpPr txBox="1"/>
+          <p:cNvSpPr txBox="1">
+            <a:spLocks noGrp="1"/>
+          </p:cNvSpPr>
           <p:nvPr>
-            <p:ph idx="2" type="body"/>
+            <p:ph type="body" idx="2"/>
           </p:nvPr>
         </p:nvSpPr>
         <p:spPr>
@@ -5782,11 +5958,11 @@
           </a:ln>
         </p:spPr>
         <p:txBody>
-          <a:bodyPr anchorCtr="0" anchor="t" bIns="45700" lIns="91425" spcFirstLastPara="1" rIns="91425" wrap="square" tIns="45700">
+          <a:bodyPr spcFirstLastPara="1" wrap="square" lIns="91425" tIns="45700" rIns="91425" bIns="45700" anchor="t" anchorCtr="0">
             <a:noAutofit/>
           </a:bodyPr>
           <a:lstStyle>
-            <a:lvl1pPr indent="-381000" lvl="0" marL="457200" algn="ctr">
+            <a:lvl1pPr marL="457200" lvl="0" indent="-381000" algn="ctr">
               <a:spcBef>
                 <a:spcPts val="480"/>
               </a:spcBef>
@@ -5804,7 +5980,7 @@
                 </a:solidFill>
               </a:defRPr>
             </a:lvl1pPr>
-            <a:lvl2pPr indent="-355600" lvl="1" marL="914400" algn="ctr">
+            <a:lvl2pPr marL="914400" lvl="1" indent="-355600" algn="ctr">
               <a:spcBef>
                 <a:spcPts val="400"/>
               </a:spcBef>
@@ -5822,7 +5998,7 @@
                 </a:solidFill>
               </a:defRPr>
             </a:lvl2pPr>
-            <a:lvl3pPr indent="-342900" lvl="2" marL="1371600" algn="ctr">
+            <a:lvl3pPr marL="1371600" lvl="2" indent="-342900" algn="ctr">
               <a:spcBef>
                 <a:spcPts val="360"/>
               </a:spcBef>
@@ -5840,7 +6016,7 @@
                 </a:solidFill>
               </a:defRPr>
             </a:lvl3pPr>
-            <a:lvl4pPr indent="-330200" lvl="3" marL="1828800" algn="ctr">
+            <a:lvl4pPr marL="1828800" lvl="3" indent="-330200" algn="ctr">
               <a:spcBef>
                 <a:spcPts val="320"/>
               </a:spcBef>
@@ -5858,7 +6034,7 @@
                 </a:solidFill>
               </a:defRPr>
             </a:lvl4pPr>
-            <a:lvl5pPr indent="-330200" lvl="4" marL="2286000" algn="ctr">
+            <a:lvl5pPr marL="2286000" lvl="4" indent="-330200" algn="ctr">
               <a:spcBef>
                 <a:spcPts val="320"/>
               </a:spcBef>
@@ -5876,7 +6052,7 @@
                 </a:solidFill>
               </a:defRPr>
             </a:lvl5pPr>
-            <a:lvl6pPr indent="-330200" lvl="5" marL="2743200" algn="l">
+            <a:lvl6pPr marL="2743200" lvl="5" indent="-330200" algn="l">
               <a:spcBef>
                 <a:spcPts val="320"/>
               </a:spcBef>
@@ -5890,7 +6066,7 @@
               <a:buChar char="•"/>
               <a:defRPr sz="1600"/>
             </a:lvl6pPr>
-            <a:lvl7pPr indent="-330200" lvl="6" marL="3200400" algn="l">
+            <a:lvl7pPr marL="3200400" lvl="6" indent="-330200" algn="l">
               <a:spcBef>
                 <a:spcPts val="320"/>
               </a:spcBef>
@@ -5904,7 +6080,7 @@
               <a:buChar char="•"/>
               <a:defRPr sz="1600"/>
             </a:lvl7pPr>
-            <a:lvl8pPr indent="-330200" lvl="7" marL="3657600" algn="l">
+            <a:lvl8pPr marL="3657600" lvl="7" indent="-330200" algn="l">
               <a:spcBef>
                 <a:spcPts val="320"/>
               </a:spcBef>
@@ -5918,7 +6094,7 @@
               <a:buChar char="•"/>
               <a:defRPr sz="1600"/>
             </a:lvl8pPr>
-            <a:lvl9pPr indent="-330200" lvl="8" marL="4114800" algn="l">
+            <a:lvl9pPr marL="4114800" lvl="8" indent="-330200" algn="l">
               <a:spcBef>
                 <a:spcPts val="320"/>
               </a:spcBef>
@@ -5933,15 +6109,19 @@
               <a:defRPr sz="1600"/>
             </a:lvl9pPr>
           </a:lstStyle>
-          <a:p/>
+          <a:p>
+            <a:endParaRPr/>
+          </a:p>
         </p:txBody>
       </p:sp>
       <p:sp>
         <p:nvSpPr>
           <p:cNvPr id="34" name="Google Shape;34;p5"/>
-          <p:cNvSpPr txBox="1"/>
+          <p:cNvSpPr txBox="1">
+            <a:spLocks noGrp="1"/>
+          </p:cNvSpPr>
           <p:nvPr>
-            <p:ph idx="3" type="body"/>
+            <p:ph type="body" idx="3"/>
           </p:nvPr>
         </p:nvSpPr>
         <p:spPr>
@@ -5958,11 +6138,11 @@
           </a:ln>
         </p:spPr>
         <p:txBody>
-          <a:bodyPr anchorCtr="0" anchor="b" bIns="45700" lIns="91425" spcFirstLastPara="1" rIns="91425" wrap="square" tIns="45700">
+          <a:bodyPr spcFirstLastPara="1" wrap="square" lIns="91425" tIns="45700" rIns="91425" bIns="45700" anchor="b" anchorCtr="0">
             <a:noAutofit/>
           </a:bodyPr>
           <a:lstStyle>
-            <a:lvl1pPr indent="-228600" lvl="0" marL="457200" algn="ctr">
+            <a:lvl1pPr marL="457200" lvl="0" indent="-228600" algn="ctr">
               <a:spcBef>
                 <a:spcPts val="480"/>
               </a:spcBef>
@@ -5974,13 +6154,13 @@
               </a:buClr>
               <a:buSzPts val="2400"/>
               <a:buNone/>
-              <a:defRPr b="1" sz="2400">
+              <a:defRPr sz="2400" b="1">
                 <a:solidFill>
                   <a:srgbClr val="F89BFF"/>
                 </a:solidFill>
               </a:defRPr>
             </a:lvl1pPr>
-            <a:lvl2pPr indent="-228600" lvl="1" marL="914400" algn="l">
+            <a:lvl2pPr marL="914400" lvl="1" indent="-228600" algn="l">
               <a:spcBef>
                 <a:spcPts val="400"/>
               </a:spcBef>
@@ -5992,9 +6172,9 @@
               </a:buClr>
               <a:buSzPts val="2000"/>
               <a:buNone/>
-              <a:defRPr b="1" sz="2000"/>
+              <a:defRPr sz="2000" b="1"/>
             </a:lvl2pPr>
-            <a:lvl3pPr indent="-228600" lvl="2" marL="1371600" algn="l">
+            <a:lvl3pPr marL="1371600" lvl="2" indent="-228600" algn="l">
               <a:spcBef>
                 <a:spcPts val="360"/>
               </a:spcBef>
@@ -6006,9 +6186,9 @@
               </a:buClr>
               <a:buSzPts val="1800"/>
               <a:buNone/>
-              <a:defRPr b="1" sz="1800"/>
+              <a:defRPr sz="1800" b="1"/>
             </a:lvl3pPr>
-            <a:lvl4pPr indent="-228600" lvl="3" marL="1828800" algn="l">
+            <a:lvl4pPr marL="1828800" lvl="3" indent="-228600" algn="l">
               <a:spcBef>
                 <a:spcPts val="320"/>
               </a:spcBef>
@@ -6020,9 +6200,9 @@
               </a:buClr>
               <a:buSzPts val="1600"/>
               <a:buNone/>
-              <a:defRPr b="1" sz="1600"/>
+              <a:defRPr sz="1600" b="1"/>
             </a:lvl4pPr>
-            <a:lvl5pPr indent="-228600" lvl="4" marL="2286000" algn="l">
+            <a:lvl5pPr marL="2286000" lvl="4" indent="-228600" algn="l">
               <a:spcBef>
                 <a:spcPts val="320"/>
               </a:spcBef>
@@ -6034,9 +6214,9 @@
               </a:buClr>
               <a:buSzPts val="1600"/>
               <a:buNone/>
-              <a:defRPr b="1" sz="1600"/>
+              <a:defRPr sz="1600" b="1"/>
             </a:lvl5pPr>
-            <a:lvl6pPr indent="-228600" lvl="5" marL="2743200" algn="l">
+            <a:lvl6pPr marL="2743200" lvl="5" indent="-228600" algn="l">
               <a:spcBef>
                 <a:spcPts val="320"/>
               </a:spcBef>
@@ -6048,9 +6228,9 @@
               </a:buClr>
               <a:buSzPts val="1600"/>
               <a:buNone/>
-              <a:defRPr b="1" sz="1600"/>
+              <a:defRPr sz="1600" b="1"/>
             </a:lvl6pPr>
-            <a:lvl7pPr indent="-228600" lvl="6" marL="3200400" algn="l">
+            <a:lvl7pPr marL="3200400" lvl="6" indent="-228600" algn="l">
               <a:spcBef>
                 <a:spcPts val="320"/>
               </a:spcBef>
@@ -6062,9 +6242,9 @@
               </a:buClr>
               <a:buSzPts val="1600"/>
               <a:buNone/>
-              <a:defRPr b="1" sz="1600"/>
+              <a:defRPr sz="1600" b="1"/>
             </a:lvl7pPr>
-            <a:lvl8pPr indent="-228600" lvl="7" marL="3657600" algn="l">
+            <a:lvl8pPr marL="3657600" lvl="7" indent="-228600" algn="l">
               <a:spcBef>
                 <a:spcPts val="320"/>
               </a:spcBef>
@@ -6076,9 +6256,9 @@
               </a:buClr>
               <a:buSzPts val="1600"/>
               <a:buNone/>
-              <a:defRPr b="1" sz="1600"/>
+              <a:defRPr sz="1600" b="1"/>
             </a:lvl8pPr>
-            <a:lvl9pPr indent="-228600" lvl="8" marL="4114800" algn="l">
+            <a:lvl9pPr marL="4114800" lvl="8" indent="-228600" algn="l">
               <a:spcBef>
                 <a:spcPts val="320"/>
               </a:spcBef>
@@ -6090,18 +6270,22 @@
               </a:buClr>
               <a:buSzPts val="1600"/>
               <a:buNone/>
-              <a:defRPr b="1" sz="1600"/>
+              <a:defRPr sz="1600" b="1"/>
             </a:lvl9pPr>
           </a:lstStyle>
-          <a:p/>
+          <a:p>
+            <a:endParaRPr/>
+          </a:p>
         </p:txBody>
       </p:sp>
       <p:sp>
         <p:nvSpPr>
           <p:cNvPr id="35" name="Google Shape;35;p5"/>
-          <p:cNvSpPr txBox="1"/>
+          <p:cNvSpPr txBox="1">
+            <a:spLocks noGrp="1"/>
+          </p:cNvSpPr>
           <p:nvPr>
-            <p:ph idx="4" type="body"/>
+            <p:ph type="body" idx="4"/>
           </p:nvPr>
         </p:nvSpPr>
         <p:spPr>
@@ -6118,11 +6302,11 @@
           </a:ln>
         </p:spPr>
         <p:txBody>
-          <a:bodyPr anchorCtr="0" anchor="t" bIns="45700" lIns="91425" spcFirstLastPara="1" rIns="91425" wrap="square" tIns="45700">
+          <a:bodyPr spcFirstLastPara="1" wrap="square" lIns="91425" tIns="45700" rIns="91425" bIns="45700" anchor="t" anchorCtr="0">
             <a:noAutofit/>
           </a:bodyPr>
           <a:lstStyle>
-            <a:lvl1pPr indent="-381000" lvl="0" marL="457200" algn="ctr">
+            <a:lvl1pPr marL="457200" lvl="0" indent="-381000" algn="ctr">
               <a:spcBef>
                 <a:spcPts val="480"/>
               </a:spcBef>
@@ -6140,7 +6324,7 @@
                 </a:solidFill>
               </a:defRPr>
             </a:lvl1pPr>
-            <a:lvl2pPr indent="-355600" lvl="1" marL="914400" algn="ctr">
+            <a:lvl2pPr marL="914400" lvl="1" indent="-355600" algn="ctr">
               <a:spcBef>
                 <a:spcPts val="400"/>
               </a:spcBef>
@@ -6158,7 +6342,7 @@
                 </a:solidFill>
               </a:defRPr>
             </a:lvl2pPr>
-            <a:lvl3pPr indent="-342900" lvl="2" marL="1371600" algn="ctr">
+            <a:lvl3pPr marL="1371600" lvl="2" indent="-342900" algn="ctr">
               <a:spcBef>
                 <a:spcPts val="360"/>
               </a:spcBef>
@@ -6176,7 +6360,7 @@
                 </a:solidFill>
               </a:defRPr>
             </a:lvl3pPr>
-            <a:lvl4pPr indent="-330200" lvl="3" marL="1828800" algn="ctr">
+            <a:lvl4pPr marL="1828800" lvl="3" indent="-330200" algn="ctr">
               <a:spcBef>
                 <a:spcPts val="320"/>
               </a:spcBef>
@@ -6194,7 +6378,7 @@
                 </a:solidFill>
               </a:defRPr>
             </a:lvl4pPr>
-            <a:lvl5pPr indent="-330200" lvl="4" marL="2286000" algn="ctr">
+            <a:lvl5pPr marL="2286000" lvl="4" indent="-330200" algn="ctr">
               <a:spcBef>
                 <a:spcPts val="320"/>
               </a:spcBef>
@@ -6212,7 +6396,7 @@
                 </a:solidFill>
               </a:defRPr>
             </a:lvl5pPr>
-            <a:lvl6pPr indent="-330200" lvl="5" marL="2743200" algn="l">
+            <a:lvl6pPr marL="2743200" lvl="5" indent="-330200" algn="l">
               <a:spcBef>
                 <a:spcPts val="320"/>
               </a:spcBef>
@@ -6226,7 +6410,7 @@
               <a:buChar char="•"/>
               <a:defRPr sz="1600"/>
             </a:lvl6pPr>
-            <a:lvl7pPr indent="-330200" lvl="6" marL="3200400" algn="l">
+            <a:lvl7pPr marL="3200400" lvl="6" indent="-330200" algn="l">
               <a:spcBef>
                 <a:spcPts val="320"/>
               </a:spcBef>
@@ -6240,7 +6424,7 @@
               <a:buChar char="•"/>
               <a:defRPr sz="1600"/>
             </a:lvl7pPr>
-            <a:lvl8pPr indent="-330200" lvl="7" marL="3657600" algn="l">
+            <a:lvl8pPr marL="3657600" lvl="7" indent="-330200" algn="l">
               <a:spcBef>
                 <a:spcPts val="320"/>
               </a:spcBef>
@@ -6254,7 +6438,7 @@
               <a:buChar char="•"/>
               <a:defRPr sz="1600"/>
             </a:lvl8pPr>
-            <a:lvl9pPr indent="-330200" lvl="8" marL="4114800" algn="l">
+            <a:lvl9pPr marL="4114800" lvl="8" indent="-330200" algn="l">
               <a:spcBef>
                 <a:spcPts val="320"/>
               </a:spcBef>
@@ -6269,15 +6453,19 @@
               <a:defRPr sz="1600"/>
             </a:lvl9pPr>
           </a:lstStyle>
-          <a:p/>
+          <a:p>
+            <a:endParaRPr/>
+          </a:p>
         </p:txBody>
       </p:sp>
       <p:sp>
         <p:nvSpPr>
           <p:cNvPr id="36" name="Google Shape;36;p5"/>
-          <p:cNvSpPr txBox="1"/>
+          <p:cNvSpPr txBox="1">
+            <a:spLocks noGrp="1"/>
+          </p:cNvSpPr>
           <p:nvPr>
-            <p:ph idx="10" type="dt"/>
+            <p:ph type="dt" idx="10"/>
           </p:nvPr>
         </p:nvSpPr>
         <p:spPr>
@@ -6294,7 +6482,7 @@
           </a:ln>
         </p:spPr>
         <p:txBody>
-          <a:bodyPr anchorCtr="0" anchor="ctr" bIns="45700" lIns="91425" spcFirstLastPara="1" rIns="91425" wrap="square" tIns="45700">
+          <a:bodyPr spcFirstLastPara="1" wrap="square" lIns="91425" tIns="45700" rIns="91425" bIns="45700" anchor="ctr" anchorCtr="0">
             <a:noAutofit/>
           </a:bodyPr>
           <a:lstStyle>
@@ -6398,15 +6586,19 @@
               <a:defRPr/>
             </a:lvl9pPr>
           </a:lstStyle>
-          <a:p/>
+          <a:p>
+            <a:endParaRPr/>
+          </a:p>
         </p:txBody>
       </p:sp>
       <p:sp>
         <p:nvSpPr>
           <p:cNvPr id="37" name="Google Shape;37;p5"/>
-          <p:cNvSpPr txBox="1"/>
+          <p:cNvSpPr txBox="1">
+            <a:spLocks noGrp="1"/>
+          </p:cNvSpPr>
           <p:nvPr>
-            <p:ph idx="11" type="ftr"/>
+            <p:ph type="ftr" idx="11"/>
           </p:nvPr>
         </p:nvSpPr>
         <p:spPr>
@@ -6423,7 +6615,7 @@
           </a:ln>
         </p:spPr>
         <p:txBody>
-          <a:bodyPr anchorCtr="0" anchor="ctr" bIns="45700" lIns="91425" spcFirstLastPara="1" rIns="91425" wrap="square" tIns="45700">
+          <a:bodyPr spcFirstLastPara="1" wrap="square" lIns="91425" tIns="45700" rIns="91425" bIns="45700" anchor="ctr" anchorCtr="0">
             <a:noAutofit/>
           </a:bodyPr>
           <a:lstStyle>
@@ -6527,15 +6719,19 @@
               <a:defRPr/>
             </a:lvl9pPr>
           </a:lstStyle>
-          <a:p/>
+          <a:p>
+            <a:endParaRPr/>
+          </a:p>
         </p:txBody>
       </p:sp>
       <p:sp>
         <p:nvSpPr>
           <p:cNvPr id="38" name="Google Shape;38;p5"/>
-          <p:cNvSpPr txBox="1"/>
+          <p:cNvSpPr txBox="1">
+            <a:spLocks noGrp="1"/>
+          </p:cNvSpPr>
           <p:nvPr>
-            <p:ph idx="12" type="sldNum"/>
+            <p:ph type="sldNum" idx="12"/>
           </p:nvPr>
         </p:nvSpPr>
         <p:spPr>
@@ -6552,67 +6748,67 @@
           </a:ln>
         </p:spPr>
         <p:txBody>
-          <a:bodyPr anchorCtr="0" anchor="ctr" bIns="45700" lIns="91425" spcFirstLastPara="1" rIns="91425" wrap="square" tIns="45700">
+          <a:bodyPr spcFirstLastPara="1" wrap="square" lIns="91425" tIns="45700" rIns="91425" bIns="45700" anchor="ctr" anchorCtr="0">
             <a:noAutofit/>
           </a:bodyPr>
           <a:lstStyle>
-            <a:lvl1pPr indent="0" lvl="0" marL="0" algn="r">
+            <a:lvl1pPr marL="0" lvl="0" indent="0" algn="r">
               <a:spcBef>
                 <a:spcPts val="0"/>
               </a:spcBef>
               <a:buNone/>
               <a:defRPr/>
             </a:lvl1pPr>
-            <a:lvl2pPr indent="0" lvl="1" marL="0" algn="r">
+            <a:lvl2pPr marL="0" lvl="1" indent="0" algn="r">
               <a:spcBef>
                 <a:spcPts val="0"/>
               </a:spcBef>
               <a:buNone/>
               <a:defRPr/>
             </a:lvl2pPr>
-            <a:lvl3pPr indent="0" lvl="2" marL="0" algn="r">
+            <a:lvl3pPr marL="0" lvl="2" indent="0" algn="r">
               <a:spcBef>
                 <a:spcPts val="0"/>
               </a:spcBef>
               <a:buNone/>
               <a:defRPr/>
             </a:lvl3pPr>
-            <a:lvl4pPr indent="0" lvl="3" marL="0" algn="r">
+            <a:lvl4pPr marL="0" lvl="3" indent="0" algn="r">
               <a:spcBef>
                 <a:spcPts val="0"/>
               </a:spcBef>
               <a:buNone/>
               <a:defRPr/>
             </a:lvl4pPr>
-            <a:lvl5pPr indent="0" lvl="4" marL="0" algn="r">
+            <a:lvl5pPr marL="0" lvl="4" indent="0" algn="r">
               <a:spcBef>
                 <a:spcPts val="0"/>
               </a:spcBef>
               <a:buNone/>
               <a:defRPr/>
             </a:lvl5pPr>
-            <a:lvl6pPr indent="0" lvl="5" marL="0" algn="r">
+            <a:lvl6pPr marL="0" lvl="5" indent="0" algn="r">
               <a:spcBef>
                 <a:spcPts val="0"/>
               </a:spcBef>
               <a:buNone/>
               <a:defRPr/>
             </a:lvl6pPr>
-            <a:lvl7pPr indent="0" lvl="6" marL="0" algn="r">
+            <a:lvl7pPr marL="0" lvl="6" indent="0" algn="r">
               <a:spcBef>
                 <a:spcPts val="0"/>
               </a:spcBef>
               <a:buNone/>
               <a:defRPr/>
             </a:lvl7pPr>
-            <a:lvl8pPr indent="0" lvl="7" marL="0" algn="r">
+            <a:lvl8pPr marL="0" lvl="7" indent="0" algn="r">
               <a:spcBef>
                 <a:spcPts val="0"/>
               </a:spcBef>
               <a:buNone/>
               <a:defRPr/>
             </a:lvl8pPr>
-            <a:lvl9pPr indent="0" lvl="8" marL="0" algn="r">
+            <a:lvl9pPr marL="0" lvl="8" indent="0" algn="r">
               <a:spcBef>
                 <a:spcPts val="0"/>
               </a:spcBef>
@@ -6621,7 +6817,7 @@
             </a:lvl9pPr>
           </a:lstStyle>
           <a:p>
-            <a:pPr indent="0" lvl="0" marL="0" rtl="0" algn="r">
+            <a:pPr marL="0" lvl="0" indent="0" algn="r" rtl="0">
               <a:spcBef>
                 <a:spcPts val="0"/>
               </a:spcBef>
@@ -6647,11 +6843,11 @@
 </file>
 
 <file path=ppt/slideLayouts/slideLayout5.xml><?xml version="1.0" encoding="utf-8"?>
-<p:sldLayout xmlns:a="http://schemas.openxmlformats.org/drawingml/2006/main" xmlns:r="http://schemas.openxmlformats.org/officeDocument/2006/relationships" xmlns:mc="http://schemas.openxmlformats.org/markup-compatibility/2006" xmlns:mv="urn:schemas-microsoft-com:mac:vml" xmlns:p="http://schemas.openxmlformats.org/presentationml/2006/main" xmlns:c="http://schemas.openxmlformats.org/drawingml/2006/chart" xmlns:dgm="http://schemas.openxmlformats.org/drawingml/2006/diagram" xmlns:o="urn:schemas-microsoft-com:office:office" xmlns:v="urn:schemas-microsoft-com:vml" xmlns:pvml="urn:schemas-microsoft-com:office:powerpoint" xmlns:com="http://schemas.openxmlformats.org/drawingml/2006/compatibility" xmlns:p14="http://schemas.microsoft.com/office/powerpoint/2010/main" xmlns:p15="http://schemas.microsoft.com/office/powerpoint/2012/main" matchingName="Blank" type="blank">
+<p:sldLayout xmlns:a="http://schemas.openxmlformats.org/drawingml/2006/main" xmlns:r="http://schemas.openxmlformats.org/officeDocument/2006/relationships" xmlns:p="http://schemas.openxmlformats.org/presentationml/2006/main" matchingName="Blank" type="blank">
   <p:cSld name="BLANK">
     <p:spTree>
       <p:nvGrpSpPr>
-        <p:cNvPr id="39" name="Shape 39"/>
+        <p:cNvPr id="1" name="Shape 39"/>
         <p:cNvGrpSpPr/>
         <p:nvPr/>
       </p:nvGrpSpPr>
@@ -6666,9 +6862,11 @@
       <p:sp>
         <p:nvSpPr>
           <p:cNvPr id="40" name="Google Shape;40;p6"/>
-          <p:cNvSpPr txBox="1"/>
+          <p:cNvSpPr txBox="1">
+            <a:spLocks noGrp="1"/>
+          </p:cNvSpPr>
           <p:nvPr>
-            <p:ph idx="10" type="dt"/>
+            <p:ph type="dt" idx="10"/>
           </p:nvPr>
         </p:nvSpPr>
         <p:spPr>
@@ -6685,7 +6883,7 @@
           </a:ln>
         </p:spPr>
         <p:txBody>
-          <a:bodyPr anchorCtr="0" anchor="ctr" bIns="45700" lIns="91425" spcFirstLastPara="1" rIns="91425" wrap="square" tIns="45700">
+          <a:bodyPr spcFirstLastPara="1" wrap="square" lIns="91425" tIns="45700" rIns="91425" bIns="45700" anchor="ctr" anchorCtr="0">
             <a:noAutofit/>
           </a:bodyPr>
           <a:lstStyle>
@@ -6789,15 +6987,19 @@
               <a:defRPr/>
             </a:lvl9pPr>
           </a:lstStyle>
-          <a:p/>
+          <a:p>
+            <a:endParaRPr/>
+          </a:p>
         </p:txBody>
       </p:sp>
       <p:sp>
         <p:nvSpPr>
           <p:cNvPr id="41" name="Google Shape;41;p6"/>
-          <p:cNvSpPr txBox="1"/>
+          <p:cNvSpPr txBox="1">
+            <a:spLocks noGrp="1"/>
+          </p:cNvSpPr>
           <p:nvPr>
-            <p:ph idx="11" type="ftr"/>
+            <p:ph type="ftr" idx="11"/>
           </p:nvPr>
         </p:nvSpPr>
         <p:spPr>
@@ -6814,7 +7016,7 @@
           </a:ln>
         </p:spPr>
         <p:txBody>
-          <a:bodyPr anchorCtr="0" anchor="ctr" bIns="45700" lIns="91425" spcFirstLastPara="1" rIns="91425" wrap="square" tIns="45700">
+          <a:bodyPr spcFirstLastPara="1" wrap="square" lIns="91425" tIns="45700" rIns="91425" bIns="45700" anchor="ctr" anchorCtr="0">
             <a:noAutofit/>
           </a:bodyPr>
           <a:lstStyle>
@@ -6918,15 +7120,19 @@
               <a:defRPr/>
             </a:lvl9pPr>
           </a:lstStyle>
-          <a:p/>
+          <a:p>
+            <a:endParaRPr/>
+          </a:p>
         </p:txBody>
       </p:sp>
       <p:sp>
         <p:nvSpPr>
           <p:cNvPr id="42" name="Google Shape;42;p6"/>
-          <p:cNvSpPr txBox="1"/>
+          <p:cNvSpPr txBox="1">
+            <a:spLocks noGrp="1"/>
+          </p:cNvSpPr>
           <p:nvPr>
-            <p:ph idx="12" type="sldNum"/>
+            <p:ph type="sldNum" idx="12"/>
           </p:nvPr>
         </p:nvSpPr>
         <p:spPr>
@@ -6943,67 +7149,67 @@
           </a:ln>
         </p:spPr>
         <p:txBody>
-          <a:bodyPr anchorCtr="0" anchor="ctr" bIns="45700" lIns="91425" spcFirstLastPara="1" rIns="91425" wrap="square" tIns="45700">
+          <a:bodyPr spcFirstLastPara="1" wrap="square" lIns="91425" tIns="45700" rIns="91425" bIns="45700" anchor="ctr" anchorCtr="0">
             <a:noAutofit/>
           </a:bodyPr>
           <a:lstStyle>
-            <a:lvl1pPr indent="0" lvl="0" marL="0" algn="r">
+            <a:lvl1pPr marL="0" lvl="0" indent="0" algn="r">
               <a:spcBef>
                 <a:spcPts val="0"/>
               </a:spcBef>
               <a:buNone/>
               <a:defRPr/>
             </a:lvl1pPr>
-            <a:lvl2pPr indent="0" lvl="1" marL="0" algn="r">
+            <a:lvl2pPr marL="0" lvl="1" indent="0" algn="r">
               <a:spcBef>
                 <a:spcPts val="0"/>
               </a:spcBef>
               <a:buNone/>
               <a:defRPr/>
             </a:lvl2pPr>
-            <a:lvl3pPr indent="0" lvl="2" marL="0" algn="r">
+            <a:lvl3pPr marL="0" lvl="2" indent="0" algn="r">
               <a:spcBef>
                 <a:spcPts val="0"/>
               </a:spcBef>
               <a:buNone/>
               <a:defRPr/>
             </a:lvl3pPr>
-            <a:lvl4pPr indent="0" lvl="3" marL="0" algn="r">
+            <a:lvl4pPr marL="0" lvl="3" indent="0" algn="r">
               <a:spcBef>
                 <a:spcPts val="0"/>
               </a:spcBef>
               <a:buNone/>
               <a:defRPr/>
             </a:lvl4pPr>
-            <a:lvl5pPr indent="0" lvl="4" marL="0" algn="r">
+            <a:lvl5pPr marL="0" lvl="4" indent="0" algn="r">
               <a:spcBef>
                 <a:spcPts val="0"/>
               </a:spcBef>
               <a:buNone/>
               <a:defRPr/>
             </a:lvl5pPr>
-            <a:lvl6pPr indent="0" lvl="5" marL="0" algn="r">
+            <a:lvl6pPr marL="0" lvl="5" indent="0" algn="r">
               <a:spcBef>
                 <a:spcPts val="0"/>
               </a:spcBef>
               <a:buNone/>
               <a:defRPr/>
             </a:lvl6pPr>
-            <a:lvl7pPr indent="0" lvl="6" marL="0" algn="r">
+            <a:lvl7pPr marL="0" lvl="6" indent="0" algn="r">
               <a:spcBef>
                 <a:spcPts val="0"/>
               </a:spcBef>
               <a:buNone/>
               <a:defRPr/>
             </a:lvl7pPr>
-            <a:lvl8pPr indent="0" lvl="7" marL="0" algn="r">
+            <a:lvl8pPr marL="0" lvl="7" indent="0" algn="r">
               <a:spcBef>
                 <a:spcPts val="0"/>
               </a:spcBef>
               <a:buNone/>
               <a:defRPr/>
             </a:lvl8pPr>
-            <a:lvl9pPr indent="0" lvl="8" marL="0" algn="r">
+            <a:lvl9pPr marL="0" lvl="8" indent="0" algn="r">
               <a:spcBef>
                 <a:spcPts val="0"/>
               </a:spcBef>
@@ -7012,7 +7218,7 @@
             </a:lvl9pPr>
           </a:lstStyle>
           <a:p>
-            <a:pPr indent="0" lvl="0" marL="0" rtl="0" algn="r">
+            <a:pPr marL="0" lvl="0" indent="0" algn="r" rtl="0">
               <a:spcBef>
                 <a:spcPts val="0"/>
               </a:spcBef>
@@ -7038,11 +7244,11 @@
 </file>
 
 <file path=ppt/slideLayouts/slideLayout6.xml><?xml version="1.0" encoding="utf-8"?>
-<p:sldLayout xmlns:a="http://schemas.openxmlformats.org/drawingml/2006/main" xmlns:r="http://schemas.openxmlformats.org/officeDocument/2006/relationships" xmlns:mc="http://schemas.openxmlformats.org/markup-compatibility/2006" xmlns:mv="urn:schemas-microsoft-com:mac:vml" xmlns:p="http://schemas.openxmlformats.org/presentationml/2006/main" xmlns:c="http://schemas.openxmlformats.org/drawingml/2006/chart" xmlns:dgm="http://schemas.openxmlformats.org/drawingml/2006/diagram" xmlns:o="urn:schemas-microsoft-com:office:office" xmlns:v="urn:schemas-microsoft-com:vml" xmlns:pvml="urn:schemas-microsoft-com:office:powerpoint" xmlns:com="http://schemas.openxmlformats.org/drawingml/2006/compatibility" xmlns:p14="http://schemas.microsoft.com/office/powerpoint/2010/main" xmlns:p15="http://schemas.microsoft.com/office/powerpoint/2012/main" matchingName="Section Header" type="secHead">
+<p:sldLayout xmlns:a="http://schemas.openxmlformats.org/drawingml/2006/main" xmlns:r="http://schemas.openxmlformats.org/officeDocument/2006/relationships" xmlns:p="http://schemas.openxmlformats.org/presentationml/2006/main" matchingName="Section Header" type="secHead">
   <p:cSld name="SECTION_HEADER">
     <p:spTree>
       <p:nvGrpSpPr>
-        <p:cNvPr id="43" name="Shape 43"/>
+        <p:cNvPr id="1" name="Shape 43"/>
         <p:cNvGrpSpPr/>
         <p:nvPr/>
       </p:nvGrpSpPr>
@@ -7057,7 +7263,9 @@
       <p:sp>
         <p:nvSpPr>
           <p:cNvPr id="44" name="Google Shape;44;p7"/>
-          <p:cNvSpPr txBox="1"/>
+          <p:cNvSpPr txBox="1">
+            <a:spLocks noGrp="1"/>
+          </p:cNvSpPr>
           <p:nvPr>
             <p:ph type="title"/>
           </p:nvPr>
@@ -7076,7 +7284,7 @@
           </a:ln>
         </p:spPr>
         <p:txBody>
-          <a:bodyPr anchorCtr="0" anchor="t" bIns="45700" lIns="91425" spcFirstLastPara="1" rIns="91425" wrap="square" tIns="45700">
+          <a:bodyPr spcFirstLastPara="1" wrap="square" lIns="91425" tIns="45700" rIns="91425" bIns="45700" anchor="t" anchorCtr="0">
             <a:noAutofit/>
           </a:bodyPr>
           <a:lstStyle>
@@ -7093,7 +7301,7 @@
               <a:buSzPts val="4000"/>
               <a:buFont typeface="Calibri"/>
               <a:buNone/>
-              <a:defRPr b="1" sz="4000" cap="none"/>
+              <a:defRPr sz="4000" b="1" cap="none"/>
             </a:lvl1pPr>
             <a:lvl2pPr lvl="1">
               <a:spcBef>
@@ -7184,15 +7392,19 @@
               <a:defRPr/>
             </a:lvl9pPr>
           </a:lstStyle>
-          <a:p/>
+          <a:p>
+            <a:endParaRPr/>
+          </a:p>
         </p:txBody>
       </p:sp>
       <p:sp>
         <p:nvSpPr>
           <p:cNvPr id="45" name="Google Shape;45;p7"/>
-          <p:cNvSpPr txBox="1"/>
+          <p:cNvSpPr txBox="1">
+            <a:spLocks noGrp="1"/>
+          </p:cNvSpPr>
           <p:nvPr>
-            <p:ph idx="1" type="body"/>
+            <p:ph type="body" idx="1"/>
           </p:nvPr>
         </p:nvSpPr>
         <p:spPr>
@@ -7209,11 +7421,11 @@
           </a:ln>
         </p:spPr>
         <p:txBody>
-          <a:bodyPr anchorCtr="0" anchor="b" bIns="45700" lIns="91425" spcFirstLastPara="1" rIns="91425" wrap="square" tIns="45700">
+          <a:bodyPr spcFirstLastPara="1" wrap="square" lIns="91425" tIns="45700" rIns="91425" bIns="45700" anchor="b" anchorCtr="0">
             <a:noAutofit/>
           </a:bodyPr>
           <a:lstStyle>
-            <a:lvl1pPr indent="-228600" lvl="0" marL="457200" algn="l">
+            <a:lvl1pPr marL="457200" lvl="0" indent="-228600" algn="l">
               <a:spcBef>
                 <a:spcPts val="400"/>
               </a:spcBef>
@@ -7231,7 +7443,7 @@
                 </a:solidFill>
               </a:defRPr>
             </a:lvl1pPr>
-            <a:lvl2pPr indent="-228600" lvl="1" marL="914400" algn="l">
+            <a:lvl2pPr marL="914400" lvl="1" indent="-228600" algn="l">
               <a:spcBef>
                 <a:spcPts val="360"/>
               </a:spcBef>
@@ -7249,7 +7461,7 @@
                 </a:solidFill>
               </a:defRPr>
             </a:lvl2pPr>
-            <a:lvl3pPr indent="-228600" lvl="2" marL="1371600" algn="l">
+            <a:lvl3pPr marL="1371600" lvl="2" indent="-228600" algn="l">
               <a:spcBef>
                 <a:spcPts val="320"/>
               </a:spcBef>
@@ -7267,7 +7479,7 @@
                 </a:solidFill>
               </a:defRPr>
             </a:lvl3pPr>
-            <a:lvl4pPr indent="-228600" lvl="3" marL="1828800" algn="l">
+            <a:lvl4pPr marL="1828800" lvl="3" indent="-228600" algn="l">
               <a:spcBef>
                 <a:spcPts val="280"/>
               </a:spcBef>
@@ -7285,7 +7497,7 @@
                 </a:solidFill>
               </a:defRPr>
             </a:lvl4pPr>
-            <a:lvl5pPr indent="-228600" lvl="4" marL="2286000" algn="l">
+            <a:lvl5pPr marL="2286000" lvl="4" indent="-228600" algn="l">
               <a:spcBef>
                 <a:spcPts val="280"/>
               </a:spcBef>
@@ -7303,7 +7515,7 @@
                 </a:solidFill>
               </a:defRPr>
             </a:lvl5pPr>
-            <a:lvl6pPr indent="-228600" lvl="5" marL="2743200" algn="l">
+            <a:lvl6pPr marL="2743200" lvl="5" indent="-228600" algn="l">
               <a:spcBef>
                 <a:spcPts val="280"/>
               </a:spcBef>
@@ -7321,7 +7533,7 @@
                 </a:solidFill>
               </a:defRPr>
             </a:lvl6pPr>
-            <a:lvl7pPr indent="-228600" lvl="6" marL="3200400" algn="l">
+            <a:lvl7pPr marL="3200400" lvl="6" indent="-228600" algn="l">
               <a:spcBef>
                 <a:spcPts val="280"/>
               </a:spcBef>
@@ -7339,7 +7551,7 @@
                 </a:solidFill>
               </a:defRPr>
             </a:lvl7pPr>
-            <a:lvl8pPr indent="-228600" lvl="7" marL="3657600" algn="l">
+            <a:lvl8pPr marL="3657600" lvl="7" indent="-228600" algn="l">
               <a:spcBef>
                 <a:spcPts val="280"/>
               </a:spcBef>
@@ -7357,7 +7569,7 @@
                 </a:solidFill>
               </a:defRPr>
             </a:lvl8pPr>
-            <a:lvl9pPr indent="-228600" lvl="8" marL="4114800" algn="l">
+            <a:lvl9pPr marL="4114800" lvl="8" indent="-228600" algn="l">
               <a:spcBef>
                 <a:spcPts val="280"/>
               </a:spcBef>
@@ -7376,15 +7588,19 @@
               </a:defRPr>
             </a:lvl9pPr>
           </a:lstStyle>
-          <a:p/>
+          <a:p>
+            <a:endParaRPr/>
+          </a:p>
         </p:txBody>
       </p:sp>
       <p:sp>
         <p:nvSpPr>
           <p:cNvPr id="46" name="Google Shape;46;p7"/>
-          <p:cNvSpPr txBox="1"/>
+          <p:cNvSpPr txBox="1">
+            <a:spLocks noGrp="1"/>
+          </p:cNvSpPr>
           <p:nvPr>
-            <p:ph idx="10" type="dt"/>
+            <p:ph type="dt" idx="10"/>
           </p:nvPr>
         </p:nvSpPr>
         <p:spPr>
@@ -7401,7 +7617,7 @@
           </a:ln>
         </p:spPr>
         <p:txBody>
-          <a:bodyPr anchorCtr="0" anchor="ctr" bIns="45700" lIns="91425" spcFirstLastPara="1" rIns="91425" wrap="square" tIns="45700">
+          <a:bodyPr spcFirstLastPara="1" wrap="square" lIns="91425" tIns="45700" rIns="91425" bIns="45700" anchor="ctr" anchorCtr="0">
             <a:noAutofit/>
           </a:bodyPr>
           <a:lstStyle>
@@ -7505,15 +7721,19 @@
               <a:defRPr/>
             </a:lvl9pPr>
           </a:lstStyle>
-          <a:p/>
+          <a:p>
+            <a:endParaRPr/>
+          </a:p>
         </p:txBody>
       </p:sp>
       <p:sp>
         <p:nvSpPr>
           <p:cNvPr id="47" name="Google Shape;47;p7"/>
-          <p:cNvSpPr txBox="1"/>
+          <p:cNvSpPr txBox="1">
+            <a:spLocks noGrp="1"/>
+          </p:cNvSpPr>
           <p:nvPr>
-            <p:ph idx="11" type="ftr"/>
+            <p:ph type="ftr" idx="11"/>
           </p:nvPr>
         </p:nvSpPr>
         <p:spPr>
@@ -7530,7 +7750,7 @@
           </a:ln>
         </p:spPr>
         <p:txBody>
-          <a:bodyPr anchorCtr="0" anchor="ctr" bIns="45700" lIns="91425" spcFirstLastPara="1" rIns="91425" wrap="square" tIns="45700">
+          <a:bodyPr spcFirstLastPara="1" wrap="square" lIns="91425" tIns="45700" rIns="91425" bIns="45700" anchor="ctr" anchorCtr="0">
             <a:noAutofit/>
           </a:bodyPr>
           <a:lstStyle>
@@ -7634,15 +7854,19 @@
               <a:defRPr/>
             </a:lvl9pPr>
           </a:lstStyle>
-          <a:p/>
+          <a:p>
+            <a:endParaRPr/>
+          </a:p>
         </p:txBody>
       </p:sp>
       <p:sp>
         <p:nvSpPr>
           <p:cNvPr id="48" name="Google Shape;48;p7"/>
-          <p:cNvSpPr txBox="1"/>
+          <p:cNvSpPr txBox="1">
+            <a:spLocks noGrp="1"/>
+          </p:cNvSpPr>
           <p:nvPr>
-            <p:ph idx="12" type="sldNum"/>
+            <p:ph type="sldNum" idx="12"/>
           </p:nvPr>
         </p:nvSpPr>
         <p:spPr>
@@ -7659,67 +7883,67 @@
           </a:ln>
         </p:spPr>
         <p:txBody>
-          <a:bodyPr anchorCtr="0" anchor="ctr" bIns="45700" lIns="91425" spcFirstLastPara="1" rIns="91425" wrap="square" tIns="45700">
+          <a:bodyPr spcFirstLastPara="1" wrap="square" lIns="91425" tIns="45700" rIns="91425" bIns="45700" anchor="ctr" anchorCtr="0">
             <a:noAutofit/>
           </a:bodyPr>
           <a:lstStyle>
-            <a:lvl1pPr indent="0" lvl="0" marL="0" algn="r">
+            <a:lvl1pPr marL="0" lvl="0" indent="0" algn="r">
               <a:spcBef>
                 <a:spcPts val="0"/>
               </a:spcBef>
               <a:buNone/>
               <a:defRPr/>
             </a:lvl1pPr>
-            <a:lvl2pPr indent="0" lvl="1" marL="0" algn="r">
+            <a:lvl2pPr marL="0" lvl="1" indent="0" algn="r">
               <a:spcBef>
                 <a:spcPts val="0"/>
               </a:spcBef>
               <a:buNone/>
               <a:defRPr/>
             </a:lvl2pPr>
-            <a:lvl3pPr indent="0" lvl="2" marL="0" algn="r">
+            <a:lvl3pPr marL="0" lvl="2" indent="0" algn="r">
               <a:spcBef>
                 <a:spcPts val="0"/>
               </a:spcBef>
               <a:buNone/>
               <a:defRPr/>
             </a:lvl3pPr>
-            <a:lvl4pPr indent="0" lvl="3" marL="0" algn="r">
+            <a:lvl4pPr marL="0" lvl="3" indent="0" algn="r">
               <a:spcBef>
                 <a:spcPts val="0"/>
               </a:spcBef>
               <a:buNone/>
               <a:defRPr/>
             </a:lvl4pPr>
-            <a:lvl5pPr indent="0" lvl="4" marL="0" algn="r">
+            <a:lvl5pPr marL="0" lvl="4" indent="0" algn="r">
               <a:spcBef>
                 <a:spcPts val="0"/>
               </a:spcBef>
               <a:buNone/>
               <a:defRPr/>
             </a:lvl5pPr>
-            <a:lvl6pPr indent="0" lvl="5" marL="0" algn="r">
+            <a:lvl6pPr marL="0" lvl="5" indent="0" algn="r">
               <a:spcBef>
                 <a:spcPts val="0"/>
               </a:spcBef>
               <a:buNone/>
               <a:defRPr/>
             </a:lvl6pPr>
-            <a:lvl7pPr indent="0" lvl="6" marL="0" algn="r">
+            <a:lvl7pPr marL="0" lvl="6" indent="0" algn="r">
               <a:spcBef>
                 <a:spcPts val="0"/>
               </a:spcBef>
               <a:buNone/>
               <a:defRPr/>
             </a:lvl7pPr>
-            <a:lvl8pPr indent="0" lvl="7" marL="0" algn="r">
+            <a:lvl8pPr marL="0" lvl="7" indent="0" algn="r">
               <a:spcBef>
                 <a:spcPts val="0"/>
               </a:spcBef>
               <a:buNone/>
               <a:defRPr/>
             </a:lvl8pPr>
-            <a:lvl9pPr indent="0" lvl="8" marL="0" algn="r">
+            <a:lvl9pPr marL="0" lvl="8" indent="0" algn="r">
               <a:spcBef>
                 <a:spcPts val="0"/>
               </a:spcBef>
@@ -7728,7 +7952,7 @@
             </a:lvl9pPr>
           </a:lstStyle>
           <a:p>
-            <a:pPr indent="0" lvl="0" marL="0" rtl="0" algn="r">
+            <a:pPr marL="0" lvl="0" indent="0" algn="r" rtl="0">
               <a:spcBef>
                 <a:spcPts val="0"/>
               </a:spcBef>
@@ -7754,11 +7978,11 @@
 </file>
 
 <file path=ppt/slideLayouts/slideLayout7.xml><?xml version="1.0" encoding="utf-8"?>
-<p:sldLayout xmlns:a="http://schemas.openxmlformats.org/drawingml/2006/main" xmlns:r="http://schemas.openxmlformats.org/officeDocument/2006/relationships" xmlns:mc="http://schemas.openxmlformats.org/markup-compatibility/2006" xmlns:mv="urn:schemas-microsoft-com:mac:vml" xmlns:p="http://schemas.openxmlformats.org/presentationml/2006/main" xmlns:c="http://schemas.openxmlformats.org/drawingml/2006/chart" xmlns:dgm="http://schemas.openxmlformats.org/drawingml/2006/diagram" xmlns:o="urn:schemas-microsoft-com:office:office" xmlns:v="urn:schemas-microsoft-com:vml" xmlns:pvml="urn:schemas-microsoft-com:office:powerpoint" xmlns:com="http://schemas.openxmlformats.org/drawingml/2006/compatibility" xmlns:p14="http://schemas.microsoft.com/office/powerpoint/2010/main" xmlns:p15="http://schemas.microsoft.com/office/powerpoint/2012/main" matchingName="Two Content" type="twoObj">
+<p:sldLayout xmlns:a="http://schemas.openxmlformats.org/drawingml/2006/main" xmlns:r="http://schemas.openxmlformats.org/officeDocument/2006/relationships" xmlns:p="http://schemas.openxmlformats.org/presentationml/2006/main" matchingName="Two Content" type="twoObj">
   <p:cSld name="TWO_OBJECTS">
     <p:spTree>
       <p:nvGrpSpPr>
-        <p:cNvPr id="49" name="Shape 49"/>
+        <p:cNvPr id="1" name="Shape 49"/>
         <p:cNvGrpSpPr/>
         <p:nvPr/>
       </p:nvGrpSpPr>
@@ -7773,7 +7997,9 @@
       <p:sp>
         <p:nvSpPr>
           <p:cNvPr id="50" name="Google Shape;50;p8"/>
-          <p:cNvSpPr txBox="1"/>
+          <p:cNvSpPr txBox="1">
+            <a:spLocks noGrp="1"/>
+          </p:cNvSpPr>
           <p:nvPr>
             <p:ph type="title"/>
           </p:nvPr>
@@ -7792,7 +8018,7 @@
           </a:ln>
         </p:spPr>
         <p:txBody>
-          <a:bodyPr anchorCtr="0" anchor="ctr" bIns="45700" lIns="91425" spcFirstLastPara="1" rIns="91425" wrap="square" tIns="45700">
+          <a:bodyPr spcFirstLastPara="1" wrap="square" lIns="91425" tIns="45700" rIns="91425" bIns="45700" anchor="ctr" anchorCtr="0">
             <a:noAutofit/>
           </a:bodyPr>
           <a:lstStyle>
@@ -7899,15 +8125,19 @@
               <a:defRPr/>
             </a:lvl9pPr>
           </a:lstStyle>
-          <a:p/>
+          <a:p>
+            <a:endParaRPr/>
+          </a:p>
         </p:txBody>
       </p:sp>
       <p:sp>
         <p:nvSpPr>
           <p:cNvPr id="51" name="Google Shape;51;p8"/>
-          <p:cNvSpPr txBox="1"/>
+          <p:cNvSpPr txBox="1">
+            <a:spLocks noGrp="1"/>
+          </p:cNvSpPr>
           <p:nvPr>
-            <p:ph idx="1" type="body"/>
+            <p:ph type="body" idx="1"/>
           </p:nvPr>
         </p:nvSpPr>
         <p:spPr>
@@ -7924,11 +8154,11 @@
           </a:ln>
         </p:spPr>
         <p:txBody>
-          <a:bodyPr anchorCtr="0" anchor="t" bIns="45700" lIns="91425" spcFirstLastPara="1" rIns="91425" wrap="square" tIns="45700">
+          <a:bodyPr spcFirstLastPara="1" wrap="square" lIns="91425" tIns="45700" rIns="91425" bIns="45700" anchor="t" anchorCtr="0">
             <a:noAutofit/>
           </a:bodyPr>
           <a:lstStyle>
-            <a:lvl1pPr indent="-406400" lvl="0" marL="457200" algn="l">
+            <a:lvl1pPr marL="457200" lvl="0" indent="-406400" algn="l">
               <a:spcBef>
                 <a:spcPts val="560"/>
               </a:spcBef>
@@ -7942,7 +8172,7 @@
               <a:buChar char="•"/>
               <a:defRPr sz="2800"/>
             </a:lvl1pPr>
-            <a:lvl2pPr indent="-381000" lvl="1" marL="914400" algn="l">
+            <a:lvl2pPr marL="914400" lvl="1" indent="-381000" algn="l">
               <a:spcBef>
                 <a:spcPts val="480"/>
               </a:spcBef>
@@ -7956,7 +8186,7 @@
               <a:buChar char="–"/>
               <a:defRPr sz="2400"/>
             </a:lvl2pPr>
-            <a:lvl3pPr indent="-355600" lvl="2" marL="1371600" algn="l">
+            <a:lvl3pPr marL="1371600" lvl="2" indent="-355600" algn="l">
               <a:spcBef>
                 <a:spcPts val="400"/>
               </a:spcBef>
@@ -7970,7 +8200,7 @@
               <a:buChar char="•"/>
               <a:defRPr sz="2000"/>
             </a:lvl3pPr>
-            <a:lvl4pPr indent="-342900" lvl="3" marL="1828800" algn="l">
+            <a:lvl4pPr marL="1828800" lvl="3" indent="-342900" algn="l">
               <a:spcBef>
                 <a:spcPts val="360"/>
               </a:spcBef>
@@ -7984,7 +8214,7 @@
               <a:buChar char="–"/>
               <a:defRPr sz="1800"/>
             </a:lvl4pPr>
-            <a:lvl5pPr indent="-342900" lvl="4" marL="2286000" algn="l">
+            <a:lvl5pPr marL="2286000" lvl="4" indent="-342900" algn="l">
               <a:spcBef>
                 <a:spcPts val="360"/>
               </a:spcBef>
@@ -7998,7 +8228,7 @@
               <a:buChar char="»"/>
               <a:defRPr sz="1800"/>
             </a:lvl5pPr>
-            <a:lvl6pPr indent="-342900" lvl="5" marL="2743200" algn="l">
+            <a:lvl6pPr marL="2743200" lvl="5" indent="-342900" algn="l">
               <a:spcBef>
                 <a:spcPts val="360"/>
               </a:spcBef>
@@ -8012,7 +8242,7 @@
               <a:buChar char="•"/>
               <a:defRPr sz="1800"/>
             </a:lvl6pPr>
-            <a:lvl7pPr indent="-342900" lvl="6" marL="3200400" algn="l">
+            <a:lvl7pPr marL="3200400" lvl="6" indent="-342900" algn="l">
               <a:spcBef>
                 <a:spcPts val="360"/>
               </a:spcBef>
@@ -8026,7 +8256,7 @@
               <a:buChar char="•"/>
               <a:defRPr sz="1800"/>
             </a:lvl7pPr>
-            <a:lvl8pPr indent="-342900" lvl="7" marL="3657600" algn="l">
+            <a:lvl8pPr marL="3657600" lvl="7" indent="-342900" algn="l">
               <a:spcBef>
                 <a:spcPts val="360"/>
               </a:spcBef>
@@ -8040,7 +8270,7 @@
               <a:buChar char="•"/>
               <a:defRPr sz="1800"/>
             </a:lvl8pPr>
-            <a:lvl9pPr indent="-342900" lvl="8" marL="4114800" algn="l">
+            <a:lvl9pPr marL="4114800" lvl="8" indent="-342900" algn="l">
               <a:spcBef>
                 <a:spcPts val="360"/>
               </a:spcBef>
@@ -8055,15 +8285,19 @@
               <a:defRPr sz="1800"/>
             </a:lvl9pPr>
           </a:lstStyle>
-          <a:p/>
+          <a:p>
+            <a:endParaRPr/>
+          </a:p>
         </p:txBody>
       </p:sp>
       <p:sp>
         <p:nvSpPr>
           <p:cNvPr id="52" name="Google Shape;52;p8"/>
-          <p:cNvSpPr txBox="1"/>
+          <p:cNvSpPr txBox="1">
+            <a:spLocks noGrp="1"/>
+          </p:cNvSpPr>
           <p:nvPr>
-            <p:ph idx="2" type="body"/>
+            <p:ph type="body" idx="2"/>
           </p:nvPr>
         </p:nvSpPr>
         <p:spPr>
@@ -8080,11 +8314,11 @@
           </a:ln>
         </p:spPr>
         <p:txBody>
-          <a:bodyPr anchorCtr="0" anchor="t" bIns="45700" lIns="91425" spcFirstLastPara="1" rIns="91425" wrap="square" tIns="45700">
+          <a:bodyPr spcFirstLastPara="1" wrap="square" lIns="91425" tIns="45700" rIns="91425" bIns="45700" anchor="t" anchorCtr="0">
             <a:noAutofit/>
           </a:bodyPr>
           <a:lstStyle>
-            <a:lvl1pPr indent="-406400" lvl="0" marL="457200" algn="l">
+            <a:lvl1pPr marL="457200" lvl="0" indent="-406400" algn="l">
               <a:spcBef>
                 <a:spcPts val="560"/>
               </a:spcBef>
@@ -8098,7 +8332,7 @@
               <a:buChar char="•"/>
               <a:defRPr sz="2800"/>
             </a:lvl1pPr>
-            <a:lvl2pPr indent="-381000" lvl="1" marL="914400" algn="l">
+            <a:lvl2pPr marL="914400" lvl="1" indent="-381000" algn="l">
               <a:spcBef>
                 <a:spcPts val="480"/>
               </a:spcBef>
@@ -8112,7 +8346,7 @@
               <a:buChar char="–"/>
               <a:defRPr sz="2400"/>
             </a:lvl2pPr>
-            <a:lvl3pPr indent="-355600" lvl="2" marL="1371600" algn="l">
+            <a:lvl3pPr marL="1371600" lvl="2" indent="-355600" algn="l">
               <a:spcBef>
                 <a:spcPts val="400"/>
               </a:spcBef>
@@ -8126,7 +8360,7 @@
               <a:buChar char="•"/>
               <a:defRPr sz="2000"/>
             </a:lvl3pPr>
-            <a:lvl4pPr indent="-342900" lvl="3" marL="1828800" algn="l">
+            <a:lvl4pPr marL="1828800" lvl="3" indent="-342900" algn="l">
               <a:spcBef>
                 <a:spcPts val="360"/>
               </a:spcBef>
@@ -8140,7 +8374,7 @@
               <a:buChar char="–"/>
               <a:defRPr sz="1800"/>
             </a:lvl4pPr>
-            <a:lvl5pPr indent="-342900" lvl="4" marL="2286000" algn="l">
+            <a:lvl5pPr marL="2286000" lvl="4" indent="-342900" algn="l">
               <a:spcBef>
                 <a:spcPts val="360"/>
               </a:spcBef>
@@ -8154,7 +8388,7 @@
               <a:buChar char="»"/>
               <a:defRPr sz="1800"/>
             </a:lvl5pPr>
-            <a:lvl6pPr indent="-342900" lvl="5" marL="2743200" algn="l">
+            <a:lvl6pPr marL="2743200" lvl="5" indent="-342900" algn="l">
               <a:spcBef>
                 <a:spcPts val="360"/>
               </a:spcBef>
@@ -8168,7 +8402,7 @@
               <a:buChar char="•"/>
               <a:defRPr sz="1800"/>
             </a:lvl6pPr>
-            <a:lvl7pPr indent="-342900" lvl="6" marL="3200400" algn="l">
+            <a:lvl7pPr marL="3200400" lvl="6" indent="-342900" algn="l">
               <a:spcBef>
                 <a:spcPts val="360"/>
               </a:spcBef>
@@ -8182,7 +8416,7 @@
               <a:buChar char="•"/>
               <a:defRPr sz="1800"/>
             </a:lvl7pPr>
-            <a:lvl8pPr indent="-342900" lvl="7" marL="3657600" algn="l">
+            <a:lvl8pPr marL="3657600" lvl="7" indent="-342900" algn="l">
               <a:spcBef>
                 <a:spcPts val="360"/>
               </a:spcBef>
@@ -8196,7 +8430,7 @@
               <a:buChar char="•"/>
               <a:defRPr sz="1800"/>
             </a:lvl8pPr>
-            <a:lvl9pPr indent="-342900" lvl="8" marL="4114800" algn="l">
+            <a:lvl9pPr marL="4114800" lvl="8" indent="-342900" algn="l">
               <a:spcBef>
                 <a:spcPts val="360"/>
               </a:spcBef>
@@ -8211,15 +8445,19 @@
               <a:defRPr sz="1800"/>
             </a:lvl9pPr>
           </a:lstStyle>
-          <a:p/>
+          <a:p>
+            <a:endParaRPr/>
+          </a:p>
         </p:txBody>
       </p:sp>
       <p:sp>
         <p:nvSpPr>
           <p:cNvPr id="53" name="Google Shape;53;p8"/>
-          <p:cNvSpPr txBox="1"/>
+          <p:cNvSpPr txBox="1">
+            <a:spLocks noGrp="1"/>
+          </p:cNvSpPr>
           <p:nvPr>
-            <p:ph idx="10" type="dt"/>
+            <p:ph type="dt" idx="10"/>
           </p:nvPr>
         </p:nvSpPr>
         <p:spPr>
@@ -8236,7 +8474,7 @@
           </a:ln>
         </p:spPr>
         <p:txBody>
-          <a:bodyPr anchorCtr="0" anchor="ctr" bIns="45700" lIns="91425" spcFirstLastPara="1" rIns="91425" wrap="square" tIns="45700">
+          <a:bodyPr spcFirstLastPara="1" wrap="square" lIns="91425" tIns="45700" rIns="91425" bIns="45700" anchor="ctr" anchorCtr="0">
             <a:noAutofit/>
           </a:bodyPr>
           <a:lstStyle>
@@ -8340,15 +8578,19 @@
               <a:defRPr/>
             </a:lvl9pPr>
           </a:lstStyle>
-          <a:p/>
+          <a:p>
+            <a:endParaRPr/>
+          </a:p>
         </p:txBody>
       </p:sp>
       <p:sp>
         <p:nvSpPr>
           <p:cNvPr id="54" name="Google Shape;54;p8"/>
-          <p:cNvSpPr txBox="1"/>
+          <p:cNvSpPr txBox="1">
+            <a:spLocks noGrp="1"/>
+          </p:cNvSpPr>
           <p:nvPr>
-            <p:ph idx="11" type="ftr"/>
+            <p:ph type="ftr" idx="11"/>
           </p:nvPr>
         </p:nvSpPr>
         <p:spPr>
@@ -8365,7 +8607,7 @@
           </a:ln>
         </p:spPr>
         <p:txBody>
-          <a:bodyPr anchorCtr="0" anchor="ctr" bIns="45700" lIns="91425" spcFirstLastPara="1" rIns="91425" wrap="square" tIns="45700">
+          <a:bodyPr spcFirstLastPara="1" wrap="square" lIns="91425" tIns="45700" rIns="91425" bIns="45700" anchor="ctr" anchorCtr="0">
             <a:noAutofit/>
           </a:bodyPr>
           <a:lstStyle>
@@ -8469,15 +8711,19 @@
               <a:defRPr/>
             </a:lvl9pPr>
           </a:lstStyle>
-          <a:p/>
+          <a:p>
+            <a:endParaRPr/>
+          </a:p>
         </p:txBody>
       </p:sp>
       <p:sp>
         <p:nvSpPr>
           <p:cNvPr id="55" name="Google Shape;55;p8"/>
-          <p:cNvSpPr txBox="1"/>
+          <p:cNvSpPr txBox="1">
+            <a:spLocks noGrp="1"/>
+          </p:cNvSpPr>
           <p:nvPr>
-            <p:ph idx="12" type="sldNum"/>
+            <p:ph type="sldNum" idx="12"/>
           </p:nvPr>
         </p:nvSpPr>
         <p:spPr>
@@ -8494,67 +8740,67 @@
           </a:ln>
         </p:spPr>
         <p:txBody>
-          <a:bodyPr anchorCtr="0" anchor="ctr" bIns="45700" lIns="91425" spcFirstLastPara="1" rIns="91425" wrap="square" tIns="45700">
+          <a:bodyPr spcFirstLastPara="1" wrap="square" lIns="91425" tIns="45700" rIns="91425" bIns="45700" anchor="ctr" anchorCtr="0">
             <a:noAutofit/>
           </a:bodyPr>
           <a:lstStyle>
-            <a:lvl1pPr indent="0" lvl="0" marL="0" algn="r">
+            <a:lvl1pPr marL="0" lvl="0" indent="0" algn="r">
               <a:spcBef>
                 <a:spcPts val="0"/>
               </a:spcBef>
               <a:buNone/>
               <a:defRPr/>
             </a:lvl1pPr>
-            <a:lvl2pPr indent="0" lvl="1" marL="0" algn="r">
+            <a:lvl2pPr marL="0" lvl="1" indent="0" algn="r">
               <a:spcBef>
                 <a:spcPts val="0"/>
               </a:spcBef>
               <a:buNone/>
               <a:defRPr/>
             </a:lvl2pPr>
-            <a:lvl3pPr indent="0" lvl="2" marL="0" algn="r">
+            <a:lvl3pPr marL="0" lvl="2" indent="0" algn="r">
               <a:spcBef>
                 <a:spcPts val="0"/>
               </a:spcBef>
               <a:buNone/>
               <a:defRPr/>
             </a:lvl3pPr>
-            <a:lvl4pPr indent="0" lvl="3" marL="0" algn="r">
+            <a:lvl4pPr marL="0" lvl="3" indent="0" algn="r">
               <a:spcBef>
                 <a:spcPts val="0"/>
               </a:spcBef>
               <a:buNone/>
               <a:defRPr/>
             </a:lvl4pPr>
-            <a:lvl5pPr indent="0" lvl="4" marL="0" algn="r">
+            <a:lvl5pPr marL="0" lvl="4" indent="0" algn="r">
               <a:spcBef>
                 <a:spcPts val="0"/>
               </a:spcBef>
               <a:buNone/>
               <a:defRPr/>
             </a:lvl5pPr>
-            <a:lvl6pPr indent="0" lvl="5" marL="0" algn="r">
+            <a:lvl6pPr marL="0" lvl="5" indent="0" algn="r">
               <a:spcBef>
                 <a:spcPts val="0"/>
               </a:spcBef>
               <a:buNone/>
               <a:defRPr/>
             </a:lvl6pPr>
-            <a:lvl7pPr indent="0" lvl="6" marL="0" algn="r">
+            <a:lvl7pPr marL="0" lvl="6" indent="0" algn="r">
               <a:spcBef>
                 <a:spcPts val="0"/>
               </a:spcBef>
               <a:buNone/>
               <a:defRPr/>
             </a:lvl7pPr>
-            <a:lvl8pPr indent="0" lvl="7" marL="0" algn="r">
+            <a:lvl8pPr marL="0" lvl="7" indent="0" algn="r">
               <a:spcBef>
                 <a:spcPts val="0"/>
               </a:spcBef>
               <a:buNone/>
               <a:defRPr/>
             </a:lvl8pPr>
-            <a:lvl9pPr indent="0" lvl="8" marL="0" algn="r">
+            <a:lvl9pPr marL="0" lvl="8" indent="0" algn="r">
               <a:spcBef>
                 <a:spcPts val="0"/>
               </a:spcBef>
@@ -8563,7 +8809,7 @@
             </a:lvl9pPr>
           </a:lstStyle>
           <a:p>
-            <a:pPr indent="0" lvl="0" marL="0" rtl="0" algn="r">
+            <a:pPr marL="0" lvl="0" indent="0" algn="r" rtl="0">
               <a:spcBef>
                 <a:spcPts val="0"/>
               </a:spcBef>
@@ -8589,11 +8835,11 @@
 </file>
 
 <file path=ppt/slideLayouts/slideLayout8.xml><?xml version="1.0" encoding="utf-8"?>
-<p:sldLayout xmlns:a="http://schemas.openxmlformats.org/drawingml/2006/main" xmlns:r="http://schemas.openxmlformats.org/officeDocument/2006/relationships" xmlns:mc="http://schemas.openxmlformats.org/markup-compatibility/2006" xmlns:mv="urn:schemas-microsoft-com:mac:vml" xmlns:p="http://schemas.openxmlformats.org/presentationml/2006/main" xmlns:c="http://schemas.openxmlformats.org/drawingml/2006/chart" xmlns:dgm="http://schemas.openxmlformats.org/drawingml/2006/diagram" xmlns:o="urn:schemas-microsoft-com:office:office" xmlns:v="urn:schemas-microsoft-com:vml" xmlns:pvml="urn:schemas-microsoft-com:office:powerpoint" xmlns:com="http://schemas.openxmlformats.org/drawingml/2006/compatibility" xmlns:p14="http://schemas.microsoft.com/office/powerpoint/2010/main" xmlns:p15="http://schemas.microsoft.com/office/powerpoint/2012/main" matchingName="Title Only" type="titleOnly">
+<p:sldLayout xmlns:a="http://schemas.openxmlformats.org/drawingml/2006/main" xmlns:r="http://schemas.openxmlformats.org/officeDocument/2006/relationships" xmlns:p="http://schemas.openxmlformats.org/presentationml/2006/main" matchingName="Title Only" type="titleOnly">
   <p:cSld name="TITLE_ONLY">
     <p:spTree>
       <p:nvGrpSpPr>
-        <p:cNvPr id="56" name="Shape 56"/>
+        <p:cNvPr id="1" name="Shape 56"/>
         <p:cNvGrpSpPr/>
         <p:nvPr/>
       </p:nvGrpSpPr>
@@ -8608,7 +8854,9 @@
       <p:sp>
         <p:nvSpPr>
           <p:cNvPr id="57" name="Google Shape;57;p9"/>
-          <p:cNvSpPr txBox="1"/>
+          <p:cNvSpPr txBox="1">
+            <a:spLocks noGrp="1"/>
+          </p:cNvSpPr>
           <p:nvPr>
             <p:ph type="title"/>
           </p:nvPr>
@@ -8627,7 +8875,7 @@
           </a:ln>
         </p:spPr>
         <p:txBody>
-          <a:bodyPr anchorCtr="0" anchor="ctr" bIns="45700" lIns="91425" spcFirstLastPara="1" rIns="91425" wrap="square" tIns="45700">
+          <a:bodyPr spcFirstLastPara="1" wrap="square" lIns="91425" tIns="45700" rIns="91425" bIns="45700" anchor="ctr" anchorCtr="0">
             <a:noAutofit/>
           </a:bodyPr>
           <a:lstStyle>
@@ -8734,15 +8982,19 @@
               <a:defRPr/>
             </a:lvl9pPr>
           </a:lstStyle>
-          <a:p/>
+          <a:p>
+            <a:endParaRPr/>
+          </a:p>
         </p:txBody>
       </p:sp>
       <p:sp>
         <p:nvSpPr>
           <p:cNvPr id="58" name="Google Shape;58;p9"/>
-          <p:cNvSpPr txBox="1"/>
+          <p:cNvSpPr txBox="1">
+            <a:spLocks noGrp="1"/>
+          </p:cNvSpPr>
           <p:nvPr>
-            <p:ph idx="10" type="dt"/>
+            <p:ph type="dt" idx="10"/>
           </p:nvPr>
         </p:nvSpPr>
         <p:spPr>
@@ -8759,7 +9011,7 @@
           </a:ln>
         </p:spPr>
         <p:txBody>
-          <a:bodyPr anchorCtr="0" anchor="ctr" bIns="45700" lIns="91425" spcFirstLastPara="1" rIns="91425" wrap="square" tIns="45700">
+          <a:bodyPr spcFirstLastPara="1" wrap="square" lIns="91425" tIns="45700" rIns="91425" bIns="45700" anchor="ctr" anchorCtr="0">
             <a:noAutofit/>
           </a:bodyPr>
           <a:lstStyle>
@@ -8863,15 +9115,19 @@
               <a:defRPr/>
             </a:lvl9pPr>
           </a:lstStyle>
-          <a:p/>
+          <a:p>
+            <a:endParaRPr/>
+          </a:p>
         </p:txBody>
       </p:sp>
       <p:sp>
         <p:nvSpPr>
           <p:cNvPr id="59" name="Google Shape;59;p9"/>
-          <p:cNvSpPr txBox="1"/>
+          <p:cNvSpPr txBox="1">
+            <a:spLocks noGrp="1"/>
+          </p:cNvSpPr>
           <p:nvPr>
-            <p:ph idx="11" type="ftr"/>
+            <p:ph type="ftr" idx="11"/>
           </p:nvPr>
         </p:nvSpPr>
         <p:spPr>
@@ -8888,7 +9144,7 @@
           </a:ln>
         </p:spPr>
         <p:txBody>
-          <a:bodyPr anchorCtr="0" anchor="ctr" bIns="45700" lIns="91425" spcFirstLastPara="1" rIns="91425" wrap="square" tIns="45700">
+          <a:bodyPr spcFirstLastPara="1" wrap="square" lIns="91425" tIns="45700" rIns="91425" bIns="45700" anchor="ctr" anchorCtr="0">
             <a:noAutofit/>
           </a:bodyPr>
           <a:lstStyle>
@@ -8992,15 +9248,19 @@
               <a:defRPr/>
             </a:lvl9pPr>
           </a:lstStyle>
-          <a:p/>
+          <a:p>
+            <a:endParaRPr/>
+          </a:p>
         </p:txBody>
       </p:sp>
       <p:sp>
         <p:nvSpPr>
           <p:cNvPr id="60" name="Google Shape;60;p9"/>
-          <p:cNvSpPr txBox="1"/>
+          <p:cNvSpPr txBox="1">
+            <a:spLocks noGrp="1"/>
+          </p:cNvSpPr>
           <p:nvPr>
-            <p:ph idx="12" type="sldNum"/>
+            <p:ph type="sldNum" idx="12"/>
           </p:nvPr>
         </p:nvSpPr>
         <p:spPr>
@@ -9017,67 +9277,67 @@
           </a:ln>
         </p:spPr>
         <p:txBody>
-          <a:bodyPr anchorCtr="0" anchor="ctr" bIns="45700" lIns="91425" spcFirstLastPara="1" rIns="91425" wrap="square" tIns="45700">
+          <a:bodyPr spcFirstLastPara="1" wrap="square" lIns="91425" tIns="45700" rIns="91425" bIns="45700" anchor="ctr" anchorCtr="0">
             <a:noAutofit/>
           </a:bodyPr>
           <a:lstStyle>
-            <a:lvl1pPr indent="0" lvl="0" marL="0" algn="r">
+            <a:lvl1pPr marL="0" lvl="0" indent="0" algn="r">
               <a:spcBef>
                 <a:spcPts val="0"/>
               </a:spcBef>
               <a:buNone/>
               <a:defRPr/>
             </a:lvl1pPr>
-            <a:lvl2pPr indent="0" lvl="1" marL="0" algn="r">
+            <a:lvl2pPr marL="0" lvl="1" indent="0" algn="r">
               <a:spcBef>
                 <a:spcPts val="0"/>
               </a:spcBef>
               <a:buNone/>
               <a:defRPr/>
             </a:lvl2pPr>
-            <a:lvl3pPr indent="0" lvl="2" marL="0" algn="r">
+            <a:lvl3pPr marL="0" lvl="2" indent="0" algn="r">
               <a:spcBef>
                 <a:spcPts val="0"/>
               </a:spcBef>
               <a:buNone/>
               <a:defRPr/>
             </a:lvl3pPr>
-            <a:lvl4pPr indent="0" lvl="3" marL="0" algn="r">
+            <a:lvl4pPr marL="0" lvl="3" indent="0" algn="r">
               <a:spcBef>
                 <a:spcPts val="0"/>
               </a:spcBef>
               <a:buNone/>
               <a:defRPr/>
             </a:lvl4pPr>
-            <a:lvl5pPr indent="0" lvl="4" marL="0" algn="r">
+            <a:lvl5pPr marL="0" lvl="4" indent="0" algn="r">
               <a:spcBef>
                 <a:spcPts val="0"/>
               </a:spcBef>
               <a:buNone/>
               <a:defRPr/>
             </a:lvl5pPr>
-            <a:lvl6pPr indent="0" lvl="5" marL="0" algn="r">
+            <a:lvl6pPr marL="0" lvl="5" indent="0" algn="r">
               <a:spcBef>
                 <a:spcPts val="0"/>
               </a:spcBef>
               <a:buNone/>
               <a:defRPr/>
             </a:lvl6pPr>
-            <a:lvl7pPr indent="0" lvl="6" marL="0" algn="r">
+            <a:lvl7pPr marL="0" lvl="6" indent="0" algn="r">
               <a:spcBef>
                 <a:spcPts val="0"/>
               </a:spcBef>
               <a:buNone/>
               <a:defRPr/>
             </a:lvl7pPr>
-            <a:lvl8pPr indent="0" lvl="7" marL="0" algn="r">
+            <a:lvl8pPr marL="0" lvl="7" indent="0" algn="r">
               <a:spcBef>
                 <a:spcPts val="0"/>
               </a:spcBef>
               <a:buNone/>
               <a:defRPr/>
             </a:lvl8pPr>
-            <a:lvl9pPr indent="0" lvl="8" marL="0" algn="r">
+            <a:lvl9pPr marL="0" lvl="8" indent="0" algn="r">
               <a:spcBef>
                 <a:spcPts val="0"/>
               </a:spcBef>
@@ -9086,7 +9346,7 @@
             </a:lvl9pPr>
           </a:lstStyle>
           <a:p>
-            <a:pPr indent="0" lvl="0" marL="0" rtl="0" algn="r">
+            <a:pPr marL="0" lvl="0" indent="0" algn="r" rtl="0">
               <a:spcBef>
                 <a:spcPts val="0"/>
               </a:spcBef>
@@ -9112,11 +9372,11 @@
 </file>
 
 <file path=ppt/slideLayouts/slideLayout9.xml><?xml version="1.0" encoding="utf-8"?>
-<p:sldLayout xmlns:a="http://schemas.openxmlformats.org/drawingml/2006/main" xmlns:r="http://schemas.openxmlformats.org/officeDocument/2006/relationships" xmlns:mc="http://schemas.openxmlformats.org/markup-compatibility/2006" xmlns:mv="urn:schemas-microsoft-com:mac:vml" xmlns:p="http://schemas.openxmlformats.org/presentationml/2006/main" xmlns:c="http://schemas.openxmlformats.org/drawingml/2006/chart" xmlns:dgm="http://schemas.openxmlformats.org/drawingml/2006/diagram" xmlns:o="urn:schemas-microsoft-com:office:office" xmlns:v="urn:schemas-microsoft-com:vml" xmlns:pvml="urn:schemas-microsoft-com:office:powerpoint" xmlns:com="http://schemas.openxmlformats.org/drawingml/2006/compatibility" xmlns:p14="http://schemas.microsoft.com/office/powerpoint/2010/main" xmlns:p15="http://schemas.microsoft.com/office/powerpoint/2012/main" matchingName="Content with Caption" type="objTx">
+<p:sldLayout xmlns:a="http://schemas.openxmlformats.org/drawingml/2006/main" xmlns:r="http://schemas.openxmlformats.org/officeDocument/2006/relationships" xmlns:p="http://schemas.openxmlformats.org/presentationml/2006/main" matchingName="Content with Caption" type="objTx">
   <p:cSld name="OBJECT_WITH_CAPTION_TEXT">
     <p:spTree>
       <p:nvGrpSpPr>
-        <p:cNvPr id="61" name="Shape 61"/>
+        <p:cNvPr id="1" name="Shape 61"/>
         <p:cNvGrpSpPr/>
         <p:nvPr/>
       </p:nvGrpSpPr>
@@ -9131,7 +9391,9 @@
       <p:sp>
         <p:nvSpPr>
           <p:cNvPr id="62" name="Google Shape;62;p10"/>
-          <p:cNvSpPr txBox="1"/>
+          <p:cNvSpPr txBox="1">
+            <a:spLocks noGrp="1"/>
+          </p:cNvSpPr>
           <p:nvPr>
             <p:ph type="title"/>
           </p:nvPr>
@@ -9150,7 +9412,7 @@
           </a:ln>
         </p:spPr>
         <p:txBody>
-          <a:bodyPr anchorCtr="0" anchor="b" bIns="45700" lIns="91425" spcFirstLastPara="1" rIns="91425" wrap="square" tIns="45700">
+          <a:bodyPr spcFirstLastPara="1" wrap="square" lIns="91425" tIns="45700" rIns="91425" bIns="45700" anchor="b" anchorCtr="0">
             <a:noAutofit/>
           </a:bodyPr>
           <a:lstStyle>
@@ -9167,7 +9429,7 @@
               <a:buSzPts val="2000"/>
               <a:buFont typeface="Calibri"/>
               <a:buNone/>
-              <a:defRPr b="1" sz="2000"/>
+              <a:defRPr sz="2000" b="1"/>
             </a:lvl1pPr>
             <a:lvl2pPr lvl="1">
               <a:spcBef>
@@ -9258,15 +9520,19 @@
               <a:defRPr/>
             </a:lvl9pPr>
           </a:lstStyle>
-          <a:p/>
+          <a:p>
+            <a:endParaRPr/>
+          </a:p>
         </p:txBody>
       </p:sp>
       <p:sp>
         <p:nvSpPr>
           <p:cNvPr id="63" name="Google Shape;63;p10"/>
-          <p:cNvSpPr txBox="1"/>
+          <p:cNvSpPr txBox="1">
+            <a:spLocks noGrp="1"/>
+          </p:cNvSpPr>
           <p:nvPr>
-            <p:ph idx="1" type="body"/>
+            <p:ph type="body" idx="1"/>
           </p:nvPr>
         </p:nvSpPr>
         <p:spPr>
@@ -9283,11 +9549,11 @@
           </a:ln>
         </p:spPr>
         <p:txBody>
-          <a:bodyPr anchorCtr="0" anchor="t" bIns="45700" lIns="91425" spcFirstLastPara="1" rIns="91425" wrap="square" tIns="45700">
+          <a:bodyPr spcFirstLastPara="1" wrap="square" lIns="91425" tIns="45700" rIns="91425" bIns="45700" anchor="t" anchorCtr="0">
             <a:noAutofit/>
           </a:bodyPr>
           <a:lstStyle>
-            <a:lvl1pPr indent="-431800" lvl="0" marL="457200" algn="l">
+            <a:lvl1pPr marL="457200" lvl="0" indent="-431800" algn="l">
               <a:spcBef>
                 <a:spcPts val="640"/>
               </a:spcBef>
@@ -9301,7 +9567,7 @@
               <a:buChar char="•"/>
               <a:defRPr sz="3200"/>
             </a:lvl1pPr>
-            <a:lvl2pPr indent="-406400" lvl="1" marL="914400" algn="l">
+            <a:lvl2pPr marL="914400" lvl="1" indent="-406400" algn="l">
               <a:spcBef>
                 <a:spcPts val="560"/>
               </a:spcBef>
@@ -9315,7 +9581,7 @@
               <a:buChar char="–"/>
               <a:defRPr sz="2800"/>
             </a:lvl2pPr>
-            <a:lvl3pPr indent="-381000" lvl="2" marL="1371600" algn="l">
+            <a:lvl3pPr marL="1371600" lvl="2" indent="-381000" algn="l">
               <a:spcBef>
                 <a:spcPts val="480"/>
               </a:spcBef>
@@ -9329,7 +9595,7 @@
               <a:buChar char="•"/>
               <a:defRPr sz="2400"/>
             </a:lvl3pPr>
-            <a:lvl4pPr indent="-355600" lvl="3" marL="1828800" algn="l">
+            <a:lvl4pPr marL="1828800" lvl="3" indent="-355600" algn="l">
               <a:spcBef>
                 <a:spcPts val="400"/>
               </a:spcBef>
@@ -9343,7 +9609,7 @@
               <a:buChar char="–"/>
               <a:defRPr sz="2000"/>
             </a:lvl4pPr>
-            <a:lvl5pPr indent="-355600" lvl="4" marL="2286000" algn="l">
+            <a:lvl5pPr marL="2286000" lvl="4" indent="-355600" algn="l">
               <a:spcBef>
                 <a:spcPts val="400"/>
               </a:spcBef>
@@ -9357,7 +9623,7 @@
               <a:buChar char="»"/>
               <a:defRPr sz="2000"/>
             </a:lvl5pPr>
-            <a:lvl6pPr indent="-355600" lvl="5" marL="2743200" algn="l">
+            <a:lvl6pPr marL="2743200" lvl="5" indent="-355600" algn="l">
               <a:spcBef>
                 <a:spcPts val="400"/>
               </a:spcBef>
@@ -9371,7 +9637,7 @@
               <a:buChar char="•"/>
               <a:defRPr sz="2000"/>
             </a:lvl6pPr>
-            <a:lvl7pPr indent="-355600" lvl="6" marL="3200400" algn="l">
+            <a:lvl7pPr marL="3200400" lvl="6" indent="-355600" algn="l">
               <a:spcBef>
                 <a:spcPts val="400"/>
               </a:spcBef>
@@ -9385,7 +9651,7 @@
               <a:buChar char="•"/>
               <a:defRPr sz="2000"/>
             </a:lvl7pPr>
-            <a:lvl8pPr indent="-355600" lvl="7" marL="3657600" algn="l">
+            <a:lvl8pPr marL="3657600" lvl="7" indent="-355600" algn="l">
               <a:spcBef>
                 <a:spcPts val="400"/>
               </a:spcBef>
@@ -9399,7 +9665,7 @@
               <a:buChar char="•"/>
               <a:defRPr sz="2000"/>
             </a:lvl8pPr>
-            <a:lvl9pPr indent="-355600" lvl="8" marL="4114800" algn="l">
+            <a:lvl9pPr marL="4114800" lvl="8" indent="-355600" algn="l">
               <a:spcBef>
                 <a:spcPts val="400"/>
               </a:spcBef>
@@ -9414,15 +9680,19 @@
               <a:defRPr sz="2000"/>
             </a:lvl9pPr>
           </a:lstStyle>
-          <a:p/>
+          <a:p>
+            <a:endParaRPr/>
+          </a:p>
         </p:txBody>
       </p:sp>
       <p:sp>
         <p:nvSpPr>
           <p:cNvPr id="64" name="Google Shape;64;p10"/>
-          <p:cNvSpPr txBox="1"/>
+          <p:cNvSpPr txBox="1">
+            <a:spLocks noGrp="1"/>
+          </p:cNvSpPr>
           <p:nvPr>
-            <p:ph idx="2" type="body"/>
+            <p:ph type="body" idx="2"/>
           </p:nvPr>
         </p:nvSpPr>
         <p:spPr>
@@ -9439,11 +9709,11 @@
           </a:ln>
         </p:spPr>
         <p:txBody>
-          <a:bodyPr anchorCtr="0" anchor="t" bIns="45700" lIns="91425" spcFirstLastPara="1" rIns="91425" wrap="square" tIns="45700">
+          <a:bodyPr spcFirstLastPara="1" wrap="square" lIns="91425" tIns="45700" rIns="91425" bIns="45700" anchor="t" anchorCtr="0">
             <a:noAutofit/>
           </a:bodyPr>
           <a:lstStyle>
-            <a:lvl1pPr indent="-228600" lvl="0" marL="457200" algn="l">
+            <a:lvl1pPr marL="457200" lvl="0" indent="-228600" algn="l">
               <a:spcBef>
                 <a:spcPts val="280"/>
               </a:spcBef>
@@ -9457,7 +9727,7 @@
               <a:buNone/>
               <a:defRPr sz="1400"/>
             </a:lvl1pPr>
-            <a:lvl2pPr indent="-228600" lvl="1" marL="914400" algn="l">
+            <a:lvl2pPr marL="914400" lvl="1" indent="-228600" algn="l">
               <a:spcBef>
                 <a:spcPts val="240"/>
               </a:spcBef>
@@ -9471,7 +9741,7 @@
               <a:buNone/>
               <a:defRPr sz="1200"/>
             </a:lvl2pPr>
-            <a:lvl3pPr indent="-228600" lvl="2" marL="1371600" algn="l">
+            <a:lvl3pPr marL="1371600" lvl="2" indent="-228600" algn="l">
               <a:spcBef>
                 <a:spcPts val="200"/>
               </a:spcBef>
@@ -9485,7 +9755,7 @@
               <a:buNone/>
               <a:defRPr sz="1000"/>
             </a:lvl3pPr>
-            <a:lvl4pPr indent="-228600" lvl="3" marL="1828800" algn="l">
+            <a:lvl4pPr marL="1828800" lvl="3" indent="-228600" algn="l">
               <a:spcBef>
                 <a:spcPts val="180"/>
               </a:spcBef>
@@ -9499,7 +9769,7 @@
               <a:buNone/>
               <a:defRPr sz="900"/>
             </a:lvl4pPr>
-            <a:lvl5pPr indent="-228600" lvl="4" marL="2286000" algn="l">
+            <a:lvl5pPr marL="2286000" lvl="4" indent="-228600" algn="l">
               <a:spcBef>
                 <a:spcPts val="180"/>
               </a:spcBef>
@@ -9513,7 +9783,7 @@
               <a:buNone/>
               <a:defRPr sz="900"/>
             </a:lvl5pPr>
-            <a:lvl6pPr indent="-228600" lvl="5" marL="2743200" algn="l">
+            <a:lvl6pPr marL="2743200" lvl="5" indent="-228600" algn="l">
               <a:spcBef>
                 <a:spcPts val="180"/>
               </a:spcBef>
@@ -9527,7 +9797,7 @@
               <a:buNone/>
               <a:defRPr sz="900"/>
             </a:lvl6pPr>
-            <a:lvl7pPr indent="-228600" lvl="6" marL="3200400" algn="l">
+            <a:lvl7pPr marL="3200400" lvl="6" indent="-228600" algn="l">
               <a:spcBef>
                 <a:spcPts val="180"/>
               </a:spcBef>
@@ -9541,7 +9811,7 @@
               <a:buNone/>
               <a:defRPr sz="900"/>
             </a:lvl7pPr>
-            <a:lvl8pPr indent="-228600" lvl="7" marL="3657600" algn="l">
+            <a:lvl8pPr marL="3657600" lvl="7" indent="-228600" algn="l">
               <a:spcBef>
                 <a:spcPts val="180"/>
               </a:spcBef>
@@ -9555,7 +9825,7 @@
               <a:buNone/>
               <a:defRPr sz="900"/>
             </a:lvl8pPr>
-            <a:lvl9pPr indent="-228600" lvl="8" marL="4114800" algn="l">
+            <a:lvl9pPr marL="4114800" lvl="8" indent="-228600" algn="l">
               <a:spcBef>
                 <a:spcPts val="180"/>
               </a:spcBef>
@@ -9570,15 +9840,19 @@
               <a:defRPr sz="900"/>
             </a:lvl9pPr>
           </a:lstStyle>
-          <a:p/>
+          <a:p>
+            <a:endParaRPr/>
+          </a:p>
         </p:txBody>
       </p:sp>
       <p:sp>
         <p:nvSpPr>
           <p:cNvPr id="65" name="Google Shape;65;p10"/>
-          <p:cNvSpPr txBox="1"/>
+          <p:cNvSpPr txBox="1">
+            <a:spLocks noGrp="1"/>
+          </p:cNvSpPr>
           <p:nvPr>
-            <p:ph idx="10" type="dt"/>
+            <p:ph type="dt" idx="10"/>
           </p:nvPr>
         </p:nvSpPr>
         <p:spPr>
@@ -9595,7 +9869,7 @@
           </a:ln>
         </p:spPr>
         <p:txBody>
-          <a:bodyPr anchorCtr="0" anchor="ctr" bIns="45700" lIns="91425" spcFirstLastPara="1" rIns="91425" wrap="square" tIns="45700">
+          <a:bodyPr spcFirstLastPara="1" wrap="square" lIns="91425" tIns="45700" rIns="91425" bIns="45700" anchor="ctr" anchorCtr="0">
             <a:noAutofit/>
           </a:bodyPr>
           <a:lstStyle>
@@ -9699,15 +9973,19 @@
               <a:defRPr/>
             </a:lvl9pPr>
           </a:lstStyle>
-          <a:p/>
+          <a:p>
+            <a:endParaRPr/>
+          </a:p>
         </p:txBody>
       </p:sp>
       <p:sp>
         <p:nvSpPr>
           <p:cNvPr id="66" name="Google Shape;66;p10"/>
-          <p:cNvSpPr txBox="1"/>
+          <p:cNvSpPr txBox="1">
+            <a:spLocks noGrp="1"/>
+          </p:cNvSpPr>
           <p:nvPr>
-            <p:ph idx="11" type="ftr"/>
+            <p:ph type="ftr" idx="11"/>
           </p:nvPr>
         </p:nvSpPr>
         <p:spPr>
@@ -9724,7 +10002,7 @@
           </a:ln>
         </p:spPr>
         <p:txBody>
-          <a:bodyPr anchorCtr="0" anchor="ctr" bIns="45700" lIns="91425" spcFirstLastPara="1" rIns="91425" wrap="square" tIns="45700">
+          <a:bodyPr spcFirstLastPara="1" wrap="square" lIns="91425" tIns="45700" rIns="91425" bIns="45700" anchor="ctr" anchorCtr="0">
             <a:noAutofit/>
           </a:bodyPr>
           <a:lstStyle>
@@ -9828,15 +10106,19 @@
               <a:defRPr/>
             </a:lvl9pPr>
           </a:lstStyle>
-          <a:p/>
+          <a:p>
+            <a:endParaRPr/>
+          </a:p>
         </p:txBody>
       </p:sp>
       <p:sp>
         <p:nvSpPr>
           <p:cNvPr id="67" name="Google Shape;67;p10"/>
-          <p:cNvSpPr txBox="1"/>
+          <p:cNvSpPr txBox="1">
+            <a:spLocks noGrp="1"/>
+          </p:cNvSpPr>
           <p:nvPr>
-            <p:ph idx="12" type="sldNum"/>
+            <p:ph type="sldNum" idx="12"/>
           </p:nvPr>
         </p:nvSpPr>
         <p:spPr>
@@ -9853,67 +10135,67 @@
           </a:ln>
         </p:spPr>
         <p:txBody>
-          <a:bodyPr anchorCtr="0" anchor="ctr" bIns="45700" lIns="91425" spcFirstLastPara="1" rIns="91425" wrap="square" tIns="45700">
+          <a:bodyPr spcFirstLastPara="1" wrap="square" lIns="91425" tIns="45700" rIns="91425" bIns="45700" anchor="ctr" anchorCtr="0">
             <a:noAutofit/>
           </a:bodyPr>
           <a:lstStyle>
-            <a:lvl1pPr indent="0" lvl="0" marL="0" algn="r">
+            <a:lvl1pPr marL="0" lvl="0" indent="0" algn="r">
               <a:spcBef>
                 <a:spcPts val="0"/>
               </a:spcBef>
               <a:buNone/>
               <a:defRPr/>
             </a:lvl1pPr>
-            <a:lvl2pPr indent="0" lvl="1" marL="0" algn="r">
+            <a:lvl2pPr marL="0" lvl="1" indent="0" algn="r">
               <a:spcBef>
                 <a:spcPts val="0"/>
               </a:spcBef>
               <a:buNone/>
               <a:defRPr/>
             </a:lvl2pPr>
-            <a:lvl3pPr indent="0" lvl="2" marL="0" algn="r">
+            <a:lvl3pPr marL="0" lvl="2" indent="0" algn="r">
               <a:spcBef>
                 <a:spcPts val="0"/>
               </a:spcBef>
               <a:buNone/>
               <a:defRPr/>
             </a:lvl3pPr>
-            <a:lvl4pPr indent="0" lvl="3" marL="0" algn="r">
+            <a:lvl4pPr marL="0" lvl="3" indent="0" algn="r">
               <a:spcBef>
                 <a:spcPts val="0"/>
               </a:spcBef>
               <a:buNone/>
               <a:defRPr/>
             </a:lvl4pPr>
-            <a:lvl5pPr indent="0" lvl="4" marL="0" algn="r">
+            <a:lvl5pPr marL="0" lvl="4" indent="0" algn="r">
               <a:spcBef>
                 <a:spcPts val="0"/>
               </a:spcBef>
               <a:buNone/>
               <a:defRPr/>
             </a:lvl5pPr>
-            <a:lvl6pPr indent="0" lvl="5" marL="0" algn="r">
+            <a:lvl6pPr marL="0" lvl="5" indent="0" algn="r">
               <a:spcBef>
                 <a:spcPts val="0"/>
               </a:spcBef>
               <a:buNone/>
               <a:defRPr/>
             </a:lvl6pPr>
-            <a:lvl7pPr indent="0" lvl="6" marL="0" algn="r">
+            <a:lvl7pPr marL="0" lvl="6" indent="0" algn="r">
               <a:spcBef>
                 <a:spcPts val="0"/>
               </a:spcBef>
               <a:buNone/>
               <a:defRPr/>
             </a:lvl7pPr>
-            <a:lvl8pPr indent="0" lvl="7" marL="0" algn="r">
+            <a:lvl8pPr marL="0" lvl="7" indent="0" algn="r">
               <a:spcBef>
                 <a:spcPts val="0"/>
               </a:spcBef>
               <a:buNone/>
               <a:defRPr/>
             </a:lvl8pPr>
-            <a:lvl9pPr indent="0" lvl="8" marL="0" algn="r">
+            <a:lvl9pPr marL="0" lvl="8" indent="0" algn="r">
               <a:spcBef>
                 <a:spcPts val="0"/>
               </a:spcBef>
@@ -9922,7 +10204,7 @@
             </a:lvl9pPr>
           </a:lstStyle>
           <a:p>
-            <a:pPr indent="0" lvl="0" marL="0" rtl="0" algn="r">
+            <a:pPr marL="0" lvl="0" indent="0" algn="r" rtl="0">
               <a:spcBef>
                 <a:spcPts val="0"/>
               </a:spcBef>
@@ -9948,23 +10230,24 @@
 </file>
 
 <file path=ppt/slideMasters/slideMaster1.xml><?xml version="1.0" encoding="utf-8"?>
-<p:sldMaster xmlns:a="http://schemas.openxmlformats.org/drawingml/2006/main" xmlns:r="http://schemas.openxmlformats.org/officeDocument/2006/relationships" xmlns:mc="http://schemas.openxmlformats.org/markup-compatibility/2006" xmlns:mv="urn:schemas-microsoft-com:mac:vml" xmlns:p="http://schemas.openxmlformats.org/presentationml/2006/main" xmlns:c="http://schemas.openxmlformats.org/drawingml/2006/chart" xmlns:dgm="http://schemas.openxmlformats.org/drawingml/2006/diagram" xmlns:o="urn:schemas-microsoft-com:office:office" xmlns:v="urn:schemas-microsoft-com:vml" xmlns:pvml="urn:schemas-microsoft-com:office:powerpoint" xmlns:com="http://schemas.openxmlformats.org/drawingml/2006/compatibility" xmlns:p14="http://schemas.microsoft.com/office/powerpoint/2010/main" xmlns:p15="http://schemas.microsoft.com/office/powerpoint/2012/main">
+<p:sldMaster xmlns:a="http://schemas.openxmlformats.org/drawingml/2006/main" xmlns:r="http://schemas.openxmlformats.org/officeDocument/2006/relationships" xmlns:p="http://schemas.openxmlformats.org/presentationml/2006/main">
   <p:cSld>
     <p:bg>
       <p:bgPr>
         <a:blipFill>
-          <a:blip r:embed="rId1">
+          <a:blip r:embed="rId14">
             <a:alphaModFix/>
           </a:blip>
           <a:stretch>
             <a:fillRect/>
           </a:stretch>
         </a:blipFill>
+        <a:effectLst/>
       </p:bgPr>
     </p:bg>
     <p:spTree>
       <p:nvGrpSpPr>
-        <p:cNvPr id="5" name="Shape 5"/>
+        <p:cNvPr id="1" name="Shape 5"/>
         <p:cNvGrpSpPr/>
         <p:nvPr/>
       </p:nvGrpSpPr>
@@ -9979,7 +10262,9 @@
       <p:sp>
         <p:nvSpPr>
           <p:cNvPr id="6" name="Google Shape;6;p1"/>
-          <p:cNvSpPr txBox="1"/>
+          <p:cNvSpPr txBox="1">
+            <a:spLocks noGrp="1"/>
+          </p:cNvSpPr>
           <p:nvPr>
             <p:ph type="title"/>
           </p:nvPr>
@@ -9998,11 +10283,11 @@
           </a:ln>
         </p:spPr>
         <p:txBody>
-          <a:bodyPr anchorCtr="0" anchor="ctr" bIns="45700" lIns="91425" spcFirstLastPara="1" rIns="91425" wrap="square" tIns="45700">
+          <a:bodyPr spcFirstLastPara="1" wrap="square" lIns="91425" tIns="45700" rIns="91425" bIns="45700" anchor="ctr" anchorCtr="0">
             <a:noAutofit/>
           </a:bodyPr>
           <a:lstStyle>
-            <a:lvl1pPr lvl="0" marR="0" rtl="0" algn="ctr">
+            <a:lvl1pPr marR="0" lvl="0" algn="ctr" rtl="0">
               <a:spcBef>
                 <a:spcPts val="0"/>
               </a:spcBef>
@@ -10015,7 +10300,7 @@
               <a:buSzPts val="4400"/>
               <a:buFont typeface="Calibri"/>
               <a:buNone/>
-              <a:defRPr b="0" i="0" sz="4400" u="none" cap="none" strike="noStrike">
+              <a:defRPr sz="4400" b="0" i="0" u="none" strike="noStrike" cap="none">
                 <a:solidFill>
                   <a:schemeClr val="dk1"/>
                 </a:solidFill>
@@ -10114,15 +10399,19 @@
               <a:defRPr sz="1800"/>
             </a:lvl9pPr>
           </a:lstStyle>
-          <a:p/>
+          <a:p>
+            <a:endParaRPr/>
+          </a:p>
         </p:txBody>
       </p:sp>
       <p:sp>
         <p:nvSpPr>
           <p:cNvPr id="7" name="Google Shape;7;p1"/>
-          <p:cNvSpPr txBox="1"/>
+          <p:cNvSpPr txBox="1">
+            <a:spLocks noGrp="1"/>
+          </p:cNvSpPr>
           <p:nvPr>
-            <p:ph idx="1" type="body"/>
+            <p:ph type="body" idx="1"/>
           </p:nvPr>
         </p:nvSpPr>
         <p:spPr>
@@ -10139,11 +10428,11 @@
           </a:ln>
         </p:spPr>
         <p:txBody>
-          <a:bodyPr anchorCtr="0" anchor="t" bIns="45700" lIns="91425" spcFirstLastPara="1" rIns="91425" wrap="square" tIns="45700">
+          <a:bodyPr spcFirstLastPara="1" wrap="square" lIns="91425" tIns="45700" rIns="91425" bIns="45700" anchor="t" anchorCtr="0">
             <a:noAutofit/>
           </a:bodyPr>
           <a:lstStyle>
-            <a:lvl1pPr indent="-431800" lvl="0" marL="457200" marR="0" rtl="0" algn="l">
+            <a:lvl1pPr marL="457200" marR="0" lvl="0" indent="-431800" algn="l" rtl="0">
               <a:spcBef>
                 <a:spcPts val="640"/>
               </a:spcBef>
@@ -10156,7 +10445,7 @@
               <a:buSzPts val="3200"/>
               <a:buFont typeface="Arial"/>
               <a:buChar char="•"/>
-              <a:defRPr b="0" i="0" sz="3200" u="none" cap="none" strike="noStrike">
+              <a:defRPr sz="3200" b="0" i="0" u="none" strike="noStrike" cap="none">
                 <a:solidFill>
                   <a:schemeClr val="dk1"/>
                 </a:solidFill>
@@ -10166,7 +10455,7 @@
                 <a:sym typeface="Calibri"/>
               </a:defRPr>
             </a:lvl1pPr>
-            <a:lvl2pPr indent="-406400" lvl="1" marL="914400" marR="0" rtl="0" algn="l">
+            <a:lvl2pPr marL="914400" marR="0" lvl="1" indent="-406400" algn="l" rtl="0">
               <a:spcBef>
                 <a:spcPts val="560"/>
               </a:spcBef>
@@ -10179,7 +10468,7 @@
               <a:buSzPts val="2800"/>
               <a:buFont typeface="Arial"/>
               <a:buChar char="–"/>
-              <a:defRPr b="0" i="0" sz="2800" u="none" cap="none" strike="noStrike">
+              <a:defRPr sz="2800" b="0" i="0" u="none" strike="noStrike" cap="none">
                 <a:solidFill>
                   <a:schemeClr val="dk1"/>
                 </a:solidFill>
@@ -10189,7 +10478,7 @@
                 <a:sym typeface="Calibri"/>
               </a:defRPr>
             </a:lvl2pPr>
-            <a:lvl3pPr indent="-381000" lvl="2" marL="1371600" marR="0" rtl="0" algn="l">
+            <a:lvl3pPr marL="1371600" marR="0" lvl="2" indent="-381000" algn="l" rtl="0">
               <a:spcBef>
                 <a:spcPts val="480"/>
               </a:spcBef>
@@ -10202,7 +10491,7 @@
               <a:buSzPts val="2400"/>
               <a:buFont typeface="Arial"/>
               <a:buChar char="•"/>
-              <a:defRPr b="0" i="0" sz="2400" u="none" cap="none" strike="noStrike">
+              <a:defRPr sz="2400" b="0" i="0" u="none" strike="noStrike" cap="none">
                 <a:solidFill>
                   <a:schemeClr val="dk1"/>
                 </a:solidFill>
@@ -10212,7 +10501,7 @@
                 <a:sym typeface="Calibri"/>
               </a:defRPr>
             </a:lvl3pPr>
-            <a:lvl4pPr indent="-355600" lvl="3" marL="1828800" marR="0" rtl="0" algn="l">
+            <a:lvl4pPr marL="1828800" marR="0" lvl="3" indent="-355600" algn="l" rtl="0">
               <a:spcBef>
                 <a:spcPts val="400"/>
               </a:spcBef>
@@ -10225,7 +10514,7 @@
               <a:buSzPts val="2000"/>
               <a:buFont typeface="Arial"/>
               <a:buChar char="–"/>
-              <a:defRPr b="0" i="0" sz="2000" u="none" cap="none" strike="noStrike">
+              <a:defRPr sz="2000" b="0" i="0" u="none" strike="noStrike" cap="none">
                 <a:solidFill>
                   <a:schemeClr val="dk1"/>
                 </a:solidFill>
@@ -10235,7 +10524,7 @@
                 <a:sym typeface="Calibri"/>
               </a:defRPr>
             </a:lvl4pPr>
-            <a:lvl5pPr indent="-355600" lvl="4" marL="2286000" marR="0" rtl="0" algn="l">
+            <a:lvl5pPr marL="2286000" marR="0" lvl="4" indent="-355600" algn="l" rtl="0">
               <a:spcBef>
                 <a:spcPts val="400"/>
               </a:spcBef>
@@ -10248,7 +10537,7 @@
               <a:buSzPts val="2000"/>
               <a:buFont typeface="Arial"/>
               <a:buChar char="»"/>
-              <a:defRPr b="0" i="0" sz="2000" u="none" cap="none" strike="noStrike">
+              <a:defRPr sz="2000" b="0" i="0" u="none" strike="noStrike" cap="none">
                 <a:solidFill>
                   <a:schemeClr val="dk1"/>
                 </a:solidFill>
@@ -10258,7 +10547,7 @@
                 <a:sym typeface="Calibri"/>
               </a:defRPr>
             </a:lvl5pPr>
-            <a:lvl6pPr indent="-355600" lvl="5" marL="2743200" marR="0" rtl="0" algn="l">
+            <a:lvl6pPr marL="2743200" marR="0" lvl="5" indent="-355600" algn="l" rtl="0">
               <a:spcBef>
                 <a:spcPts val="400"/>
               </a:spcBef>
@@ -10271,7 +10560,7 @@
               <a:buSzPts val="2000"/>
               <a:buFont typeface="Arial"/>
               <a:buChar char="•"/>
-              <a:defRPr b="0" i="0" sz="2000" u="none" cap="none" strike="noStrike">
+              <a:defRPr sz="2000" b="0" i="0" u="none" strike="noStrike" cap="none">
                 <a:solidFill>
                   <a:schemeClr val="dk1"/>
                 </a:solidFill>
@@ -10281,7 +10570,7 @@
                 <a:sym typeface="Calibri"/>
               </a:defRPr>
             </a:lvl6pPr>
-            <a:lvl7pPr indent="-355600" lvl="6" marL="3200400" marR="0" rtl="0" algn="l">
+            <a:lvl7pPr marL="3200400" marR="0" lvl="6" indent="-355600" algn="l" rtl="0">
               <a:spcBef>
                 <a:spcPts val="400"/>
               </a:spcBef>
@@ -10294,7 +10583,7 @@
               <a:buSzPts val="2000"/>
               <a:buFont typeface="Arial"/>
               <a:buChar char="•"/>
-              <a:defRPr b="0" i="0" sz="2000" u="none" cap="none" strike="noStrike">
+              <a:defRPr sz="2000" b="0" i="0" u="none" strike="noStrike" cap="none">
                 <a:solidFill>
                   <a:schemeClr val="dk1"/>
                 </a:solidFill>
@@ -10304,7 +10593,7 @@
                 <a:sym typeface="Calibri"/>
               </a:defRPr>
             </a:lvl7pPr>
-            <a:lvl8pPr indent="-355600" lvl="7" marL="3657600" marR="0" rtl="0" algn="l">
+            <a:lvl8pPr marL="3657600" marR="0" lvl="7" indent="-355600" algn="l" rtl="0">
               <a:spcBef>
                 <a:spcPts val="400"/>
               </a:spcBef>
@@ -10317,7 +10606,7 @@
               <a:buSzPts val="2000"/>
               <a:buFont typeface="Arial"/>
               <a:buChar char="•"/>
-              <a:defRPr b="0" i="0" sz="2000" u="none" cap="none" strike="noStrike">
+              <a:defRPr sz="2000" b="0" i="0" u="none" strike="noStrike" cap="none">
                 <a:solidFill>
                   <a:schemeClr val="dk1"/>
                 </a:solidFill>
@@ -10327,7 +10616,7 @@
                 <a:sym typeface="Calibri"/>
               </a:defRPr>
             </a:lvl8pPr>
-            <a:lvl9pPr indent="-355600" lvl="8" marL="4114800" marR="0" rtl="0" algn="l">
+            <a:lvl9pPr marL="4114800" marR="0" lvl="8" indent="-355600" algn="l" rtl="0">
               <a:spcBef>
                 <a:spcPts val="400"/>
               </a:spcBef>
@@ -10340,7 +10629,7 @@
               <a:buSzPts val="2000"/>
               <a:buFont typeface="Arial"/>
               <a:buChar char="•"/>
-              <a:defRPr b="0" i="0" sz="2000" u="none" cap="none" strike="noStrike">
+              <a:defRPr sz="2000" b="0" i="0" u="none" strike="noStrike" cap="none">
                 <a:solidFill>
                   <a:schemeClr val="dk1"/>
                 </a:solidFill>
@@ -10351,15 +10640,19 @@
               </a:defRPr>
             </a:lvl9pPr>
           </a:lstStyle>
-          <a:p/>
+          <a:p>
+            <a:endParaRPr/>
+          </a:p>
         </p:txBody>
       </p:sp>
       <p:sp>
         <p:nvSpPr>
           <p:cNvPr id="8" name="Google Shape;8;p1"/>
-          <p:cNvSpPr txBox="1"/>
+          <p:cNvSpPr txBox="1">
+            <a:spLocks noGrp="1"/>
+          </p:cNvSpPr>
           <p:nvPr>
-            <p:ph idx="10" type="dt"/>
+            <p:ph type="dt" idx="10"/>
           </p:nvPr>
         </p:nvSpPr>
         <p:spPr>
@@ -10376,20 +10669,20 @@
           </a:ln>
         </p:spPr>
         <p:txBody>
-          <a:bodyPr anchorCtr="0" anchor="ctr" bIns="45700" lIns="91425" spcFirstLastPara="1" rIns="91425" wrap="square" tIns="45700">
+          <a:bodyPr spcFirstLastPara="1" wrap="square" lIns="91425" tIns="45700" rIns="91425" bIns="45700" anchor="ctr" anchorCtr="0">
             <a:noAutofit/>
           </a:bodyPr>
           <a:lstStyle>
-            <a:lvl1pPr lvl="0" marR="0" rtl="0" algn="l">
-              <a:spcBef>
-                <a:spcPts val="0"/>
-              </a:spcBef>
-              <a:spcAft>
-                <a:spcPts val="0"/>
-              </a:spcAft>
-              <a:buSzPts val="1400"/>
-              <a:buNone/>
-              <a:defRPr b="0" i="0" sz="1200" u="none" cap="none" strike="noStrike">
+            <a:lvl1pPr marR="0" lvl="0" algn="l" rtl="0">
+              <a:spcBef>
+                <a:spcPts val="0"/>
+              </a:spcBef>
+              <a:spcAft>
+                <a:spcPts val="0"/>
+              </a:spcAft>
+              <a:buSzPts val="1400"/>
+              <a:buNone/>
+              <a:defRPr sz="1200" b="0" i="0" u="none" strike="noStrike" cap="none">
                 <a:solidFill>
                   <a:srgbClr val="888888"/>
                 </a:solidFill>
@@ -10399,16 +10692,16 @@
                 <a:sym typeface="Calibri"/>
               </a:defRPr>
             </a:lvl1pPr>
-            <a:lvl2pPr lvl="1" marR="0" rtl="0" algn="l">
-              <a:spcBef>
-                <a:spcPts val="0"/>
-              </a:spcBef>
-              <a:spcAft>
-                <a:spcPts val="0"/>
-              </a:spcAft>
-              <a:buSzPts val="1400"/>
-              <a:buNone/>
-              <a:defRPr b="0" i="0" sz="1800" u="none" cap="none" strike="noStrike">
+            <a:lvl2pPr marR="0" lvl="1" algn="l" rtl="0">
+              <a:spcBef>
+                <a:spcPts val="0"/>
+              </a:spcBef>
+              <a:spcAft>
+                <a:spcPts val="0"/>
+              </a:spcAft>
+              <a:buSzPts val="1400"/>
+              <a:buNone/>
+              <a:defRPr sz="1800" b="0" i="0" u="none" strike="noStrike" cap="none">
                 <a:solidFill>
                   <a:schemeClr val="dk1"/>
                 </a:solidFill>
@@ -10418,16 +10711,16 @@
                 <a:sym typeface="Calibri"/>
               </a:defRPr>
             </a:lvl2pPr>
-            <a:lvl3pPr lvl="2" marR="0" rtl="0" algn="l">
-              <a:spcBef>
-                <a:spcPts val="0"/>
-              </a:spcBef>
-              <a:spcAft>
-                <a:spcPts val="0"/>
-              </a:spcAft>
-              <a:buSzPts val="1400"/>
-              <a:buNone/>
-              <a:defRPr b="0" i="0" sz="1800" u="none" cap="none" strike="noStrike">
+            <a:lvl3pPr marR="0" lvl="2" algn="l" rtl="0">
+              <a:spcBef>
+                <a:spcPts val="0"/>
+              </a:spcBef>
+              <a:spcAft>
+                <a:spcPts val="0"/>
+              </a:spcAft>
+              <a:buSzPts val="1400"/>
+              <a:buNone/>
+              <a:defRPr sz="1800" b="0" i="0" u="none" strike="noStrike" cap="none">
                 <a:solidFill>
                   <a:schemeClr val="dk1"/>
                 </a:solidFill>
@@ -10437,16 +10730,16 @@
                 <a:sym typeface="Calibri"/>
               </a:defRPr>
             </a:lvl3pPr>
-            <a:lvl4pPr lvl="3" marR="0" rtl="0" algn="l">
-              <a:spcBef>
-                <a:spcPts val="0"/>
-              </a:spcBef>
-              <a:spcAft>
-                <a:spcPts val="0"/>
-              </a:spcAft>
-              <a:buSzPts val="1400"/>
-              <a:buNone/>
-              <a:defRPr b="0" i="0" sz="1800" u="none" cap="none" strike="noStrike">
+            <a:lvl4pPr marR="0" lvl="3" algn="l" rtl="0">
+              <a:spcBef>
+                <a:spcPts val="0"/>
+              </a:spcBef>
+              <a:spcAft>
+                <a:spcPts val="0"/>
+              </a:spcAft>
+              <a:buSzPts val="1400"/>
+              <a:buNone/>
+              <a:defRPr sz="1800" b="0" i="0" u="none" strike="noStrike" cap="none">
                 <a:solidFill>
                   <a:schemeClr val="dk1"/>
                 </a:solidFill>
@@ -10456,16 +10749,16 @@
                 <a:sym typeface="Calibri"/>
               </a:defRPr>
             </a:lvl4pPr>
-            <a:lvl5pPr lvl="4" marR="0" rtl="0" algn="l">
-              <a:spcBef>
-                <a:spcPts val="0"/>
-              </a:spcBef>
-              <a:spcAft>
-                <a:spcPts val="0"/>
-              </a:spcAft>
-              <a:buSzPts val="1400"/>
-              <a:buNone/>
-              <a:defRPr b="0" i="0" sz="1800" u="none" cap="none" strike="noStrike">
+            <a:lvl5pPr marR="0" lvl="4" algn="l" rtl="0">
+              <a:spcBef>
+                <a:spcPts val="0"/>
+              </a:spcBef>
+              <a:spcAft>
+                <a:spcPts val="0"/>
+              </a:spcAft>
+              <a:buSzPts val="1400"/>
+              <a:buNone/>
+              <a:defRPr sz="1800" b="0" i="0" u="none" strike="noStrike" cap="none">
                 <a:solidFill>
                   <a:schemeClr val="dk1"/>
                 </a:solidFill>
@@ -10475,16 +10768,16 @@
                 <a:sym typeface="Calibri"/>
               </a:defRPr>
             </a:lvl5pPr>
-            <a:lvl6pPr lvl="5" marR="0" rtl="0" algn="l">
-              <a:spcBef>
-                <a:spcPts val="0"/>
-              </a:spcBef>
-              <a:spcAft>
-                <a:spcPts val="0"/>
-              </a:spcAft>
-              <a:buSzPts val="1400"/>
-              <a:buNone/>
-              <a:defRPr b="0" i="0" sz="1800" u="none" cap="none" strike="noStrike">
+            <a:lvl6pPr marR="0" lvl="5" algn="l" rtl="0">
+              <a:spcBef>
+                <a:spcPts val="0"/>
+              </a:spcBef>
+              <a:spcAft>
+                <a:spcPts val="0"/>
+              </a:spcAft>
+              <a:buSzPts val="1400"/>
+              <a:buNone/>
+              <a:defRPr sz="1800" b="0" i="0" u="none" strike="noStrike" cap="none">
                 <a:solidFill>
                   <a:schemeClr val="dk1"/>
                 </a:solidFill>
@@ -10494,16 +10787,16 @@
                 <a:sym typeface="Calibri"/>
               </a:defRPr>
             </a:lvl6pPr>
-            <a:lvl7pPr lvl="6" marR="0" rtl="0" algn="l">
-              <a:spcBef>
-                <a:spcPts val="0"/>
-              </a:spcBef>
-              <a:spcAft>
-                <a:spcPts val="0"/>
-              </a:spcAft>
-              <a:buSzPts val="1400"/>
-              <a:buNone/>
-              <a:defRPr b="0" i="0" sz="1800" u="none" cap="none" strike="noStrike">
+            <a:lvl7pPr marR="0" lvl="6" algn="l" rtl="0">
+              <a:spcBef>
+                <a:spcPts val="0"/>
+              </a:spcBef>
+              <a:spcAft>
+                <a:spcPts val="0"/>
+              </a:spcAft>
+              <a:buSzPts val="1400"/>
+              <a:buNone/>
+              <a:defRPr sz="1800" b="0" i="0" u="none" strike="noStrike" cap="none">
                 <a:solidFill>
                   <a:schemeClr val="dk1"/>
                 </a:solidFill>
@@ -10513,16 +10806,16 @@
                 <a:sym typeface="Calibri"/>
               </a:defRPr>
             </a:lvl7pPr>
-            <a:lvl8pPr lvl="7" marR="0" rtl="0" algn="l">
-              <a:spcBef>
-                <a:spcPts val="0"/>
-              </a:spcBef>
-              <a:spcAft>
-                <a:spcPts val="0"/>
-              </a:spcAft>
-              <a:buSzPts val="1400"/>
-              <a:buNone/>
-              <a:defRPr b="0" i="0" sz="1800" u="none" cap="none" strike="noStrike">
+            <a:lvl8pPr marR="0" lvl="7" algn="l" rtl="0">
+              <a:spcBef>
+                <a:spcPts val="0"/>
+              </a:spcBef>
+              <a:spcAft>
+                <a:spcPts val="0"/>
+              </a:spcAft>
+              <a:buSzPts val="1400"/>
+              <a:buNone/>
+              <a:defRPr sz="1800" b="0" i="0" u="none" strike="noStrike" cap="none">
                 <a:solidFill>
                   <a:schemeClr val="dk1"/>
                 </a:solidFill>
@@ -10532,16 +10825,16 @@
                 <a:sym typeface="Calibri"/>
               </a:defRPr>
             </a:lvl8pPr>
-            <a:lvl9pPr lvl="8" marR="0" rtl="0" algn="l">
-              <a:spcBef>
-                <a:spcPts val="0"/>
-              </a:spcBef>
-              <a:spcAft>
-                <a:spcPts val="0"/>
-              </a:spcAft>
-              <a:buSzPts val="1400"/>
-              <a:buNone/>
-              <a:defRPr b="0" i="0" sz="1800" u="none" cap="none" strike="noStrike">
+            <a:lvl9pPr marR="0" lvl="8" algn="l" rtl="0">
+              <a:spcBef>
+                <a:spcPts val="0"/>
+              </a:spcBef>
+              <a:spcAft>
+                <a:spcPts val="0"/>
+              </a:spcAft>
+              <a:buSzPts val="1400"/>
+              <a:buNone/>
+              <a:defRPr sz="1800" b="0" i="0" u="none" strike="noStrike" cap="none">
                 <a:solidFill>
                   <a:schemeClr val="dk1"/>
                 </a:solidFill>
@@ -10552,15 +10845,19 @@
               </a:defRPr>
             </a:lvl9pPr>
           </a:lstStyle>
-          <a:p/>
+          <a:p>
+            <a:endParaRPr/>
+          </a:p>
         </p:txBody>
       </p:sp>
       <p:sp>
         <p:nvSpPr>
           <p:cNvPr id="9" name="Google Shape;9;p1"/>
-          <p:cNvSpPr txBox="1"/>
+          <p:cNvSpPr txBox="1">
+            <a:spLocks noGrp="1"/>
+          </p:cNvSpPr>
           <p:nvPr>
-            <p:ph idx="11" type="ftr"/>
+            <p:ph type="ftr" idx="11"/>
           </p:nvPr>
         </p:nvSpPr>
         <p:spPr>
@@ -10577,20 +10874,20 @@
           </a:ln>
         </p:spPr>
         <p:txBody>
-          <a:bodyPr anchorCtr="0" anchor="ctr" bIns="45700" lIns="91425" spcFirstLastPara="1" rIns="91425" wrap="square" tIns="45700">
+          <a:bodyPr spcFirstLastPara="1" wrap="square" lIns="91425" tIns="45700" rIns="91425" bIns="45700" anchor="ctr" anchorCtr="0">
             <a:noAutofit/>
           </a:bodyPr>
           <a:lstStyle>
-            <a:lvl1pPr lvl="0" marR="0" rtl="0" algn="ctr">
-              <a:spcBef>
-                <a:spcPts val="0"/>
-              </a:spcBef>
-              <a:spcAft>
-                <a:spcPts val="0"/>
-              </a:spcAft>
-              <a:buSzPts val="1400"/>
-              <a:buNone/>
-              <a:defRPr b="0" i="0" sz="1200" u="none" cap="none" strike="noStrike">
+            <a:lvl1pPr marR="0" lvl="0" algn="ctr" rtl="0">
+              <a:spcBef>
+                <a:spcPts val="0"/>
+              </a:spcBef>
+              <a:spcAft>
+                <a:spcPts val="0"/>
+              </a:spcAft>
+              <a:buSzPts val="1400"/>
+              <a:buNone/>
+              <a:defRPr sz="1200" b="0" i="0" u="none" strike="noStrike" cap="none">
                 <a:solidFill>
                   <a:srgbClr val="888888"/>
                 </a:solidFill>
@@ -10600,16 +10897,16 @@
                 <a:sym typeface="Calibri"/>
               </a:defRPr>
             </a:lvl1pPr>
-            <a:lvl2pPr lvl="1" marR="0" rtl="0" algn="l">
-              <a:spcBef>
-                <a:spcPts val="0"/>
-              </a:spcBef>
-              <a:spcAft>
-                <a:spcPts val="0"/>
-              </a:spcAft>
-              <a:buSzPts val="1400"/>
-              <a:buNone/>
-              <a:defRPr b="0" i="0" sz="1800" u="none" cap="none" strike="noStrike">
+            <a:lvl2pPr marR="0" lvl="1" algn="l" rtl="0">
+              <a:spcBef>
+                <a:spcPts val="0"/>
+              </a:spcBef>
+              <a:spcAft>
+                <a:spcPts val="0"/>
+              </a:spcAft>
+              <a:buSzPts val="1400"/>
+              <a:buNone/>
+              <a:defRPr sz="1800" b="0" i="0" u="none" strike="noStrike" cap="none">
                 <a:solidFill>
                   <a:schemeClr val="dk1"/>
                 </a:solidFill>
@@ -10619,16 +10916,16 @@
                 <a:sym typeface="Calibri"/>
               </a:defRPr>
             </a:lvl2pPr>
-            <a:lvl3pPr lvl="2" marR="0" rtl="0" algn="l">
-              <a:spcBef>
-                <a:spcPts val="0"/>
-              </a:spcBef>
-              <a:spcAft>
-                <a:spcPts val="0"/>
-              </a:spcAft>
-              <a:buSzPts val="1400"/>
-              <a:buNone/>
-              <a:defRPr b="0" i="0" sz="1800" u="none" cap="none" strike="noStrike">
+            <a:lvl3pPr marR="0" lvl="2" algn="l" rtl="0">
+              <a:spcBef>
+                <a:spcPts val="0"/>
+              </a:spcBef>
+              <a:spcAft>
+                <a:spcPts val="0"/>
+              </a:spcAft>
+              <a:buSzPts val="1400"/>
+              <a:buNone/>
+              <a:defRPr sz="1800" b="0" i="0" u="none" strike="noStrike" cap="none">
                 <a:solidFill>
                   <a:schemeClr val="dk1"/>
                 </a:solidFill>
@@ -10638,16 +10935,16 @@
                 <a:sym typeface="Calibri"/>
               </a:defRPr>
             </a:lvl3pPr>
-            <a:lvl4pPr lvl="3" marR="0" rtl="0" algn="l">
-              <a:spcBef>
-                <a:spcPts val="0"/>
-              </a:spcBef>
-              <a:spcAft>
-                <a:spcPts val="0"/>
-              </a:spcAft>
-              <a:buSzPts val="1400"/>
-              <a:buNone/>
-              <a:defRPr b="0" i="0" sz="1800" u="none" cap="none" strike="noStrike">
+            <a:lvl4pPr marR="0" lvl="3" algn="l" rtl="0">
+              <a:spcBef>
+                <a:spcPts val="0"/>
+              </a:spcBef>
+              <a:spcAft>
+                <a:spcPts val="0"/>
+              </a:spcAft>
+              <a:buSzPts val="1400"/>
+              <a:buNone/>
+              <a:defRPr sz="1800" b="0" i="0" u="none" strike="noStrike" cap="none">
                 <a:solidFill>
                   <a:schemeClr val="dk1"/>
                 </a:solidFill>
@@ -10657,16 +10954,16 @@
                 <a:sym typeface="Calibri"/>
               </a:defRPr>
             </a:lvl4pPr>
-            <a:lvl5pPr lvl="4" marR="0" rtl="0" algn="l">
-              <a:spcBef>
-                <a:spcPts val="0"/>
-              </a:spcBef>
-              <a:spcAft>
-                <a:spcPts val="0"/>
-              </a:spcAft>
-              <a:buSzPts val="1400"/>
-              <a:buNone/>
-              <a:defRPr b="0" i="0" sz="1800" u="none" cap="none" strike="noStrike">
+            <a:lvl5pPr marR="0" lvl="4" algn="l" rtl="0">
+              <a:spcBef>
+                <a:spcPts val="0"/>
+              </a:spcBef>
+              <a:spcAft>
+                <a:spcPts val="0"/>
+              </a:spcAft>
+              <a:buSzPts val="1400"/>
+              <a:buNone/>
+              <a:defRPr sz="1800" b="0" i="0" u="none" strike="noStrike" cap="none">
                 <a:solidFill>
                   <a:schemeClr val="dk1"/>
                 </a:solidFill>
@@ -10676,16 +10973,16 @@
                 <a:sym typeface="Calibri"/>
               </a:defRPr>
             </a:lvl5pPr>
-            <a:lvl6pPr lvl="5" marR="0" rtl="0" algn="l">
-              <a:spcBef>
-                <a:spcPts val="0"/>
-              </a:spcBef>
-              <a:spcAft>
-                <a:spcPts val="0"/>
-              </a:spcAft>
-              <a:buSzPts val="1400"/>
-              <a:buNone/>
-              <a:defRPr b="0" i="0" sz="1800" u="none" cap="none" strike="noStrike">
+            <a:lvl6pPr marR="0" lvl="5" algn="l" rtl="0">
+              <a:spcBef>
+                <a:spcPts val="0"/>
+              </a:spcBef>
+              <a:spcAft>
+                <a:spcPts val="0"/>
+              </a:spcAft>
+              <a:buSzPts val="1400"/>
+              <a:buNone/>
+              <a:defRPr sz="1800" b="0" i="0" u="none" strike="noStrike" cap="none">
                 <a:solidFill>
                   <a:schemeClr val="dk1"/>
                 </a:solidFill>
@@ -10695,16 +10992,16 @@
                 <a:sym typeface="Calibri"/>
               </a:defRPr>
             </a:lvl6pPr>
-            <a:lvl7pPr lvl="6" marR="0" rtl="0" algn="l">
-              <a:spcBef>
-                <a:spcPts val="0"/>
-              </a:spcBef>
-              <a:spcAft>
-                <a:spcPts val="0"/>
-              </a:spcAft>
-              <a:buSzPts val="1400"/>
-              <a:buNone/>
-              <a:defRPr b="0" i="0" sz="1800" u="none" cap="none" strike="noStrike">
+            <a:lvl7pPr marR="0" lvl="6" algn="l" rtl="0">
+              <a:spcBef>
+                <a:spcPts val="0"/>
+              </a:spcBef>
+              <a:spcAft>
+                <a:spcPts val="0"/>
+              </a:spcAft>
+              <a:buSzPts val="1400"/>
+              <a:buNone/>
+              <a:defRPr sz="1800" b="0" i="0" u="none" strike="noStrike" cap="none">
                 <a:solidFill>
                   <a:schemeClr val="dk1"/>
                 </a:solidFill>
@@ -10714,16 +11011,16 @@
                 <a:sym typeface="Calibri"/>
               </a:defRPr>
             </a:lvl7pPr>
-            <a:lvl8pPr lvl="7" marR="0" rtl="0" algn="l">
-              <a:spcBef>
-                <a:spcPts val="0"/>
-              </a:spcBef>
-              <a:spcAft>
-                <a:spcPts val="0"/>
-              </a:spcAft>
-              <a:buSzPts val="1400"/>
-              <a:buNone/>
-              <a:defRPr b="0" i="0" sz="1800" u="none" cap="none" strike="noStrike">
+            <a:lvl8pPr marR="0" lvl="7" algn="l" rtl="0">
+              <a:spcBef>
+                <a:spcPts val="0"/>
+              </a:spcBef>
+              <a:spcAft>
+                <a:spcPts val="0"/>
+              </a:spcAft>
+              <a:buSzPts val="1400"/>
+              <a:buNone/>
+              <a:defRPr sz="1800" b="0" i="0" u="none" strike="noStrike" cap="none">
                 <a:solidFill>
                   <a:schemeClr val="dk1"/>
                 </a:solidFill>
@@ -10733,16 +11030,16 @@
                 <a:sym typeface="Calibri"/>
               </a:defRPr>
             </a:lvl8pPr>
-            <a:lvl9pPr lvl="8" marR="0" rtl="0" algn="l">
-              <a:spcBef>
-                <a:spcPts val="0"/>
-              </a:spcBef>
-              <a:spcAft>
-                <a:spcPts val="0"/>
-              </a:spcAft>
-              <a:buSzPts val="1400"/>
-              <a:buNone/>
-              <a:defRPr b="0" i="0" sz="1800" u="none" cap="none" strike="noStrike">
+            <a:lvl9pPr marR="0" lvl="8" algn="l" rtl="0">
+              <a:spcBef>
+                <a:spcPts val="0"/>
+              </a:spcBef>
+              <a:spcAft>
+                <a:spcPts val="0"/>
+              </a:spcAft>
+              <a:buSzPts val="1400"/>
+              <a:buNone/>
+              <a:defRPr sz="1800" b="0" i="0" u="none" strike="noStrike" cap="none">
                 <a:solidFill>
                   <a:schemeClr val="dk1"/>
                 </a:solidFill>
@@ -10753,15 +11050,19 @@
               </a:defRPr>
             </a:lvl9pPr>
           </a:lstStyle>
-          <a:p/>
+          <a:p>
+            <a:endParaRPr/>
+          </a:p>
         </p:txBody>
       </p:sp>
       <p:sp>
         <p:nvSpPr>
           <p:cNvPr id="10" name="Google Shape;10;p1"/>
-          <p:cNvSpPr txBox="1"/>
+          <p:cNvSpPr txBox="1">
+            <a:spLocks noGrp="1"/>
+          </p:cNvSpPr>
           <p:nvPr>
-            <p:ph idx="12" type="sldNum"/>
+            <p:ph type="sldNum" idx="12"/>
           </p:nvPr>
         </p:nvSpPr>
         <p:spPr>
@@ -10778,16 +11079,16 @@
           </a:ln>
         </p:spPr>
         <p:txBody>
-          <a:bodyPr anchorCtr="0" anchor="ctr" bIns="45700" lIns="91425" spcFirstLastPara="1" rIns="91425" wrap="square" tIns="45700">
+          <a:bodyPr spcFirstLastPara="1" wrap="square" lIns="91425" tIns="45700" rIns="91425" bIns="45700" anchor="ctr" anchorCtr="0">
             <a:noAutofit/>
           </a:bodyPr>
           <a:lstStyle>
-            <a:lvl1pPr indent="0" lvl="0" marL="0" marR="0" rtl="0" algn="r">
-              <a:spcBef>
-                <a:spcPts val="0"/>
-              </a:spcBef>
-              <a:buNone/>
-              <a:defRPr b="0" i="0" sz="1200" u="none" cap="none" strike="noStrike">
+            <a:lvl1pPr marL="0" marR="0" lvl="0" indent="0" algn="r" rtl="0">
+              <a:spcBef>
+                <a:spcPts val="0"/>
+              </a:spcBef>
+              <a:buNone/>
+              <a:defRPr sz="1200" b="0" i="0" u="none" strike="noStrike" cap="none">
                 <a:solidFill>
                   <a:srgbClr val="888888"/>
                 </a:solidFill>
@@ -10797,12 +11098,12 @@
                 <a:sym typeface="Calibri"/>
               </a:defRPr>
             </a:lvl1pPr>
-            <a:lvl2pPr indent="0" lvl="1" marL="0" marR="0" rtl="0" algn="r">
-              <a:spcBef>
-                <a:spcPts val="0"/>
-              </a:spcBef>
-              <a:buNone/>
-              <a:defRPr b="0" i="0" sz="1200" u="none" cap="none" strike="noStrike">
+            <a:lvl2pPr marL="0" marR="0" lvl="1" indent="0" algn="r" rtl="0">
+              <a:spcBef>
+                <a:spcPts val="0"/>
+              </a:spcBef>
+              <a:buNone/>
+              <a:defRPr sz="1200" b="0" i="0" u="none" strike="noStrike" cap="none">
                 <a:solidFill>
                   <a:srgbClr val="888888"/>
                 </a:solidFill>
@@ -10812,12 +11113,12 @@
                 <a:sym typeface="Calibri"/>
               </a:defRPr>
             </a:lvl2pPr>
-            <a:lvl3pPr indent="0" lvl="2" marL="0" marR="0" rtl="0" algn="r">
-              <a:spcBef>
-                <a:spcPts val="0"/>
-              </a:spcBef>
-              <a:buNone/>
-              <a:defRPr b="0" i="0" sz="1200" u="none" cap="none" strike="noStrike">
+            <a:lvl3pPr marL="0" marR="0" lvl="2" indent="0" algn="r" rtl="0">
+              <a:spcBef>
+                <a:spcPts val="0"/>
+              </a:spcBef>
+              <a:buNone/>
+              <a:defRPr sz="1200" b="0" i="0" u="none" strike="noStrike" cap="none">
                 <a:solidFill>
                   <a:srgbClr val="888888"/>
                 </a:solidFill>
@@ -10827,12 +11128,12 @@
                 <a:sym typeface="Calibri"/>
               </a:defRPr>
             </a:lvl3pPr>
-            <a:lvl4pPr indent="0" lvl="3" marL="0" marR="0" rtl="0" algn="r">
-              <a:spcBef>
-                <a:spcPts val="0"/>
-              </a:spcBef>
-              <a:buNone/>
-              <a:defRPr b="0" i="0" sz="1200" u="none" cap="none" strike="noStrike">
+            <a:lvl4pPr marL="0" marR="0" lvl="3" indent="0" algn="r" rtl="0">
+              <a:spcBef>
+                <a:spcPts val="0"/>
+              </a:spcBef>
+              <a:buNone/>
+              <a:defRPr sz="1200" b="0" i="0" u="none" strike="noStrike" cap="none">
                 <a:solidFill>
                   <a:srgbClr val="888888"/>
                 </a:solidFill>
@@ -10842,12 +11143,12 @@
                 <a:sym typeface="Calibri"/>
               </a:defRPr>
             </a:lvl4pPr>
-            <a:lvl5pPr indent="0" lvl="4" marL="0" marR="0" rtl="0" algn="r">
-              <a:spcBef>
-                <a:spcPts val="0"/>
-              </a:spcBef>
-              <a:buNone/>
-              <a:defRPr b="0" i="0" sz="1200" u="none" cap="none" strike="noStrike">
+            <a:lvl5pPr marL="0" marR="0" lvl="4" indent="0" algn="r" rtl="0">
+              <a:spcBef>
+                <a:spcPts val="0"/>
+              </a:spcBef>
+              <a:buNone/>
+              <a:defRPr sz="1200" b="0" i="0" u="none" strike="noStrike" cap="none">
                 <a:solidFill>
                   <a:srgbClr val="888888"/>
                 </a:solidFill>
@@ -10857,12 +11158,12 @@
                 <a:sym typeface="Calibri"/>
               </a:defRPr>
             </a:lvl5pPr>
-            <a:lvl6pPr indent="0" lvl="5" marL="0" marR="0" rtl="0" algn="r">
-              <a:spcBef>
-                <a:spcPts val="0"/>
-              </a:spcBef>
-              <a:buNone/>
-              <a:defRPr b="0" i="0" sz="1200" u="none" cap="none" strike="noStrike">
+            <a:lvl6pPr marL="0" marR="0" lvl="5" indent="0" algn="r" rtl="0">
+              <a:spcBef>
+                <a:spcPts val="0"/>
+              </a:spcBef>
+              <a:buNone/>
+              <a:defRPr sz="1200" b="0" i="0" u="none" strike="noStrike" cap="none">
                 <a:solidFill>
                   <a:srgbClr val="888888"/>
                 </a:solidFill>
@@ -10872,12 +11173,12 @@
                 <a:sym typeface="Calibri"/>
               </a:defRPr>
             </a:lvl6pPr>
-            <a:lvl7pPr indent="0" lvl="6" marL="0" marR="0" rtl="0" algn="r">
-              <a:spcBef>
-                <a:spcPts val="0"/>
-              </a:spcBef>
-              <a:buNone/>
-              <a:defRPr b="0" i="0" sz="1200" u="none" cap="none" strike="noStrike">
+            <a:lvl7pPr marL="0" marR="0" lvl="6" indent="0" algn="r" rtl="0">
+              <a:spcBef>
+                <a:spcPts val="0"/>
+              </a:spcBef>
+              <a:buNone/>
+              <a:defRPr sz="1200" b="0" i="0" u="none" strike="noStrike" cap="none">
                 <a:solidFill>
                   <a:srgbClr val="888888"/>
                 </a:solidFill>
@@ -10887,12 +11188,12 @@
                 <a:sym typeface="Calibri"/>
               </a:defRPr>
             </a:lvl7pPr>
-            <a:lvl8pPr indent="0" lvl="7" marL="0" marR="0" rtl="0" algn="r">
-              <a:spcBef>
-                <a:spcPts val="0"/>
-              </a:spcBef>
-              <a:buNone/>
-              <a:defRPr b="0" i="0" sz="1200" u="none" cap="none" strike="noStrike">
+            <a:lvl8pPr marL="0" marR="0" lvl="7" indent="0" algn="r" rtl="0">
+              <a:spcBef>
+                <a:spcPts val="0"/>
+              </a:spcBef>
+              <a:buNone/>
+              <a:defRPr sz="1200" b="0" i="0" u="none" strike="noStrike" cap="none">
                 <a:solidFill>
                   <a:srgbClr val="888888"/>
                 </a:solidFill>
@@ -10902,12 +11203,12 @@
                 <a:sym typeface="Calibri"/>
               </a:defRPr>
             </a:lvl8pPr>
-            <a:lvl9pPr indent="0" lvl="8" marL="0" marR="0" rtl="0" algn="r">
-              <a:spcBef>
-                <a:spcPts val="0"/>
-              </a:spcBef>
-              <a:buNone/>
-              <a:defRPr b="0" i="0" sz="1200" u="none" cap="none" strike="noStrike">
+            <a:lvl9pPr marL="0" marR="0" lvl="8" indent="0" algn="r" rtl="0">
+              <a:spcBef>
+                <a:spcPts val="0"/>
+              </a:spcBef>
+              <a:buNone/>
+              <a:defRPr sz="1200" b="0" i="0" u="none" strike="noStrike" cap="none">
                 <a:solidFill>
                   <a:srgbClr val="888888"/>
                 </a:solidFill>
@@ -10919,7 +11220,7 @@
             </a:lvl9pPr>
           </a:lstStyle>
           <a:p>
-            <a:pPr indent="0" lvl="0" marL="0" rtl="0" algn="r">
+            <a:pPr marL="0" lvl="0" indent="0" algn="r" rtl="0">
               <a:spcBef>
                 <a:spcPts val="0"/>
               </a:spcBef>
@@ -10956,12 +11257,12 @@
           </a:ln>
         </p:spPr>
         <p:txBody>
-          <a:bodyPr anchorCtr="0" anchor="t" bIns="45700" lIns="91425" spcFirstLastPara="1" rIns="91425" wrap="square" tIns="45700">
+          <a:bodyPr spcFirstLastPara="1" wrap="square" lIns="91425" tIns="45700" rIns="91425" bIns="45700" anchor="t" anchorCtr="0">
             <a:noAutofit/>
           </a:bodyPr>
           <a:lstStyle/>
           <a:p>
-            <a:pPr indent="0" lvl="0" marL="0" marR="0" rtl="0" algn="l">
+            <a:pPr marL="0" marR="0" lvl="0" indent="0" algn="l" rtl="0">
               <a:spcBef>
                 <a:spcPts val="0"/>
               </a:spcBef>
@@ -10971,7 +11272,7 @@
               <a:buNone/>
             </a:pPr>
             <a:r>
-              <a:rPr b="0" i="0" lang="id" sz="1400" u="none" cap="none" strike="noStrike">
+              <a:rPr lang="id" sz="1400" b="0" i="0" u="none" strike="noStrike" cap="none">
                 <a:solidFill>
                   <a:srgbClr val="A5A5A5"/>
                 </a:solidFill>
@@ -10985,7 +11286,7 @@
             <a:endParaRPr/>
           </a:p>
           <a:p>
-            <a:pPr indent="0" lvl="0" marL="0" marR="0" rtl="0" algn="l">
+            <a:pPr marL="0" marR="0" lvl="0" indent="0" algn="l" rtl="0">
               <a:spcBef>
                 <a:spcPts val="0"/>
               </a:spcBef>
@@ -11012,25 +11313,25 @@
       </p:sp>
     </p:spTree>
   </p:cSld>
-  <p:clrMap accent1="accent1" accent2="accent2" accent3="accent3" accent4="accent4" accent5="accent5" accent6="accent6" bg1="lt1" bg2="dk2" tx1="dk1" tx2="lt2" folHlink="folHlink" hlink="hlink"/>
+  <p:clrMap bg1="lt1" tx1="dk1" bg2="dk2" tx2="lt2" accent1="accent1" accent2="accent2" accent3="accent3" accent4="accent4" accent5="accent5" accent6="accent6" hlink="hlink" folHlink="folHlink"/>
   <p:sldLayoutIdLst>
-    <p:sldLayoutId id="2147483648" r:id="rId2"/>
-    <p:sldLayoutId id="2147483649" r:id="rId3"/>
-    <p:sldLayoutId id="2147483650" r:id="rId4"/>
-    <p:sldLayoutId id="2147483651" r:id="rId5"/>
-    <p:sldLayoutId id="2147483652" r:id="rId6"/>
-    <p:sldLayoutId id="2147483653" r:id="rId7"/>
-    <p:sldLayoutId id="2147483654" r:id="rId8"/>
-    <p:sldLayoutId id="2147483655" r:id="rId9"/>
-    <p:sldLayoutId id="2147483656" r:id="rId10"/>
-    <p:sldLayoutId id="2147483657" r:id="rId11"/>
-    <p:sldLayoutId id="2147483658" r:id="rId12"/>
-    <p:sldLayoutId id="2147483659" r:id="rId13"/>
+    <p:sldLayoutId id="2147483648" r:id="rId1"/>
+    <p:sldLayoutId id="2147483649" r:id="rId2"/>
+    <p:sldLayoutId id="2147483650" r:id="rId3"/>
+    <p:sldLayoutId id="2147483651" r:id="rId4"/>
+    <p:sldLayoutId id="2147483652" r:id="rId5"/>
+    <p:sldLayoutId id="2147483653" r:id="rId6"/>
+    <p:sldLayoutId id="2147483654" r:id="rId7"/>
+    <p:sldLayoutId id="2147483655" r:id="rId8"/>
+    <p:sldLayoutId id="2147483656" r:id="rId9"/>
+    <p:sldLayoutId id="2147483657" r:id="rId10"/>
+    <p:sldLayoutId id="2147483658" r:id="rId11"/>
+    <p:sldLayoutId id="2147483659" r:id="rId12"/>
   </p:sldLayoutIdLst>
-  <p:hf dt="0" ftr="0" hdr="0" sldNum="0"/>
+  <p:hf sldNum="0" hdr="0" ftr="0" dt="0"/>
   <p:txStyles>
     <p:titleStyle>
-      <a:defPPr lvl="0" marR="0" rtl="0" algn="l">
+      <a:defPPr marR="0" lvl="0" algn="l" rtl="0">
         <a:lnSpc>
           <a:spcPct val="100000"/>
         </a:lnSpc>
@@ -11041,7 +11342,7 @@
           <a:spcPts val="0"/>
         </a:spcAft>
       </a:defPPr>
-      <a:lvl1pPr lvl="0" marR="0" rtl="0" algn="l">
+      <a:lvl1pPr marR="0" lvl="0" algn="l" rtl="0">
         <a:lnSpc>
           <a:spcPct val="100000"/>
         </a:lnSpc>
@@ -11055,7 +11356,7 @@
           <a:srgbClr val="000000"/>
         </a:buClr>
         <a:buFont typeface="Arial"/>
-        <a:defRPr b="0" i="0" sz="1400" u="none" cap="none" strike="noStrike">
+        <a:defRPr sz="1400" b="0" i="0" u="none" strike="noStrike" cap="none">
           <a:solidFill>
             <a:srgbClr val="000000"/>
           </a:solidFill>
@@ -11065,7 +11366,7 @@
           <a:sym typeface="Arial"/>
         </a:defRPr>
       </a:lvl1pPr>
-      <a:lvl2pPr lvl="1" marR="0" rtl="0" algn="l">
+      <a:lvl2pPr marR="0" lvl="1" algn="l" rtl="0">
         <a:lnSpc>
           <a:spcPct val="100000"/>
         </a:lnSpc>
@@ -11079,7 +11380,7 @@
           <a:srgbClr val="000000"/>
         </a:buClr>
         <a:buFont typeface="Arial"/>
-        <a:defRPr b="0" i="0" sz="1400" u="none" cap="none" strike="noStrike">
+        <a:defRPr sz="1400" b="0" i="0" u="none" strike="noStrike" cap="none">
           <a:solidFill>
             <a:srgbClr val="000000"/>
           </a:solidFill>
@@ -11089,7 +11390,7 @@
           <a:sym typeface="Arial"/>
         </a:defRPr>
       </a:lvl2pPr>
-      <a:lvl3pPr lvl="2" marR="0" rtl="0" algn="l">
+      <a:lvl3pPr marR="0" lvl="2" algn="l" rtl="0">
         <a:lnSpc>
           <a:spcPct val="100000"/>
         </a:lnSpc>
@@ -11103,7 +11404,7 @@
           <a:srgbClr val="000000"/>
         </a:buClr>
         <a:buFont typeface="Arial"/>
-        <a:defRPr b="0" i="0" sz="1400" u="none" cap="none" strike="noStrike">
+        <a:defRPr sz="1400" b="0" i="0" u="none" strike="noStrike" cap="none">
           <a:solidFill>
             <a:srgbClr val="000000"/>
           </a:solidFill>
@@ -11113,7 +11414,7 @@
           <a:sym typeface="Arial"/>
         </a:defRPr>
       </a:lvl3pPr>
-      <a:lvl4pPr lvl="3" marR="0" rtl="0" algn="l">
+      <a:lvl4pPr marR="0" lvl="3" algn="l" rtl="0">
         <a:lnSpc>
           <a:spcPct val="100000"/>
         </a:lnSpc>
@@ -11127,7 +11428,7 @@
           <a:srgbClr val="000000"/>
         </a:buClr>
         <a:buFont typeface="Arial"/>
-        <a:defRPr b="0" i="0" sz="1400" u="none" cap="none" strike="noStrike">
+        <a:defRPr sz="1400" b="0" i="0" u="none" strike="noStrike" cap="none">
           <a:solidFill>
             <a:srgbClr val="000000"/>
           </a:solidFill>
@@ -11137,7 +11438,7 @@
           <a:sym typeface="Arial"/>
         </a:defRPr>
       </a:lvl4pPr>
-      <a:lvl5pPr lvl="4" marR="0" rtl="0" algn="l">
+      <a:lvl5pPr marR="0" lvl="4" algn="l" rtl="0">
         <a:lnSpc>
           <a:spcPct val="100000"/>
         </a:lnSpc>
@@ -11151,7 +11452,7 @@
           <a:srgbClr val="000000"/>
         </a:buClr>
         <a:buFont typeface="Arial"/>
-        <a:defRPr b="0" i="0" sz="1400" u="none" cap="none" strike="noStrike">
+        <a:defRPr sz="1400" b="0" i="0" u="none" strike="noStrike" cap="none">
           <a:solidFill>
             <a:srgbClr val="000000"/>
           </a:solidFill>
@@ -11161,7 +11462,7 @@
           <a:sym typeface="Arial"/>
         </a:defRPr>
       </a:lvl5pPr>
-      <a:lvl6pPr lvl="5" marR="0" rtl="0" algn="l">
+      <a:lvl6pPr marR="0" lvl="5" algn="l" rtl="0">
         <a:lnSpc>
           <a:spcPct val="100000"/>
         </a:lnSpc>
@@ -11175,7 +11476,7 @@
           <a:srgbClr val="000000"/>
         </a:buClr>
         <a:buFont typeface="Arial"/>
-        <a:defRPr b="0" i="0" sz="1400" u="none" cap="none" strike="noStrike">
+        <a:defRPr sz="1400" b="0" i="0" u="none" strike="noStrike" cap="none">
           <a:solidFill>
             <a:srgbClr val="000000"/>
           </a:solidFill>
@@ -11185,7 +11486,7 @@
           <a:sym typeface="Arial"/>
         </a:defRPr>
       </a:lvl6pPr>
-      <a:lvl7pPr lvl="6" marR="0" rtl="0" algn="l">
+      <a:lvl7pPr marR="0" lvl="6" algn="l" rtl="0">
         <a:lnSpc>
           <a:spcPct val="100000"/>
         </a:lnSpc>
@@ -11199,7 +11500,7 @@
           <a:srgbClr val="000000"/>
         </a:buClr>
         <a:buFont typeface="Arial"/>
-        <a:defRPr b="0" i="0" sz="1400" u="none" cap="none" strike="noStrike">
+        <a:defRPr sz="1400" b="0" i="0" u="none" strike="noStrike" cap="none">
           <a:solidFill>
             <a:srgbClr val="000000"/>
           </a:solidFill>
@@ -11209,7 +11510,7 @@
           <a:sym typeface="Arial"/>
         </a:defRPr>
       </a:lvl7pPr>
-      <a:lvl8pPr lvl="7" marR="0" rtl="0" algn="l">
+      <a:lvl8pPr marR="0" lvl="7" algn="l" rtl="0">
         <a:lnSpc>
           <a:spcPct val="100000"/>
         </a:lnSpc>
@@ -11223,7 +11524,7 @@
           <a:srgbClr val="000000"/>
         </a:buClr>
         <a:buFont typeface="Arial"/>
-        <a:defRPr b="0" i="0" sz="1400" u="none" cap="none" strike="noStrike">
+        <a:defRPr sz="1400" b="0" i="0" u="none" strike="noStrike" cap="none">
           <a:solidFill>
             <a:srgbClr val="000000"/>
           </a:solidFill>
@@ -11233,7 +11534,7 @@
           <a:sym typeface="Arial"/>
         </a:defRPr>
       </a:lvl8pPr>
-      <a:lvl9pPr lvl="8" marR="0" rtl="0" algn="l">
+      <a:lvl9pPr marR="0" lvl="8" algn="l" rtl="0">
         <a:lnSpc>
           <a:spcPct val="100000"/>
         </a:lnSpc>
@@ -11247,7 +11548,7 @@
           <a:srgbClr val="000000"/>
         </a:buClr>
         <a:buFont typeface="Arial"/>
-        <a:defRPr b="0" i="0" sz="1400" u="none" cap="none" strike="noStrike">
+        <a:defRPr sz="1400" b="0" i="0" u="none" strike="noStrike" cap="none">
           <a:solidFill>
             <a:srgbClr val="000000"/>
           </a:solidFill>
@@ -11259,7 +11560,7 @@
       </a:lvl9pPr>
     </p:titleStyle>
     <p:bodyStyle>
-      <a:defPPr lvl="0" marR="0" rtl="0" algn="l">
+      <a:defPPr marR="0" lvl="0" algn="l" rtl="0">
         <a:lnSpc>
           <a:spcPct val="100000"/>
         </a:lnSpc>
@@ -11270,7 +11571,7 @@
           <a:spcPts val="0"/>
         </a:spcAft>
       </a:defPPr>
-      <a:lvl1pPr lvl="0" marR="0" rtl="0" algn="l">
+      <a:lvl1pPr marR="0" lvl="0" algn="l" rtl="0">
         <a:lnSpc>
           <a:spcPct val="100000"/>
         </a:lnSpc>
@@ -11284,7 +11585,7 @@
           <a:srgbClr val="000000"/>
         </a:buClr>
         <a:buFont typeface="Arial"/>
-        <a:defRPr b="0" i="0" sz="1400" u="none" cap="none" strike="noStrike">
+        <a:defRPr sz="1400" b="0" i="0" u="none" strike="noStrike" cap="none">
           <a:solidFill>
             <a:srgbClr val="000000"/>
           </a:solidFill>
@@ -11294,7 +11595,7 @@
           <a:sym typeface="Arial"/>
         </a:defRPr>
       </a:lvl1pPr>
-      <a:lvl2pPr lvl="1" marR="0" rtl="0" algn="l">
+      <a:lvl2pPr marR="0" lvl="1" algn="l" rtl="0">
         <a:lnSpc>
           <a:spcPct val="100000"/>
         </a:lnSpc>
@@ -11308,7 +11609,7 @@
           <a:srgbClr val="000000"/>
         </a:buClr>
         <a:buFont typeface="Arial"/>
-        <a:defRPr b="0" i="0" sz="1400" u="none" cap="none" strike="noStrike">
+        <a:defRPr sz="1400" b="0" i="0" u="none" strike="noStrike" cap="none">
           <a:solidFill>
             <a:srgbClr val="000000"/>
           </a:solidFill>
@@ -11318,7 +11619,7 @@
           <a:sym typeface="Arial"/>
         </a:defRPr>
       </a:lvl2pPr>
-      <a:lvl3pPr lvl="2" marR="0" rtl="0" algn="l">
+      <a:lvl3pPr marR="0" lvl="2" algn="l" rtl="0">
         <a:lnSpc>
           <a:spcPct val="100000"/>
         </a:lnSpc>
@@ -11332,7 +11633,7 @@
           <a:srgbClr val="000000"/>
         </a:buClr>
         <a:buFont typeface="Arial"/>
-        <a:defRPr b="0" i="0" sz="1400" u="none" cap="none" strike="noStrike">
+        <a:defRPr sz="1400" b="0" i="0" u="none" strike="noStrike" cap="none">
           <a:solidFill>
             <a:srgbClr val="000000"/>
           </a:solidFill>
@@ -11342,7 +11643,7 @@
           <a:sym typeface="Arial"/>
         </a:defRPr>
       </a:lvl3pPr>
-      <a:lvl4pPr lvl="3" marR="0" rtl="0" algn="l">
+      <a:lvl4pPr marR="0" lvl="3" algn="l" rtl="0">
         <a:lnSpc>
           <a:spcPct val="100000"/>
         </a:lnSpc>
@@ -11356,7 +11657,7 @@
           <a:srgbClr val="000000"/>
         </a:buClr>
         <a:buFont typeface="Arial"/>
-        <a:defRPr b="0" i="0" sz="1400" u="none" cap="none" strike="noStrike">
+        <a:defRPr sz="1400" b="0" i="0" u="none" strike="noStrike" cap="none">
           <a:solidFill>
             <a:srgbClr val="000000"/>
           </a:solidFill>
@@ -11366,7 +11667,7 @@
           <a:sym typeface="Arial"/>
         </a:defRPr>
       </a:lvl4pPr>
-      <a:lvl5pPr lvl="4" marR="0" rtl="0" algn="l">
+      <a:lvl5pPr marR="0" lvl="4" algn="l" rtl="0">
         <a:lnSpc>
           <a:spcPct val="100000"/>
         </a:lnSpc>
@@ -11380,7 +11681,7 @@
           <a:srgbClr val="000000"/>
         </a:buClr>
         <a:buFont typeface="Arial"/>
-        <a:defRPr b="0" i="0" sz="1400" u="none" cap="none" strike="noStrike">
+        <a:defRPr sz="1400" b="0" i="0" u="none" strike="noStrike" cap="none">
           <a:solidFill>
             <a:srgbClr val="000000"/>
           </a:solidFill>
@@ -11390,7 +11691,7 @@
           <a:sym typeface="Arial"/>
         </a:defRPr>
       </a:lvl5pPr>
-      <a:lvl6pPr lvl="5" marR="0" rtl="0" algn="l">
+      <a:lvl6pPr marR="0" lvl="5" algn="l" rtl="0">
         <a:lnSpc>
           <a:spcPct val="100000"/>
         </a:lnSpc>
@@ -11404,7 +11705,7 @@
           <a:srgbClr val="000000"/>
         </a:buClr>
         <a:buFont typeface="Arial"/>
-        <a:defRPr b="0" i="0" sz="1400" u="none" cap="none" strike="noStrike">
+        <a:defRPr sz="1400" b="0" i="0" u="none" strike="noStrike" cap="none">
           <a:solidFill>
             <a:srgbClr val="000000"/>
           </a:solidFill>
@@ -11414,7 +11715,7 @@
           <a:sym typeface="Arial"/>
         </a:defRPr>
       </a:lvl6pPr>
-      <a:lvl7pPr lvl="6" marR="0" rtl="0" algn="l">
+      <a:lvl7pPr marR="0" lvl="6" algn="l" rtl="0">
         <a:lnSpc>
           <a:spcPct val="100000"/>
         </a:lnSpc>
@@ -11428,7 +11729,7 @@
           <a:srgbClr val="000000"/>
         </a:buClr>
         <a:buFont typeface="Arial"/>
-        <a:defRPr b="0" i="0" sz="1400" u="none" cap="none" strike="noStrike">
+        <a:defRPr sz="1400" b="0" i="0" u="none" strike="noStrike" cap="none">
           <a:solidFill>
             <a:srgbClr val="000000"/>
           </a:solidFill>
@@ -11438,7 +11739,7 @@
           <a:sym typeface="Arial"/>
         </a:defRPr>
       </a:lvl7pPr>
-      <a:lvl8pPr lvl="7" marR="0" rtl="0" algn="l">
+      <a:lvl8pPr marR="0" lvl="7" algn="l" rtl="0">
         <a:lnSpc>
           <a:spcPct val="100000"/>
         </a:lnSpc>
@@ -11452,7 +11753,7 @@
           <a:srgbClr val="000000"/>
         </a:buClr>
         <a:buFont typeface="Arial"/>
-        <a:defRPr b="0" i="0" sz="1400" u="none" cap="none" strike="noStrike">
+        <a:defRPr sz="1400" b="0" i="0" u="none" strike="noStrike" cap="none">
           <a:solidFill>
             <a:srgbClr val="000000"/>
           </a:solidFill>
@@ -11462,7 +11763,7 @@
           <a:sym typeface="Arial"/>
         </a:defRPr>
       </a:lvl8pPr>
-      <a:lvl9pPr lvl="8" marR="0" rtl="0" algn="l">
+      <a:lvl9pPr marR="0" lvl="8" algn="l" rtl="0">
         <a:lnSpc>
           <a:spcPct val="100000"/>
         </a:lnSpc>
@@ -11476,7 +11777,7 @@
           <a:srgbClr val="000000"/>
         </a:buClr>
         <a:buFont typeface="Arial"/>
-        <a:defRPr b="0" i="0" sz="1400" u="none" cap="none" strike="noStrike">
+        <a:defRPr sz="1400" b="0" i="0" u="none" strike="noStrike" cap="none">
           <a:solidFill>
             <a:srgbClr val="000000"/>
           </a:solidFill>
@@ -11488,7 +11789,7 @@
       </a:lvl9pPr>
     </p:bodyStyle>
     <p:otherStyle>
-      <a:defPPr lvl="0" marR="0" rtl="0" algn="l">
+      <a:defPPr marR="0" lvl="0" algn="l" rtl="0">
         <a:lnSpc>
           <a:spcPct val="100000"/>
         </a:lnSpc>
@@ -11499,7 +11800,7 @@
           <a:spcPts val="0"/>
         </a:spcAft>
       </a:defPPr>
-      <a:lvl1pPr lvl="0" marR="0" rtl="0" algn="l">
+      <a:lvl1pPr marR="0" lvl="0" algn="l" rtl="0">
         <a:lnSpc>
           <a:spcPct val="100000"/>
         </a:lnSpc>
@@ -11513,7 +11814,7 @@
           <a:srgbClr val="000000"/>
         </a:buClr>
         <a:buFont typeface="Arial"/>
-        <a:defRPr b="0" i="0" sz="1400" u="none" cap="none" strike="noStrike">
+        <a:defRPr sz="1400" b="0" i="0" u="none" strike="noStrike" cap="none">
           <a:solidFill>
             <a:srgbClr val="000000"/>
           </a:solidFill>
@@ -11523,7 +11824,7 @@
           <a:sym typeface="Arial"/>
         </a:defRPr>
       </a:lvl1pPr>
-      <a:lvl2pPr lvl="1" marR="0" rtl="0" algn="l">
+      <a:lvl2pPr marR="0" lvl="1" algn="l" rtl="0">
         <a:lnSpc>
           <a:spcPct val="100000"/>
         </a:lnSpc>
@@ -11537,7 +11838,7 @@
           <a:srgbClr val="000000"/>
         </a:buClr>
         <a:buFont typeface="Arial"/>
-        <a:defRPr b="0" i="0" sz="1400" u="none" cap="none" strike="noStrike">
+        <a:defRPr sz="1400" b="0" i="0" u="none" strike="noStrike" cap="none">
           <a:solidFill>
             <a:srgbClr val="000000"/>
           </a:solidFill>
@@ -11547,7 +11848,7 @@
           <a:sym typeface="Arial"/>
         </a:defRPr>
       </a:lvl2pPr>
-      <a:lvl3pPr lvl="2" marR="0" rtl="0" algn="l">
+      <a:lvl3pPr marR="0" lvl="2" algn="l" rtl="0">
         <a:lnSpc>
           <a:spcPct val="100000"/>
         </a:lnSpc>
@@ -11561,7 +11862,7 @@
           <a:srgbClr val="000000"/>
         </a:buClr>
         <a:buFont typeface="Arial"/>
-        <a:defRPr b="0" i="0" sz="1400" u="none" cap="none" strike="noStrike">
+        <a:defRPr sz="1400" b="0" i="0" u="none" strike="noStrike" cap="none">
           <a:solidFill>
             <a:srgbClr val="000000"/>
           </a:solidFill>
@@ -11571,7 +11872,7 @@
           <a:sym typeface="Arial"/>
         </a:defRPr>
       </a:lvl3pPr>
-      <a:lvl4pPr lvl="3" marR="0" rtl="0" algn="l">
+      <a:lvl4pPr marR="0" lvl="3" algn="l" rtl="0">
         <a:lnSpc>
           <a:spcPct val="100000"/>
         </a:lnSpc>
@@ -11585,7 +11886,7 @@
           <a:srgbClr val="000000"/>
         </a:buClr>
         <a:buFont typeface="Arial"/>
-        <a:defRPr b="0" i="0" sz="1400" u="none" cap="none" strike="noStrike">
+        <a:defRPr sz="1400" b="0" i="0" u="none" strike="noStrike" cap="none">
           <a:solidFill>
             <a:srgbClr val="000000"/>
           </a:solidFill>
@@ -11595,7 +11896,7 @@
           <a:sym typeface="Arial"/>
         </a:defRPr>
       </a:lvl4pPr>
-      <a:lvl5pPr lvl="4" marR="0" rtl="0" algn="l">
+      <a:lvl5pPr marR="0" lvl="4" algn="l" rtl="0">
         <a:lnSpc>
           <a:spcPct val="100000"/>
         </a:lnSpc>
@@ -11609,7 +11910,7 @@
           <a:srgbClr val="000000"/>
         </a:buClr>
         <a:buFont typeface="Arial"/>
-        <a:defRPr b="0" i="0" sz="1400" u="none" cap="none" strike="noStrike">
+        <a:defRPr sz="1400" b="0" i="0" u="none" strike="noStrike" cap="none">
           <a:solidFill>
             <a:srgbClr val="000000"/>
           </a:solidFill>
@@ -11619,7 +11920,7 @@
           <a:sym typeface="Arial"/>
         </a:defRPr>
       </a:lvl5pPr>
-      <a:lvl6pPr lvl="5" marR="0" rtl="0" algn="l">
+      <a:lvl6pPr marR="0" lvl="5" algn="l" rtl="0">
         <a:lnSpc>
           <a:spcPct val="100000"/>
         </a:lnSpc>
@@ -11633,7 +11934,7 @@
           <a:srgbClr val="000000"/>
         </a:buClr>
         <a:buFont typeface="Arial"/>
-        <a:defRPr b="0" i="0" sz="1400" u="none" cap="none" strike="noStrike">
+        <a:defRPr sz="1400" b="0" i="0" u="none" strike="noStrike" cap="none">
           <a:solidFill>
             <a:srgbClr val="000000"/>
           </a:solidFill>
@@ -11643,7 +11944,7 @@
           <a:sym typeface="Arial"/>
         </a:defRPr>
       </a:lvl6pPr>
-      <a:lvl7pPr lvl="6" marR="0" rtl="0" algn="l">
+      <a:lvl7pPr marR="0" lvl="6" algn="l" rtl="0">
         <a:lnSpc>
           <a:spcPct val="100000"/>
         </a:lnSpc>
@@ -11657,7 +11958,7 @@
           <a:srgbClr val="000000"/>
         </a:buClr>
         <a:buFont typeface="Arial"/>
-        <a:defRPr b="0" i="0" sz="1400" u="none" cap="none" strike="noStrike">
+        <a:defRPr sz="1400" b="0" i="0" u="none" strike="noStrike" cap="none">
           <a:solidFill>
             <a:srgbClr val="000000"/>
           </a:solidFill>
@@ -11667,7 +11968,7 @@
           <a:sym typeface="Arial"/>
         </a:defRPr>
       </a:lvl7pPr>
-      <a:lvl8pPr lvl="7" marR="0" rtl="0" algn="l">
+      <a:lvl8pPr marR="0" lvl="7" algn="l" rtl="0">
         <a:lnSpc>
           <a:spcPct val="100000"/>
         </a:lnSpc>
@@ -11681,7 +11982,7 @@
           <a:srgbClr val="000000"/>
         </a:buClr>
         <a:buFont typeface="Arial"/>
-        <a:defRPr b="0" i="0" sz="1400" u="none" cap="none" strike="noStrike">
+        <a:defRPr sz="1400" b="0" i="0" u="none" strike="noStrike" cap="none">
           <a:solidFill>
             <a:srgbClr val="000000"/>
           </a:solidFill>
@@ -11691,7 +11992,7 @@
           <a:sym typeface="Arial"/>
         </a:defRPr>
       </a:lvl8pPr>
-      <a:lvl9pPr lvl="8" marR="0" rtl="0" algn="l">
+      <a:lvl9pPr marR="0" lvl="8" algn="l" rtl="0">
         <a:lnSpc>
           <a:spcPct val="100000"/>
         </a:lnSpc>
@@ -11705,7 +12006,7 @@
           <a:srgbClr val="000000"/>
         </a:buClr>
         <a:buFont typeface="Arial"/>
-        <a:defRPr b="0" i="0" sz="1400" u="none" cap="none" strike="noStrike">
+        <a:defRPr sz="1400" b="0" i="0" u="none" strike="noStrike" cap="none">
           <a:solidFill>
             <a:srgbClr val="000000"/>
           </a:solidFill>
@@ -11721,11 +12022,11 @@
 </file>
 
 <file path=ppt/slides/slide1.xml><?xml version="1.0" encoding="utf-8"?>
-<p:sld xmlns:a="http://schemas.openxmlformats.org/drawingml/2006/main" xmlns:r="http://schemas.openxmlformats.org/officeDocument/2006/relationships" xmlns:mc="http://schemas.openxmlformats.org/markup-compatibility/2006" xmlns:mv="urn:schemas-microsoft-com:mac:vml" xmlns:p="http://schemas.openxmlformats.org/presentationml/2006/main" xmlns:c="http://schemas.openxmlformats.org/drawingml/2006/chart" xmlns:dgm="http://schemas.openxmlformats.org/drawingml/2006/diagram" xmlns:o="urn:schemas-microsoft-com:office:office" xmlns:v="urn:schemas-microsoft-com:vml" xmlns:pvml="urn:schemas-microsoft-com:office:powerpoint" xmlns:com="http://schemas.openxmlformats.org/drawingml/2006/compatibility" xmlns:p14="http://schemas.microsoft.com/office/powerpoint/2010/main" xmlns:p15="http://schemas.microsoft.com/office/powerpoint/2012/main">
+<p:sld xmlns:a="http://schemas.openxmlformats.org/drawingml/2006/main" xmlns:r="http://schemas.openxmlformats.org/officeDocument/2006/relationships" xmlns:p="http://schemas.openxmlformats.org/presentationml/2006/main">
   <p:cSld>
     <p:spTree>
       <p:nvGrpSpPr>
-        <p:cNvPr id="91" name="Shape 91"/>
+        <p:cNvPr id="1" name="Shape 91"/>
         <p:cNvGrpSpPr/>
         <p:nvPr/>
       </p:nvGrpSpPr>
@@ -11740,7 +12041,9 @@
       <p:sp>
         <p:nvSpPr>
           <p:cNvPr id="92" name="Google Shape;92;p14"/>
-          <p:cNvSpPr txBox="1"/>
+          <p:cNvSpPr txBox="1">
+            <a:spLocks noGrp="1"/>
+          </p:cNvSpPr>
           <p:nvPr>
             <p:ph type="ctrTitle"/>
           </p:nvPr>
@@ -11755,12 +12058,12 @@
           </a:prstGeom>
         </p:spPr>
         <p:txBody>
-          <a:bodyPr anchorCtr="0" anchor="ctr" bIns="45700" lIns="91425" spcFirstLastPara="1" rIns="91425" wrap="square" tIns="45700">
+          <a:bodyPr spcFirstLastPara="1" wrap="square" lIns="91425" tIns="45700" rIns="91425" bIns="45700" anchor="ctr" anchorCtr="0">
             <a:noAutofit/>
           </a:bodyPr>
           <a:lstStyle/>
           <a:p>
-            <a:pPr indent="0" lvl="0" marL="0" rtl="0" algn="ctr">
+            <a:pPr marL="0" lvl="0" indent="0" algn="ctr" rtl="0">
               <a:spcBef>
                 <a:spcPts val="0"/>
               </a:spcBef>
@@ -11770,15 +12073,32 @@
               <a:buNone/>
             </a:pPr>
             <a:r>
-              <a:rPr b="1" lang="id">
+              <a:rPr lang="id-ID" b="1" dirty="0" smtClean="0">
                 <a:latin typeface="Arial"/>
                 <a:ea typeface="Arial"/>
                 <a:cs typeface="Arial"/>
                 <a:sym typeface="Arial"/>
               </a:rPr>
-              <a:t>Testing Web Menggunakan Nodejs</a:t>
+              <a:t>Rancang Bangun</a:t>
             </a:r>
-            <a:endParaRPr b="1">
+            <a:br>
+              <a:rPr lang="id-ID" b="1" dirty="0" smtClean="0">
+                <a:latin typeface="Arial"/>
+                <a:ea typeface="Arial"/>
+                <a:cs typeface="Arial"/>
+                <a:sym typeface="Arial"/>
+              </a:rPr>
+            </a:br>
+            <a:r>
+              <a:rPr lang="id" b="1" dirty="0" smtClean="0">
+                <a:latin typeface="Arial"/>
+                <a:ea typeface="Arial"/>
+                <a:cs typeface="Arial"/>
+                <a:sym typeface="Arial"/>
+              </a:rPr>
+              <a:t>Testing Web</a:t>
+            </a:r>
+            <a:endParaRPr b="1" dirty="0">
               <a:latin typeface="Arial"/>
               <a:ea typeface="Arial"/>
               <a:cs typeface="Arial"/>
@@ -11790,9 +12110,11 @@
       <p:sp>
         <p:nvSpPr>
           <p:cNvPr id="93" name="Google Shape;93;p14"/>
-          <p:cNvSpPr txBox="1"/>
+          <p:cNvSpPr txBox="1">
+            <a:spLocks noGrp="1"/>
+          </p:cNvSpPr>
           <p:nvPr>
-            <p:ph idx="1" type="subTitle"/>
+            <p:ph type="subTitle" idx="1"/>
           </p:nvPr>
         </p:nvSpPr>
         <p:spPr>
@@ -11805,12 +12127,12 @@
           </a:prstGeom>
         </p:spPr>
         <p:txBody>
-          <a:bodyPr anchorCtr="0" anchor="t" bIns="45700" lIns="91425" spcFirstLastPara="1" rIns="91425" wrap="square" tIns="45700">
+          <a:bodyPr spcFirstLastPara="1" wrap="square" lIns="91425" tIns="45700" rIns="91425" bIns="45700" anchor="t" anchorCtr="0">
             <a:noAutofit/>
           </a:bodyPr>
           <a:lstStyle/>
           <a:p>
-            <a:pPr indent="0" lvl="0" marL="0" rtl="0" algn="r">
+            <a:pPr marL="0" lvl="0" indent="0" algn="r" rtl="0">
               <a:spcBef>
                 <a:spcPts val="560"/>
               </a:spcBef>
@@ -11850,7 +12172,7 @@
             </a:endParaRPr>
           </a:p>
           <a:p>
-            <a:pPr indent="0" lvl="0" marL="0" rtl="0" algn="r">
+            <a:pPr marL="0" lvl="0" indent="0" algn="r" rtl="0">
               <a:spcBef>
                 <a:spcPts val="560"/>
               </a:spcBef>
@@ -11869,19 +12191,7 @@
                 <a:cs typeface="Arial"/>
                 <a:sym typeface="Arial"/>
               </a:rPr>
-              <a:t>Oleh:  </a:t>
-            </a:r>
-            <a:r>
-              <a:rPr lang="id">
-                <a:solidFill>
-                  <a:srgbClr val="FFFFFF"/>
-                </a:solidFill>
-                <a:latin typeface="Arial"/>
-                <a:ea typeface="Arial"/>
-                <a:cs typeface="Arial"/>
-                <a:sym typeface="Arial"/>
-              </a:rPr>
-              <a:t>Deby Dwi</a:t>
+              <a:t>Oleh:  Deby Dwi</a:t>
             </a:r>
             <a:endParaRPr>
               <a:solidFill>
@@ -11894,7 +12204,7 @@
             </a:endParaRPr>
           </a:p>
           <a:p>
-            <a:pPr indent="0" lvl="0" marL="0" rtl="0" algn="r">
+            <a:pPr marL="0" lvl="0" indent="0" algn="r" rtl="0">
               <a:spcBef>
                 <a:spcPts val="560"/>
               </a:spcBef>
@@ -11936,11 +12246,11 @@
 </file>
 
 <file path=ppt/slides/slide2.xml><?xml version="1.0" encoding="utf-8"?>
-<p:sld xmlns:a="http://schemas.openxmlformats.org/drawingml/2006/main" xmlns:r="http://schemas.openxmlformats.org/officeDocument/2006/relationships" xmlns:mc="http://schemas.openxmlformats.org/markup-compatibility/2006" xmlns:mv="urn:schemas-microsoft-com:mac:vml" xmlns:p="http://schemas.openxmlformats.org/presentationml/2006/main" xmlns:c="http://schemas.openxmlformats.org/drawingml/2006/chart" xmlns:dgm="http://schemas.openxmlformats.org/drawingml/2006/diagram" xmlns:o="urn:schemas-microsoft-com:office:office" xmlns:v="urn:schemas-microsoft-com:vml" xmlns:pvml="urn:schemas-microsoft-com:office:powerpoint" xmlns:com="http://schemas.openxmlformats.org/drawingml/2006/compatibility" xmlns:p14="http://schemas.microsoft.com/office/powerpoint/2010/main" xmlns:p15="http://schemas.microsoft.com/office/powerpoint/2012/main">
+<p:sld xmlns:a="http://schemas.openxmlformats.org/drawingml/2006/main" xmlns:r="http://schemas.openxmlformats.org/officeDocument/2006/relationships" xmlns:p="http://schemas.openxmlformats.org/presentationml/2006/main">
   <p:cSld>
     <p:spTree>
       <p:nvGrpSpPr>
-        <p:cNvPr id="97" name="Shape 97"/>
+        <p:cNvPr id="1" name="Shape 97"/>
         <p:cNvGrpSpPr/>
         <p:nvPr/>
       </p:nvGrpSpPr>
@@ -11955,7 +12265,9 @@
       <p:sp>
         <p:nvSpPr>
           <p:cNvPr id="98" name="Google Shape;98;p15"/>
-          <p:cNvSpPr txBox="1"/>
+          <p:cNvSpPr txBox="1">
+            <a:spLocks noGrp="1"/>
+          </p:cNvSpPr>
           <p:nvPr>
             <p:ph type="title"/>
           </p:nvPr>
@@ -11970,12 +12282,12 @@
           </a:prstGeom>
         </p:spPr>
         <p:txBody>
-          <a:bodyPr anchorCtr="0" anchor="ctr" bIns="45700" lIns="91425" spcFirstLastPara="1" rIns="91425" wrap="square" tIns="45700">
+          <a:bodyPr spcFirstLastPara="1" wrap="square" lIns="91425" tIns="45700" rIns="91425" bIns="45700" anchor="ctr" anchorCtr="0">
             <a:noAutofit/>
           </a:bodyPr>
           <a:lstStyle/>
           <a:p>
-            <a:pPr indent="0" lvl="0" marL="0" rtl="0" algn="r">
+            <a:pPr marL="0" lvl="0" indent="0" algn="r" rtl="0">
               <a:spcBef>
                 <a:spcPts val="0"/>
               </a:spcBef>
@@ -11985,7 +12297,7 @@
               <a:buNone/>
             </a:pPr>
             <a:r>
-              <a:rPr b="1" lang="id">
+              <a:rPr lang="id" b="1">
                 <a:latin typeface="Arial"/>
                 <a:ea typeface="Arial"/>
                 <a:cs typeface="Arial"/>
@@ -12005,9 +12317,11 @@
       <p:sp>
         <p:nvSpPr>
           <p:cNvPr id="99" name="Google Shape;99;p15"/>
-          <p:cNvSpPr txBox="1"/>
+          <p:cNvSpPr txBox="1">
+            <a:spLocks noGrp="1"/>
+          </p:cNvSpPr>
           <p:nvPr>
-            <p:ph idx="1" type="body"/>
+            <p:ph type="body" idx="1"/>
           </p:nvPr>
         </p:nvSpPr>
         <p:spPr>
@@ -12020,12 +12334,12 @@
           </a:prstGeom>
         </p:spPr>
         <p:txBody>
-          <a:bodyPr anchorCtr="0" anchor="t" bIns="45700" lIns="91425" spcFirstLastPara="1" rIns="91425" wrap="square" tIns="45700">
+          <a:bodyPr spcFirstLastPara="1" wrap="square" lIns="91425" tIns="45700" rIns="91425" bIns="45700" anchor="t" anchorCtr="0">
             <a:noAutofit/>
           </a:bodyPr>
           <a:lstStyle/>
           <a:p>
-            <a:pPr indent="0" lvl="0" marL="0" rtl="0" algn="l">
+            <a:pPr marL="0" lvl="0" indent="0" algn="l" rtl="0">
               <a:spcBef>
                 <a:spcPts val="560"/>
               </a:spcBef>
@@ -12051,7 +12365,7 @@
             </a:endParaRPr>
           </a:p>
           <a:p>
-            <a:pPr indent="0" lvl="0" marL="0" rtl="0" algn="l">
+            <a:pPr marL="0" lvl="0" indent="0" algn="l" rtl="0">
               <a:spcBef>
                 <a:spcPts val="560"/>
               </a:spcBef>
@@ -12077,7 +12391,7 @@
             </a:endParaRPr>
           </a:p>
           <a:p>
-            <a:pPr indent="0" lvl="0" marL="0" rtl="0" algn="l">
+            <a:pPr marL="0" lvl="0" indent="0" algn="l" rtl="0">
               <a:spcBef>
                 <a:spcPts val="560"/>
               </a:spcBef>
@@ -12103,7 +12417,7 @@
             </a:endParaRPr>
           </a:p>
           <a:p>
-            <a:pPr indent="0" lvl="0" marL="0" rtl="0" algn="l">
+            <a:pPr marL="0" lvl="0" indent="0" algn="l" rtl="0">
               <a:spcBef>
                 <a:spcPts val="560"/>
               </a:spcBef>
@@ -12139,11 +12453,212 @@
 </file>
 
 <file path=ppt/slides/slide3.xml><?xml version="1.0" encoding="utf-8"?>
-<p:sld xmlns:a="http://schemas.openxmlformats.org/drawingml/2006/main" xmlns:r="http://schemas.openxmlformats.org/officeDocument/2006/relationships" xmlns:mc="http://schemas.openxmlformats.org/markup-compatibility/2006" xmlns:mv="urn:schemas-microsoft-com:mac:vml" xmlns:p="http://schemas.openxmlformats.org/presentationml/2006/main" xmlns:c="http://schemas.openxmlformats.org/drawingml/2006/chart" xmlns:dgm="http://schemas.openxmlformats.org/drawingml/2006/diagram" xmlns:o="urn:schemas-microsoft-com:office:office" xmlns:v="urn:schemas-microsoft-com:vml" xmlns:pvml="urn:schemas-microsoft-com:office:powerpoint" xmlns:com="http://schemas.openxmlformats.org/drawingml/2006/compatibility" xmlns:p14="http://schemas.microsoft.com/office/powerpoint/2010/main" xmlns:p15="http://schemas.microsoft.com/office/powerpoint/2012/main">
+<p:sld xmlns:a="http://schemas.openxmlformats.org/drawingml/2006/main" xmlns:r="http://schemas.openxmlformats.org/officeDocument/2006/relationships" xmlns:p="http://schemas.openxmlformats.org/presentationml/2006/main">
   <p:cSld>
     <p:spTree>
       <p:nvGrpSpPr>
-        <p:cNvPr id="103" name="Shape 103"/>
+        <p:cNvPr id="1" name=""/>
+        <p:cNvGrpSpPr/>
+        <p:nvPr/>
+      </p:nvGrpSpPr>
+      <p:grpSpPr>
+        <a:xfrm>
+          <a:off x="0" y="0"/>
+          <a:ext cx="0" cy="0"/>
+          <a:chOff x="0" y="0"/>
+          <a:chExt cx="0" cy="0"/>
+        </a:xfrm>
+      </p:grpSpPr>
+      <p:sp>
+        <p:nvSpPr>
+          <p:cNvPr id="2" name="Title 1"/>
+          <p:cNvSpPr>
+            <a:spLocks noGrp="1"/>
+          </p:cNvSpPr>
+          <p:nvPr>
+            <p:ph type="title"/>
+          </p:nvPr>
+        </p:nvSpPr>
+        <p:spPr/>
+        <p:txBody>
+          <a:bodyPr/>
+          <a:lstStyle/>
+          <a:p>
+            <a:r>
+              <a:rPr lang="id-ID" dirty="0" smtClean="0"/>
+              <a:t>Cara Kerja Web Testing</a:t>
+            </a:r>
+            <a:endParaRPr lang="id-ID" dirty="0"/>
+          </a:p>
+        </p:txBody>
+      </p:sp>
+      <p:sp>
+        <p:nvSpPr>
+          <p:cNvPr id="3" name="Text Placeholder 2"/>
+          <p:cNvSpPr>
+            <a:spLocks noGrp="1"/>
+          </p:cNvSpPr>
+          <p:nvPr>
+            <p:ph type="body" idx="1"/>
+          </p:nvPr>
+        </p:nvSpPr>
+        <p:spPr/>
+        <p:txBody>
+          <a:bodyPr/>
+          <a:lstStyle/>
+          <a:p>
+            <a:r>
+              <a:rPr lang="id-ID" dirty="0" smtClean="0"/>
+              <a:t> </a:t>
+            </a:r>
+            <a:endParaRPr lang="id-ID" dirty="0"/>
+          </a:p>
+        </p:txBody>
+      </p:sp>
+      <p:pic>
+        <p:nvPicPr>
+          <p:cNvPr id="4" name="Picture 3"/>
+          <p:cNvPicPr>
+            <a:picLocks noChangeAspect="1"/>
+          </p:cNvPicPr>
+          <p:nvPr/>
+        </p:nvPicPr>
+        <p:blipFill>
+          <a:blip r:embed="rId2"/>
+          <a:stretch>
+            <a:fillRect/>
+          </a:stretch>
+        </p:blipFill>
+        <p:spPr>
+          <a:xfrm>
+            <a:off x="317963" y="1584883"/>
+            <a:ext cx="5250629" cy="2784024"/>
+          </a:xfrm>
+          <a:prstGeom prst="rect">
+            <a:avLst/>
+          </a:prstGeom>
+        </p:spPr>
+      </p:pic>
+    </p:spTree>
+    <p:extLst>
+      <p:ext uri="{BB962C8B-B14F-4D97-AF65-F5344CB8AC3E}">
+        <p14:creationId xmlns:p14="http://schemas.microsoft.com/office/powerpoint/2010/main" val="3182957827"/>
+      </p:ext>
+    </p:extLst>
+  </p:cSld>
+  <p:clrMapOvr>
+    <a:masterClrMapping/>
+  </p:clrMapOvr>
+</p:sld>
+</file>
+
+<file path=ppt/slides/slide4.xml><?xml version="1.0" encoding="utf-8"?>
+<p:sld xmlns:a="http://schemas.openxmlformats.org/drawingml/2006/main" xmlns:r="http://schemas.openxmlformats.org/officeDocument/2006/relationships" xmlns:p="http://schemas.openxmlformats.org/presentationml/2006/main">
+  <p:cSld>
+    <p:spTree>
+      <p:nvGrpSpPr>
+        <p:cNvPr id="1" name=""/>
+        <p:cNvGrpSpPr/>
+        <p:nvPr/>
+      </p:nvGrpSpPr>
+      <p:grpSpPr>
+        <a:xfrm>
+          <a:off x="0" y="0"/>
+          <a:ext cx="0" cy="0"/>
+          <a:chOff x="0" y="0"/>
+          <a:chExt cx="0" cy="0"/>
+        </a:xfrm>
+      </p:grpSpPr>
+      <p:sp>
+        <p:nvSpPr>
+          <p:cNvPr id="2" name="Title 1"/>
+          <p:cNvSpPr>
+            <a:spLocks noGrp="1"/>
+          </p:cNvSpPr>
+          <p:nvPr>
+            <p:ph type="title"/>
+          </p:nvPr>
+        </p:nvSpPr>
+        <p:spPr/>
+        <p:txBody>
+          <a:bodyPr/>
+          <a:lstStyle/>
+          <a:p>
+            <a:r>
+              <a:rPr lang="id-ID"/>
+              <a:t>Cara Kerja Web Testing</a:t>
+            </a:r>
+            <a:endParaRPr lang="id-ID"/>
+          </a:p>
+        </p:txBody>
+      </p:sp>
+      <p:pic>
+        <p:nvPicPr>
+          <p:cNvPr id="4" name="Picture 3"/>
+          <p:cNvPicPr>
+            <a:picLocks noChangeAspect="1"/>
+          </p:cNvPicPr>
+          <p:nvPr/>
+        </p:nvPicPr>
+        <p:blipFill>
+          <a:blip r:embed="rId2"/>
+          <a:stretch>
+            <a:fillRect/>
+          </a:stretch>
+        </p:blipFill>
+        <p:spPr>
+          <a:xfrm>
+            <a:off x="214472" y="1780996"/>
+            <a:ext cx="4871236" cy="2728057"/>
+          </a:xfrm>
+          <a:prstGeom prst="rect">
+            <a:avLst/>
+          </a:prstGeom>
+        </p:spPr>
+      </p:pic>
+      <p:pic>
+        <p:nvPicPr>
+          <p:cNvPr id="5" name="Picture 4"/>
+          <p:cNvPicPr>
+            <a:picLocks noChangeAspect="1"/>
+          </p:cNvPicPr>
+          <p:nvPr/>
+        </p:nvPicPr>
+        <p:blipFill>
+          <a:blip r:embed="rId3"/>
+          <a:stretch>
+            <a:fillRect/>
+          </a:stretch>
+        </p:blipFill>
+        <p:spPr>
+          <a:xfrm>
+            <a:off x="5237923" y="1780997"/>
+            <a:ext cx="3705599" cy="2728057"/>
+          </a:xfrm>
+          <a:prstGeom prst="rect">
+            <a:avLst/>
+          </a:prstGeom>
+        </p:spPr>
+      </p:pic>
+    </p:spTree>
+    <p:extLst>
+      <p:ext uri="{BB962C8B-B14F-4D97-AF65-F5344CB8AC3E}">
+        <p14:creationId xmlns:p14="http://schemas.microsoft.com/office/powerpoint/2010/main" val="3551957447"/>
+      </p:ext>
+    </p:extLst>
+  </p:cSld>
+  <p:clrMapOvr>
+    <a:masterClrMapping/>
+  </p:clrMapOvr>
+</p:sld>
+</file>
+
+<file path=ppt/slides/slide5.xml><?xml version="1.0" encoding="utf-8"?>
+<p:sld xmlns:a="http://schemas.openxmlformats.org/drawingml/2006/main" xmlns:r="http://schemas.openxmlformats.org/officeDocument/2006/relationships" xmlns:p="http://schemas.openxmlformats.org/presentationml/2006/main">
+  <p:cSld>
+    <p:spTree>
+      <p:nvGrpSpPr>
+        <p:cNvPr id="1" name="Shape 103"/>
         <p:cNvGrpSpPr/>
         <p:nvPr/>
       </p:nvGrpSpPr>
@@ -12158,7 +12673,9 @@
       <p:sp>
         <p:nvSpPr>
           <p:cNvPr id="104" name="Google Shape;104;p16"/>
-          <p:cNvSpPr txBox="1"/>
+          <p:cNvSpPr txBox="1">
+            <a:spLocks noGrp="1"/>
+          </p:cNvSpPr>
           <p:nvPr>
             <p:ph type="title"/>
           </p:nvPr>
@@ -12173,12 +12690,12 @@
           </a:prstGeom>
         </p:spPr>
         <p:txBody>
-          <a:bodyPr anchorCtr="0" anchor="ctr" bIns="45700" lIns="91425" spcFirstLastPara="1" rIns="91425" wrap="square" tIns="45700">
+          <a:bodyPr spcFirstLastPara="1" wrap="square" lIns="91425" tIns="45700" rIns="91425" bIns="45700" anchor="ctr" anchorCtr="0">
             <a:noAutofit/>
           </a:bodyPr>
           <a:lstStyle/>
           <a:p>
-            <a:pPr indent="0" lvl="0" marL="0" rtl="0" algn="r">
+            <a:pPr marL="0" lvl="0" indent="0" algn="r" rtl="0">
               <a:spcBef>
                 <a:spcPts val="0"/>
               </a:spcBef>
@@ -12188,36 +12705,54 @@
               <a:buNone/>
             </a:pPr>
             <a:r>
-              <a:t/>
+              <a:rPr dirty="0" smtClean="0"/>
+              <a:t>Cara </a:t>
             </a:r>
-            <a:endParaRPr/>
+            <a:r>
+              <a:rPr dirty="0" err="1" smtClean="0"/>
+              <a:t>Kerja</a:t>
+            </a:r>
+            <a:r>
+              <a:rPr dirty="0" smtClean="0"/>
+              <a:t> Web </a:t>
+            </a:r>
+            <a:br>
+              <a:rPr dirty="0" smtClean="0"/>
+            </a:br>
+            <a:r>
+              <a:rPr dirty="0" err="1" smtClean="0"/>
+              <a:t>AutoTest</a:t>
+            </a:r>
+            <a:endParaRPr dirty="0"/>
           </a:p>
         </p:txBody>
       </p:sp>
       <p:sp>
         <p:nvSpPr>
           <p:cNvPr id="105" name="Google Shape;105;p16"/>
-          <p:cNvSpPr txBox="1"/>
+          <p:cNvSpPr txBox="1">
+            <a:spLocks noGrp="1"/>
+          </p:cNvSpPr>
           <p:nvPr>
-            <p:ph idx="1" type="body"/>
+            <p:ph type="body" idx="1"/>
           </p:nvPr>
         </p:nvSpPr>
         <p:spPr>
           <a:xfrm>
-            <a:off x="426843" y="1415845"/>
-            <a:ext cx="8246100" cy="3122100"/>
+            <a:off x="4173907" y="2094175"/>
+            <a:ext cx="4271451" cy="2910196"/>
           </a:xfrm>
           <a:prstGeom prst="rect">
             <a:avLst/>
           </a:prstGeom>
         </p:spPr>
         <p:txBody>
-          <a:bodyPr anchorCtr="0" anchor="t" bIns="45700" lIns="91425" spcFirstLastPara="1" rIns="91425" wrap="square" tIns="45700">
+          <a:bodyPr spcFirstLastPara="1" wrap="square" lIns="91425" tIns="45700" rIns="91425" bIns="45700" anchor="t" anchorCtr="0">
             <a:noAutofit/>
           </a:bodyPr>
           <a:lstStyle/>
           <a:p>
-            <a:pPr indent="0" lvl="0" marL="0" rtl="0" algn="l">
+            <a:pPr marL="0" lvl="0" indent="0" algn="l" rtl="0">
               <a:spcBef>
                 <a:spcPts val="560"/>
               </a:spcBef>
@@ -12226,13 +12761,58 @@
               </a:spcAft>
               <a:buNone/>
             </a:pPr>
-            <a:r>
-              <a:t/>
-            </a:r>
-            <a:endParaRPr/>
+            <a:endParaRPr sz="1400" dirty="0"/>
           </a:p>
         </p:txBody>
       </p:sp>
+      <p:pic>
+        <p:nvPicPr>
+          <p:cNvPr id="2" name="Picture 1"/>
+          <p:cNvPicPr>
+            <a:picLocks noChangeAspect="1"/>
+          </p:cNvPicPr>
+          <p:nvPr/>
+        </p:nvPicPr>
+        <p:blipFill>
+          <a:blip r:embed="rId3"/>
+          <a:stretch>
+            <a:fillRect/>
+          </a:stretch>
+        </p:blipFill>
+        <p:spPr>
+          <a:xfrm>
+            <a:off x="441590" y="2070671"/>
+            <a:ext cx="3638550" cy="2933700"/>
+          </a:xfrm>
+          <a:prstGeom prst="rect">
+            <a:avLst/>
+          </a:prstGeom>
+        </p:spPr>
+      </p:pic>
+      <p:pic>
+        <p:nvPicPr>
+          <p:cNvPr id="3" name="Picture 2"/>
+          <p:cNvPicPr>
+            <a:picLocks noChangeAspect="1"/>
+          </p:cNvPicPr>
+          <p:nvPr/>
+        </p:nvPicPr>
+        <p:blipFill>
+          <a:blip r:embed="rId4"/>
+          <a:stretch>
+            <a:fillRect/>
+          </a:stretch>
+        </p:blipFill>
+        <p:spPr>
+          <a:xfrm>
+            <a:off x="4379705" y="2062009"/>
+            <a:ext cx="3942362" cy="2974527"/>
+          </a:xfrm>
+          <a:prstGeom prst="rect">
+            <a:avLst/>
+          </a:prstGeom>
+        </p:spPr>
+      </p:pic>
     </p:spTree>
   </p:cSld>
   <p:clrMapOvr>
@@ -12242,7 +12822,288 @@
 </file>
 
 <file path=ppt/theme/theme1.xml><?xml version="1.0" encoding="utf-8"?>
-<a:theme xmlns:a="http://schemas.openxmlformats.org/drawingml/2006/main" xmlns:r="http://schemas.openxmlformats.org/officeDocument/2006/relationships">
+<a:theme xmlns:a="http://schemas.openxmlformats.org/drawingml/2006/main" name="Office Theme">
+  <a:themeElements>
+    <a:clrScheme name="Office">
+      <a:dk1>
+        <a:srgbClr val="000000"/>
+      </a:dk1>
+      <a:lt1>
+        <a:srgbClr val="FFFFFF"/>
+      </a:lt1>
+      <a:dk2>
+        <a:srgbClr val="1F497D"/>
+      </a:dk2>
+      <a:lt2>
+        <a:srgbClr val="EEECE1"/>
+      </a:lt2>
+      <a:accent1>
+        <a:srgbClr val="4F81BD"/>
+      </a:accent1>
+      <a:accent2>
+        <a:srgbClr val="C0504D"/>
+      </a:accent2>
+      <a:accent3>
+        <a:srgbClr val="9BBB59"/>
+      </a:accent3>
+      <a:accent4>
+        <a:srgbClr val="8064A2"/>
+      </a:accent4>
+      <a:accent5>
+        <a:srgbClr val="4BACC6"/>
+      </a:accent5>
+      <a:accent6>
+        <a:srgbClr val="F79646"/>
+      </a:accent6>
+      <a:hlink>
+        <a:srgbClr val="0000FF"/>
+      </a:hlink>
+      <a:folHlink>
+        <a:srgbClr val="800080"/>
+      </a:folHlink>
+    </a:clrScheme>
+    <a:fontScheme name="Office">
+      <a:majorFont>
+        <a:latin typeface="Arial"/>
+        <a:ea typeface=""/>
+        <a:cs typeface=""/>
+        <a:font script="Jpan" typeface="ＭＳ Ｐゴシック"/>
+        <a:font script="Hang" typeface="맑은 고딕"/>
+        <a:font script="Hans" typeface="宋体"/>
+        <a:font script="Hant" typeface="新細明體"/>
+        <a:font script="Arab" typeface="Times New Roman"/>
+        <a:font script="Hebr" typeface="Times New Roman"/>
+        <a:font script="Thai" typeface="Angsana New"/>
+        <a:font script="Ethi" typeface="Nyala"/>
+        <a:font script="Beng" typeface="Vrinda"/>
+        <a:font script="Gujr" typeface="Shruti"/>
+        <a:font script="Khmr" typeface="MoolBoran"/>
+        <a:font script="Knda" typeface="Tunga"/>
+        <a:font script="Guru" typeface="Raavi"/>
+        <a:font script="Cans" typeface="Euphemia"/>
+        <a:font script="Cher" typeface="Plantagenet Cherokee"/>
+        <a:font script="Yiii" typeface="Microsoft Yi Baiti"/>
+        <a:font script="Tibt" typeface="Microsoft Himalaya"/>
+        <a:font script="Thaa" typeface="MV Boli"/>
+        <a:font script="Deva" typeface="Mangal"/>
+        <a:font script="Telu" typeface="Gautami"/>
+        <a:font script="Taml" typeface="Latha"/>
+        <a:font script="Syrc" typeface="Estrangelo Edessa"/>
+        <a:font script="Orya" typeface="Kalinga"/>
+        <a:font script="Mlym" typeface="Kartika"/>
+        <a:font script="Laoo" typeface="DokChampa"/>
+        <a:font script="Sinh" typeface="Iskoola Pota"/>
+        <a:font script="Mong" typeface="Mongolian Baiti"/>
+        <a:font script="Viet" typeface="Times New Roman"/>
+        <a:font script="Uigh" typeface="Microsoft Uighur"/>
+        <a:font script="Geor" typeface="Sylfaen"/>
+      </a:majorFont>
+      <a:minorFont>
+        <a:latin typeface="Arial"/>
+        <a:ea typeface=""/>
+        <a:cs typeface=""/>
+        <a:font script="Jpan" typeface="ＭＳ Ｐゴシック"/>
+        <a:font script="Hang" typeface="맑은 고딕"/>
+        <a:font script="Hans" typeface="宋体"/>
+        <a:font script="Hant" typeface="新細明體"/>
+        <a:font script="Arab" typeface="Arial"/>
+        <a:font script="Hebr" typeface="Arial"/>
+        <a:font script="Thai" typeface="Cordia New"/>
+        <a:font script="Ethi" typeface="Nyala"/>
+        <a:font script="Beng" typeface="Vrinda"/>
+        <a:font script="Gujr" typeface="Shruti"/>
+        <a:font script="Khmr" typeface="DaunPenh"/>
+        <a:font script="Knda" typeface="Tunga"/>
+        <a:font script="Guru" typeface="Raavi"/>
+        <a:font script="Cans" typeface="Euphemia"/>
+        <a:font script="Cher" typeface="Plantagenet Cherokee"/>
+        <a:font script="Yiii" typeface="Microsoft Yi Baiti"/>
+        <a:font script="Tibt" typeface="Microsoft Himalaya"/>
+        <a:font script="Thaa" typeface="MV Boli"/>
+        <a:font script="Deva" typeface="Mangal"/>
+        <a:font script="Telu" typeface="Gautami"/>
+        <a:font script="Taml" typeface="Latha"/>
+        <a:font script="Syrc" typeface="Estrangelo Edessa"/>
+        <a:font script="Orya" typeface="Kalinga"/>
+        <a:font script="Mlym" typeface="Kartika"/>
+        <a:font script="Laoo" typeface="DokChampa"/>
+        <a:font script="Sinh" typeface="Iskoola Pota"/>
+        <a:font script="Mong" typeface="Mongolian Baiti"/>
+        <a:font script="Viet" typeface="Arial"/>
+        <a:font script="Uigh" typeface="Microsoft Uighur"/>
+        <a:font script="Geor" typeface="Sylfaen"/>
+      </a:minorFont>
+    </a:fontScheme>
+    <a:fmtScheme name="Office">
+      <a:fillStyleLst>
+        <a:solidFill>
+          <a:schemeClr val="phClr"/>
+        </a:solidFill>
+        <a:gradFill rotWithShape="1">
+          <a:gsLst>
+            <a:gs pos="0">
+              <a:schemeClr val="phClr">
+                <a:tint val="50000"/>
+                <a:satMod val="300000"/>
+              </a:schemeClr>
+            </a:gs>
+            <a:gs pos="35000">
+              <a:schemeClr val="phClr">
+                <a:tint val="37000"/>
+                <a:satMod val="300000"/>
+              </a:schemeClr>
+            </a:gs>
+            <a:gs pos="100000">
+              <a:schemeClr val="phClr">
+                <a:tint val="15000"/>
+                <a:satMod val="350000"/>
+              </a:schemeClr>
+            </a:gs>
+          </a:gsLst>
+          <a:lin ang="16200000" scaled="1"/>
+        </a:gradFill>
+        <a:gradFill rotWithShape="1">
+          <a:gsLst>
+            <a:gs pos="0">
+              <a:schemeClr val="phClr">
+                <a:tint val="100000"/>
+                <a:shade val="100000"/>
+                <a:satMod val="130000"/>
+              </a:schemeClr>
+            </a:gs>
+            <a:gs pos="100000">
+              <a:schemeClr val="phClr">
+                <a:tint val="50000"/>
+                <a:shade val="100000"/>
+                <a:satMod val="350000"/>
+              </a:schemeClr>
+            </a:gs>
+          </a:gsLst>
+          <a:lin ang="16200000" scaled="0"/>
+        </a:gradFill>
+      </a:fillStyleLst>
+      <a:lnStyleLst>
+        <a:ln w="9525" cap="flat" cmpd="sng" algn="ctr">
+          <a:solidFill>
+            <a:schemeClr val="phClr">
+              <a:shade val="95000"/>
+              <a:satMod val="105000"/>
+            </a:schemeClr>
+          </a:solidFill>
+          <a:prstDash val="solid"/>
+        </a:ln>
+        <a:ln w="25400" cap="flat" cmpd="sng" algn="ctr">
+          <a:solidFill>
+            <a:schemeClr val="phClr"/>
+          </a:solidFill>
+          <a:prstDash val="solid"/>
+        </a:ln>
+        <a:ln w="38100" cap="flat" cmpd="sng" algn="ctr">
+          <a:solidFill>
+            <a:schemeClr val="phClr"/>
+          </a:solidFill>
+          <a:prstDash val="solid"/>
+        </a:ln>
+      </a:lnStyleLst>
+      <a:effectStyleLst>
+        <a:effectStyle>
+          <a:effectLst>
+            <a:outerShdw blurRad="40000" dist="20000" dir="5400000" rotWithShape="0">
+              <a:srgbClr val="000000">
+                <a:alpha val="38000"/>
+              </a:srgbClr>
+            </a:outerShdw>
+          </a:effectLst>
+        </a:effectStyle>
+        <a:effectStyle>
+          <a:effectLst>
+            <a:outerShdw blurRad="40000" dist="23000" dir="5400000" rotWithShape="0">
+              <a:srgbClr val="000000">
+                <a:alpha val="35000"/>
+              </a:srgbClr>
+            </a:outerShdw>
+          </a:effectLst>
+        </a:effectStyle>
+        <a:effectStyle>
+          <a:effectLst>
+            <a:outerShdw blurRad="40000" dist="23000" dir="5400000" rotWithShape="0">
+              <a:srgbClr val="000000">
+                <a:alpha val="35000"/>
+              </a:srgbClr>
+            </a:outerShdw>
+          </a:effectLst>
+          <a:scene3d>
+            <a:camera prst="orthographicFront">
+              <a:rot lat="0" lon="0" rev="0"/>
+            </a:camera>
+            <a:lightRig rig="threePt" dir="t">
+              <a:rot lat="0" lon="0" rev="1200000"/>
+            </a:lightRig>
+          </a:scene3d>
+          <a:sp3d>
+            <a:bevelT w="63500" h="25400"/>
+          </a:sp3d>
+        </a:effectStyle>
+      </a:effectStyleLst>
+      <a:bgFillStyleLst>
+        <a:solidFill>
+          <a:schemeClr val="phClr"/>
+        </a:solidFill>
+        <a:gradFill rotWithShape="1">
+          <a:gsLst>
+            <a:gs pos="0">
+              <a:schemeClr val="phClr">
+                <a:tint val="40000"/>
+                <a:satMod val="350000"/>
+              </a:schemeClr>
+            </a:gs>
+            <a:gs pos="40000">
+              <a:schemeClr val="phClr">
+                <a:tint val="45000"/>
+                <a:shade val="99000"/>
+                <a:satMod val="350000"/>
+              </a:schemeClr>
+            </a:gs>
+            <a:gs pos="100000">
+              <a:schemeClr val="phClr">
+                <a:shade val="20000"/>
+                <a:satMod val="255000"/>
+              </a:schemeClr>
+            </a:gs>
+          </a:gsLst>
+          <a:path path="circle">
+            <a:fillToRect l="50000" t="-80000" r="50000" b="180000"/>
+          </a:path>
+        </a:gradFill>
+        <a:gradFill rotWithShape="1">
+          <a:gsLst>
+            <a:gs pos="0">
+              <a:schemeClr val="phClr">
+                <a:tint val="80000"/>
+                <a:satMod val="300000"/>
+              </a:schemeClr>
+            </a:gs>
+            <a:gs pos="100000">
+              <a:schemeClr val="phClr">
+                <a:shade val="30000"/>
+                <a:satMod val="200000"/>
+              </a:schemeClr>
+            </a:gs>
+          </a:gsLst>
+          <a:path path="circle">
+            <a:fillToRect l="50000" t="50000" r="50000" b="50000"/>
+          </a:path>
+        </a:gradFill>
+      </a:bgFillStyleLst>
+    </a:fmtScheme>
+  </a:themeElements>
+  <a:objectDefaults/>
+  <a:extraClrSchemeLst/>
+</a:theme>
+</file>
+
+<file path=ppt/theme/theme2.xml><?xml version="1.0" encoding="utf-8"?>
+<a:theme xmlns:a="http://schemas.openxmlformats.org/drawingml/2006/main">
   <a:themeElements>
     <a:clrScheme name="Default">
       <a:dk1>
@@ -12517,284 +13378,7 @@
       </a:bgFillStyleLst>
     </a:fmtScheme>
   </a:themeElements>
-</a:theme>
-</file>
-
-<file path=ppt/theme/theme2.xml><?xml version="1.0" encoding="utf-8"?>
-<a:theme xmlns:a="http://schemas.openxmlformats.org/drawingml/2006/main" xmlns:r="http://schemas.openxmlformats.org/officeDocument/2006/relationships" name="Office Theme">
-  <a:themeElements>
-    <a:clrScheme name="Office">
-      <a:dk1>
-        <a:srgbClr val="000000"/>
-      </a:dk1>
-      <a:lt1>
-        <a:srgbClr val="FFFFFF"/>
-      </a:lt1>
-      <a:dk2>
-        <a:srgbClr val="1F497D"/>
-      </a:dk2>
-      <a:lt2>
-        <a:srgbClr val="EEECE1"/>
-      </a:lt2>
-      <a:accent1>
-        <a:srgbClr val="4F81BD"/>
-      </a:accent1>
-      <a:accent2>
-        <a:srgbClr val="C0504D"/>
-      </a:accent2>
-      <a:accent3>
-        <a:srgbClr val="9BBB59"/>
-      </a:accent3>
-      <a:accent4>
-        <a:srgbClr val="8064A2"/>
-      </a:accent4>
-      <a:accent5>
-        <a:srgbClr val="4BACC6"/>
-      </a:accent5>
-      <a:accent6>
-        <a:srgbClr val="F79646"/>
-      </a:accent6>
-      <a:hlink>
-        <a:srgbClr val="0000FF"/>
-      </a:hlink>
-      <a:folHlink>
-        <a:srgbClr val="800080"/>
-      </a:folHlink>
-    </a:clrScheme>
-    <a:fontScheme name="Office">
-      <a:majorFont>
-        <a:latin typeface="Arial"/>
-        <a:ea typeface=""/>
-        <a:cs typeface=""/>
-        <a:font script="Jpan" typeface="ＭＳ Ｐゴシック"/>
-        <a:font script="Hang" typeface="맑은 고딕"/>
-        <a:font script="Hans" typeface="宋体"/>
-        <a:font script="Hant" typeface="新細明體"/>
-        <a:font script="Arab" typeface="Times New Roman"/>
-        <a:font script="Hebr" typeface="Times New Roman"/>
-        <a:font script="Thai" typeface="Angsana New"/>
-        <a:font script="Ethi" typeface="Nyala"/>
-        <a:font script="Beng" typeface="Vrinda"/>
-        <a:font script="Gujr" typeface="Shruti"/>
-        <a:font script="Khmr" typeface="MoolBoran"/>
-        <a:font script="Knda" typeface="Tunga"/>
-        <a:font script="Guru" typeface="Raavi"/>
-        <a:font script="Cans" typeface="Euphemia"/>
-        <a:font script="Cher" typeface="Plantagenet Cherokee"/>
-        <a:font script="Yiii" typeface="Microsoft Yi Baiti"/>
-        <a:font script="Tibt" typeface="Microsoft Himalaya"/>
-        <a:font script="Thaa" typeface="MV Boli"/>
-        <a:font script="Deva" typeface="Mangal"/>
-        <a:font script="Telu" typeface="Gautami"/>
-        <a:font script="Taml" typeface="Latha"/>
-        <a:font script="Syrc" typeface="Estrangelo Edessa"/>
-        <a:font script="Orya" typeface="Kalinga"/>
-        <a:font script="Mlym" typeface="Kartika"/>
-        <a:font script="Laoo" typeface="DokChampa"/>
-        <a:font script="Sinh" typeface="Iskoola Pota"/>
-        <a:font script="Mong" typeface="Mongolian Baiti"/>
-        <a:font script="Viet" typeface="Times New Roman"/>
-        <a:font script="Uigh" typeface="Microsoft Uighur"/>
-        <a:font script="Geor" typeface="Sylfaen"/>
-      </a:majorFont>
-      <a:minorFont>
-        <a:latin typeface="Arial"/>
-        <a:ea typeface=""/>
-        <a:cs typeface=""/>
-        <a:font script="Jpan" typeface="ＭＳ Ｐゴシック"/>
-        <a:font script="Hang" typeface="맑은 고딕"/>
-        <a:font script="Hans" typeface="宋体"/>
-        <a:font script="Hant" typeface="新細明體"/>
-        <a:font script="Arab" typeface="Arial"/>
-        <a:font script="Hebr" typeface="Arial"/>
-        <a:font script="Thai" typeface="Cordia New"/>
-        <a:font script="Ethi" typeface="Nyala"/>
-        <a:font script="Beng" typeface="Vrinda"/>
-        <a:font script="Gujr" typeface="Shruti"/>
-        <a:font script="Khmr" typeface="DaunPenh"/>
-        <a:font script="Knda" typeface="Tunga"/>
-        <a:font script="Guru" typeface="Raavi"/>
-        <a:font script="Cans" typeface="Euphemia"/>
-        <a:font script="Cher" typeface="Plantagenet Cherokee"/>
-        <a:font script="Yiii" typeface="Microsoft Yi Baiti"/>
-        <a:font script="Tibt" typeface="Microsoft Himalaya"/>
-        <a:font script="Thaa" typeface="MV Boli"/>
-        <a:font script="Deva" typeface="Mangal"/>
-        <a:font script="Telu" typeface="Gautami"/>
-        <a:font script="Taml" typeface="Latha"/>
-        <a:font script="Syrc" typeface="Estrangelo Edessa"/>
-        <a:font script="Orya" typeface="Kalinga"/>
-        <a:font script="Mlym" typeface="Kartika"/>
-        <a:font script="Laoo" typeface="DokChampa"/>
-        <a:font script="Sinh" typeface="Iskoola Pota"/>
-        <a:font script="Mong" typeface="Mongolian Baiti"/>
-        <a:font script="Viet" typeface="Arial"/>
-        <a:font script="Uigh" typeface="Microsoft Uighur"/>
-        <a:font script="Geor" typeface="Sylfaen"/>
-      </a:minorFont>
-    </a:fontScheme>
-    <a:fmtScheme name="Office">
-      <a:fillStyleLst>
-        <a:solidFill>
-          <a:schemeClr val="phClr"/>
-        </a:solidFill>
-        <a:gradFill rotWithShape="1">
-          <a:gsLst>
-            <a:gs pos="0">
-              <a:schemeClr val="phClr">
-                <a:tint val="50000"/>
-                <a:satMod val="300000"/>
-              </a:schemeClr>
-            </a:gs>
-            <a:gs pos="35000">
-              <a:schemeClr val="phClr">
-                <a:tint val="37000"/>
-                <a:satMod val="300000"/>
-              </a:schemeClr>
-            </a:gs>
-            <a:gs pos="100000">
-              <a:schemeClr val="phClr">
-                <a:tint val="15000"/>
-                <a:satMod val="350000"/>
-              </a:schemeClr>
-            </a:gs>
-          </a:gsLst>
-          <a:lin ang="16200000" scaled="1"/>
-        </a:gradFill>
-        <a:gradFill rotWithShape="1">
-          <a:gsLst>
-            <a:gs pos="0">
-              <a:schemeClr val="phClr">
-                <a:tint val="100000"/>
-                <a:shade val="100000"/>
-                <a:satMod val="130000"/>
-              </a:schemeClr>
-            </a:gs>
-            <a:gs pos="100000">
-              <a:schemeClr val="phClr">
-                <a:tint val="50000"/>
-                <a:shade val="100000"/>
-                <a:satMod val="350000"/>
-              </a:schemeClr>
-            </a:gs>
-          </a:gsLst>
-          <a:lin ang="16200000" scaled="0"/>
-        </a:gradFill>
-      </a:fillStyleLst>
-      <a:lnStyleLst>
-        <a:ln w="9525" cap="flat" cmpd="sng" algn="ctr">
-          <a:solidFill>
-            <a:schemeClr val="phClr">
-              <a:shade val="95000"/>
-              <a:satMod val="105000"/>
-            </a:schemeClr>
-          </a:solidFill>
-          <a:prstDash val="solid"/>
-        </a:ln>
-        <a:ln w="25400" cap="flat" cmpd="sng" algn="ctr">
-          <a:solidFill>
-            <a:schemeClr val="phClr"/>
-          </a:solidFill>
-          <a:prstDash val="solid"/>
-        </a:ln>
-        <a:ln w="38100" cap="flat" cmpd="sng" algn="ctr">
-          <a:solidFill>
-            <a:schemeClr val="phClr"/>
-          </a:solidFill>
-          <a:prstDash val="solid"/>
-        </a:ln>
-      </a:lnStyleLst>
-      <a:effectStyleLst>
-        <a:effectStyle>
-          <a:effectLst>
-            <a:outerShdw blurRad="40000" dist="20000" dir="5400000" rotWithShape="0">
-              <a:srgbClr val="000000">
-                <a:alpha val="38000"/>
-              </a:srgbClr>
-            </a:outerShdw>
-          </a:effectLst>
-        </a:effectStyle>
-        <a:effectStyle>
-          <a:effectLst>
-            <a:outerShdw blurRad="40000" dist="23000" dir="5400000" rotWithShape="0">
-              <a:srgbClr val="000000">
-                <a:alpha val="35000"/>
-              </a:srgbClr>
-            </a:outerShdw>
-          </a:effectLst>
-        </a:effectStyle>
-        <a:effectStyle>
-          <a:effectLst>
-            <a:outerShdw blurRad="40000" dist="23000" dir="5400000" rotWithShape="0">
-              <a:srgbClr val="000000">
-                <a:alpha val="35000"/>
-              </a:srgbClr>
-            </a:outerShdw>
-          </a:effectLst>
-          <a:scene3d>
-            <a:camera prst="orthographicFront">
-              <a:rot lat="0" lon="0" rev="0"/>
-            </a:camera>
-            <a:lightRig rig="threePt" dir="t">
-              <a:rot lat="0" lon="0" rev="1200000"/>
-            </a:lightRig>
-          </a:scene3d>
-          <a:sp3d>
-            <a:bevelT w="63500" h="25400"/>
-          </a:sp3d>
-        </a:effectStyle>
-      </a:effectStyleLst>
-      <a:bgFillStyleLst>
-        <a:solidFill>
-          <a:schemeClr val="phClr"/>
-        </a:solidFill>
-        <a:gradFill rotWithShape="1">
-          <a:gsLst>
-            <a:gs pos="0">
-              <a:schemeClr val="phClr">
-                <a:tint val="40000"/>
-                <a:satMod val="350000"/>
-              </a:schemeClr>
-            </a:gs>
-            <a:gs pos="40000">
-              <a:schemeClr val="phClr">
-                <a:tint val="45000"/>
-                <a:shade val="99000"/>
-                <a:satMod val="350000"/>
-              </a:schemeClr>
-            </a:gs>
-            <a:gs pos="100000">
-              <a:schemeClr val="phClr">
-                <a:shade val="20000"/>
-                <a:satMod val="255000"/>
-              </a:schemeClr>
-            </a:gs>
-          </a:gsLst>
-          <a:path path="circle">
-            <a:fillToRect l="50000" t="-80000" r="50000" b="180000"/>
-          </a:path>
-        </a:gradFill>
-        <a:gradFill rotWithShape="1">
-          <a:gsLst>
-            <a:gs pos="0">
-              <a:schemeClr val="phClr">
-                <a:tint val="80000"/>
-                <a:satMod val="300000"/>
-              </a:schemeClr>
-            </a:gs>
-            <a:gs pos="100000">
-              <a:schemeClr val="phClr">
-                <a:shade val="30000"/>
-                <a:satMod val="200000"/>
-              </a:schemeClr>
-            </a:gs>
-          </a:gsLst>
-          <a:path path="circle">
-            <a:fillToRect l="50000" t="50000" r="50000" b="50000"/>
-          </a:path>
-        </a:gradFill>
-      </a:bgFillStyleLst>
-    </a:fmtScheme>
-  </a:themeElements>
+  <a:objectDefaults/>
+  <a:extraClrSchemeLst/>
 </a:theme>
 </file>